--- a/doc/Documentation.pptx
+++ b/doc/Documentation.pptx
@@ -2,14 +2,18 @@
 <file path=ppt/presentation.xml><?xml version="1.0" encoding="utf-8"?>
 <p:presentation xmlns:a="http://schemas.openxmlformats.org/drawingml/2006/main" xmlns:r="http://schemas.openxmlformats.org/officeDocument/2006/relationships" xmlns:p="http://schemas.openxmlformats.org/presentationml/2006/main" saveSubsetFonts="1">
   <p:sldMasterIdLst>
-    <p:sldMasterId id="2147483660" r:id="rId1"/>
+    <p:sldMasterId id="2147483672" r:id="rId1"/>
   </p:sldMasterIdLst>
   <p:sldIdLst>
     <p:sldId id="256" r:id="rId2"/>
     <p:sldId id="257" r:id="rId3"/>
-    <p:sldId id="258" r:id="rId4"/>
+    <p:sldId id="260" r:id="rId4"/>
+    <p:sldId id="261" r:id="rId5"/>
+    <p:sldId id="262" r:id="rId6"/>
+    <p:sldId id="259" r:id="rId7"/>
+    <p:sldId id="258" r:id="rId8"/>
   </p:sldIdLst>
-  <p:sldSz cx="6858000" cy="9144000" type="letter"/>
+  <p:sldSz cx="12192000" cy="9144000"/>
   <p:notesSz cx="6858000" cy="9144000"/>
   <p:defaultTextStyle>
     <a:defPPr>
@@ -107,6 +111,37 @@
     </a:lvl9pPr>
   </p:defaultTextStyle>
   <p:extLst>
+    <p:ext uri="{521415D9-36F7-43E2-AB2F-B90AF26B5E84}">
+      <p14:sectionLst xmlns:p14="http://schemas.microsoft.com/office/powerpoint/2010/main">
+        <p14:section name="Default Section" id="{6500F43A-C403-4933-AE36-A66AC6867CD5}">
+          <p14:sldIdLst>
+            <p14:sldId id="256"/>
+            <p14:sldId id="257"/>
+          </p14:sldIdLst>
+        </p14:section>
+        <p14:section name="Problem A" id="{DB4F70B3-0D07-4851-9C1E-211371EADD14}">
+          <p14:sldIdLst>
+            <p14:sldId id="260"/>
+          </p14:sldIdLst>
+        </p14:section>
+        <p14:section name="Problem B" id="{5923943D-6D67-41B8-B6C2-AFB4956FFABF}">
+          <p14:sldIdLst>
+            <p14:sldId id="261"/>
+          </p14:sldIdLst>
+        </p14:section>
+        <p14:section name="Problem C" id="{EFC7433A-7B1A-48B9-8538-4025E5D70D2A}">
+          <p14:sldIdLst>
+            <p14:sldId id="262"/>
+          </p14:sldIdLst>
+        </p14:section>
+        <p14:section name="1x1 Element" id="{5EC04579-06A5-4DC6-BF05-A2B7E6913874}">
+          <p14:sldIdLst>
+            <p14:sldId id="259"/>
+            <p14:sldId id="258"/>
+          </p14:sldIdLst>
+        </p14:section>
+      </p14:sectionLst>
+    </p:ext>
     <p:ext uri="{EFAFB233-063F-42B5-8137-9DF3F51BA10A}">
       <p15:sldGuideLst xmlns:p15="http://schemas.microsoft.com/office/powerpoint/2012/main">
         <p15:guide id="1" orient="horz" pos="2880" userDrawn="1">
@@ -114,7 +149,7 @@
             <a:srgbClr val="A4A3A4"/>
           </p15:clr>
         </p15:guide>
-        <p15:guide id="2" pos="2160" userDrawn="1">
+        <p15:guide id="2" pos="3840" userDrawn="1">
           <p15:clr>
             <a:srgbClr val="A4A3A4"/>
           </p15:clr>
@@ -154,15 +189,15 @@
         </p:nvSpPr>
         <p:spPr>
           <a:xfrm>
-            <a:off x="514350" y="1496484"/>
-            <a:ext cx="5829300" cy="3183467"/>
+            <a:off x="914400" y="1496484"/>
+            <a:ext cx="10363200" cy="3183467"/>
           </a:xfrm>
         </p:spPr>
         <p:txBody>
           <a:bodyPr anchor="b"/>
           <a:lstStyle>
             <a:lvl1pPr algn="ctr">
-              <a:defRPr sz="4500"/>
+              <a:defRPr sz="8000"/>
             </a:lvl1pPr>
           </a:lstStyle>
           <a:p>
@@ -186,8 +221,8 @@
         </p:nvSpPr>
         <p:spPr>
           <a:xfrm>
-            <a:off x="857250" y="4802717"/>
-            <a:ext cx="5143500" cy="2207683"/>
+            <a:off x="1524000" y="4802717"/>
+            <a:ext cx="9144000" cy="2207683"/>
           </a:xfrm>
         </p:spPr>
         <p:txBody>
@@ -195,39 +230,39 @@
           <a:lstStyle>
             <a:lvl1pPr marL="0" indent="0" algn="ctr">
               <a:buNone/>
-              <a:defRPr sz="1800"/>
+              <a:defRPr sz="3200"/>
             </a:lvl1pPr>
-            <a:lvl2pPr marL="342900" indent="0" algn="ctr">
+            <a:lvl2pPr marL="609585" indent="0" algn="ctr">
               <a:buNone/>
-              <a:defRPr sz="1500"/>
+              <a:defRPr sz="2667"/>
             </a:lvl2pPr>
-            <a:lvl3pPr marL="685800" indent="0" algn="ctr">
+            <a:lvl3pPr marL="1219170" indent="0" algn="ctr">
               <a:buNone/>
-              <a:defRPr sz="1350"/>
+              <a:defRPr sz="2400"/>
             </a:lvl3pPr>
-            <a:lvl4pPr marL="1028700" indent="0" algn="ctr">
+            <a:lvl4pPr marL="1828754" indent="0" algn="ctr">
               <a:buNone/>
-              <a:defRPr sz="1200"/>
+              <a:defRPr sz="2133"/>
             </a:lvl4pPr>
-            <a:lvl5pPr marL="1371600" indent="0" algn="ctr">
+            <a:lvl5pPr marL="2438339" indent="0" algn="ctr">
               <a:buNone/>
-              <a:defRPr sz="1200"/>
+              <a:defRPr sz="2133"/>
             </a:lvl5pPr>
-            <a:lvl6pPr marL="1714500" indent="0" algn="ctr">
+            <a:lvl6pPr marL="3047924" indent="0" algn="ctr">
               <a:buNone/>
-              <a:defRPr sz="1200"/>
+              <a:defRPr sz="2133"/>
             </a:lvl6pPr>
-            <a:lvl7pPr marL="2057400" indent="0" algn="ctr">
+            <a:lvl7pPr marL="3657509" indent="0" algn="ctr">
               <a:buNone/>
-              <a:defRPr sz="1200"/>
+              <a:defRPr sz="2133"/>
             </a:lvl7pPr>
-            <a:lvl8pPr marL="2400300" indent="0" algn="ctr">
+            <a:lvl8pPr marL="4267093" indent="0" algn="ctr">
               <a:buNone/>
-              <a:defRPr sz="1200"/>
+              <a:defRPr sz="2133"/>
             </a:lvl8pPr>
-            <a:lvl9pPr marL="2743200" indent="0" algn="ctr">
+            <a:lvl9pPr marL="4876678" indent="0" algn="ctr">
               <a:buNone/>
-              <a:defRPr sz="1200"/>
+              <a:defRPr sz="2133"/>
             </a:lvl9pPr>
           </a:lstStyle>
           <a:p>
@@ -256,7 +291,7 @@
           <a:p>
             <a:fld id="{16727DF4-2586-4649-8242-517D68B9A9AB}" type="datetimeFigureOut">
               <a:rPr lang="en-US" smtClean="0"/>
-              <a:t>3/21/2020</a:t>
+              <a:t>3/25/2020</a:t>
             </a:fld>
             <a:endParaRPr lang="en-US"/>
           </a:p>
@@ -307,7 +342,7 @@
     </p:spTree>
     <p:extLst>
       <p:ext uri="{BB962C8B-B14F-4D97-AF65-F5344CB8AC3E}">
-        <p14:creationId xmlns:p14="http://schemas.microsoft.com/office/powerpoint/2010/main" val="3565799076"/>
+        <p14:creationId xmlns:p14="http://schemas.microsoft.com/office/powerpoint/2010/main" val="1718434592"/>
       </p:ext>
     </p:extLst>
   </p:cSld>
@@ -426,7 +461,7 @@
           <a:p>
             <a:fld id="{16727DF4-2586-4649-8242-517D68B9A9AB}" type="datetimeFigureOut">
               <a:rPr lang="en-US" smtClean="0"/>
-              <a:t>3/21/2020</a:t>
+              <a:t>3/25/2020</a:t>
             </a:fld>
             <a:endParaRPr lang="en-US"/>
           </a:p>
@@ -477,7 +512,7 @@
     </p:spTree>
     <p:extLst>
       <p:ext uri="{BB962C8B-B14F-4D97-AF65-F5344CB8AC3E}">
-        <p14:creationId xmlns:p14="http://schemas.microsoft.com/office/powerpoint/2010/main" val="4017262692"/>
+        <p14:creationId xmlns:p14="http://schemas.microsoft.com/office/powerpoint/2010/main" val="456054783"/>
       </p:ext>
     </p:extLst>
   </p:cSld>
@@ -516,8 +551,8 @@
         </p:nvSpPr>
         <p:spPr>
           <a:xfrm>
-            <a:off x="4907757" y="486834"/>
-            <a:ext cx="1478756" cy="7749117"/>
+            <a:off x="8724901" y="486834"/>
+            <a:ext cx="2628900" cy="7749117"/>
           </a:xfrm>
         </p:spPr>
         <p:txBody>
@@ -544,8 +579,8 @@
         </p:nvSpPr>
         <p:spPr>
           <a:xfrm>
-            <a:off x="471488" y="486834"/>
-            <a:ext cx="4350544" cy="7749117"/>
+            <a:off x="838201" y="486834"/>
+            <a:ext cx="7734300" cy="7749117"/>
           </a:xfrm>
         </p:spPr>
         <p:txBody>
@@ -606,7 +641,7 @@
           <a:p>
             <a:fld id="{16727DF4-2586-4649-8242-517D68B9A9AB}" type="datetimeFigureOut">
               <a:rPr lang="en-US" smtClean="0"/>
-              <a:t>3/21/2020</a:t>
+              <a:t>3/25/2020</a:t>
             </a:fld>
             <a:endParaRPr lang="en-US"/>
           </a:p>
@@ -657,7 +692,7 @@
     </p:spTree>
     <p:extLst>
       <p:ext uri="{BB962C8B-B14F-4D97-AF65-F5344CB8AC3E}">
-        <p14:creationId xmlns:p14="http://schemas.microsoft.com/office/powerpoint/2010/main" val="597170477"/>
+        <p14:creationId xmlns:p14="http://schemas.microsoft.com/office/powerpoint/2010/main" val="3137647823"/>
       </p:ext>
     </p:extLst>
   </p:cSld>
@@ -776,7 +811,7 @@
           <a:p>
             <a:fld id="{16727DF4-2586-4649-8242-517D68B9A9AB}" type="datetimeFigureOut">
               <a:rPr lang="en-US" smtClean="0"/>
-              <a:t>3/21/2020</a:t>
+              <a:t>3/25/2020</a:t>
             </a:fld>
             <a:endParaRPr lang="en-US"/>
           </a:p>
@@ -827,7 +862,7 @@
     </p:spTree>
     <p:extLst>
       <p:ext uri="{BB962C8B-B14F-4D97-AF65-F5344CB8AC3E}">
-        <p14:creationId xmlns:p14="http://schemas.microsoft.com/office/powerpoint/2010/main" val="593417023"/>
+        <p14:creationId xmlns:p14="http://schemas.microsoft.com/office/powerpoint/2010/main" val="1867842203"/>
       </p:ext>
     </p:extLst>
   </p:cSld>
@@ -866,15 +901,15 @@
         </p:nvSpPr>
         <p:spPr>
           <a:xfrm>
-            <a:off x="467916" y="2279653"/>
-            <a:ext cx="5915025" cy="3803649"/>
+            <a:off x="831851" y="2279653"/>
+            <a:ext cx="10515600" cy="3803649"/>
           </a:xfrm>
         </p:spPr>
         <p:txBody>
           <a:bodyPr anchor="b"/>
           <a:lstStyle>
             <a:lvl1pPr>
-              <a:defRPr sz="4500"/>
+              <a:defRPr sz="8000"/>
             </a:lvl1pPr>
           </a:lstStyle>
           <a:p>
@@ -898,8 +933,8 @@
         </p:nvSpPr>
         <p:spPr>
           <a:xfrm>
-            <a:off x="467916" y="6119286"/>
-            <a:ext cx="5915025" cy="2000249"/>
+            <a:off x="831851" y="6119286"/>
+            <a:ext cx="10515600" cy="2000249"/>
           </a:xfrm>
         </p:spPr>
         <p:txBody>
@@ -907,15 +942,15 @@
           <a:lstStyle>
             <a:lvl1pPr marL="0" indent="0">
               <a:buNone/>
-              <a:defRPr sz="1800">
+              <a:defRPr sz="3200">
                 <a:solidFill>
                   <a:schemeClr val="tx1"/>
                 </a:solidFill>
               </a:defRPr>
             </a:lvl1pPr>
-            <a:lvl2pPr marL="342900" indent="0">
+            <a:lvl2pPr marL="609585" indent="0">
               <a:buNone/>
-              <a:defRPr sz="1500">
+              <a:defRPr sz="2667">
                 <a:solidFill>
                   <a:schemeClr val="tx1">
                     <a:tint val="75000"/>
@@ -923,9 +958,9 @@
                 </a:solidFill>
               </a:defRPr>
             </a:lvl2pPr>
-            <a:lvl3pPr marL="685800" indent="0">
+            <a:lvl3pPr marL="1219170" indent="0">
               <a:buNone/>
-              <a:defRPr sz="1350">
+              <a:defRPr sz="2400">
                 <a:solidFill>
                   <a:schemeClr val="tx1">
                     <a:tint val="75000"/>
@@ -933,9 +968,9 @@
                 </a:solidFill>
               </a:defRPr>
             </a:lvl3pPr>
-            <a:lvl4pPr marL="1028700" indent="0">
+            <a:lvl4pPr marL="1828754" indent="0">
               <a:buNone/>
-              <a:defRPr sz="1200">
+              <a:defRPr sz="2133">
                 <a:solidFill>
                   <a:schemeClr val="tx1">
                     <a:tint val="75000"/>
@@ -943,9 +978,9 @@
                 </a:solidFill>
               </a:defRPr>
             </a:lvl4pPr>
-            <a:lvl5pPr marL="1371600" indent="0">
+            <a:lvl5pPr marL="2438339" indent="0">
               <a:buNone/>
-              <a:defRPr sz="1200">
+              <a:defRPr sz="2133">
                 <a:solidFill>
                   <a:schemeClr val="tx1">
                     <a:tint val="75000"/>
@@ -953,9 +988,9 @@
                 </a:solidFill>
               </a:defRPr>
             </a:lvl5pPr>
-            <a:lvl6pPr marL="1714500" indent="0">
+            <a:lvl6pPr marL="3047924" indent="0">
               <a:buNone/>
-              <a:defRPr sz="1200">
+              <a:defRPr sz="2133">
                 <a:solidFill>
                   <a:schemeClr val="tx1">
                     <a:tint val="75000"/>
@@ -963,9 +998,9 @@
                 </a:solidFill>
               </a:defRPr>
             </a:lvl6pPr>
-            <a:lvl7pPr marL="2057400" indent="0">
+            <a:lvl7pPr marL="3657509" indent="0">
               <a:buNone/>
-              <a:defRPr sz="1200">
+              <a:defRPr sz="2133">
                 <a:solidFill>
                   <a:schemeClr val="tx1">
                     <a:tint val="75000"/>
@@ -973,9 +1008,9 @@
                 </a:solidFill>
               </a:defRPr>
             </a:lvl7pPr>
-            <a:lvl8pPr marL="2400300" indent="0">
+            <a:lvl8pPr marL="4267093" indent="0">
               <a:buNone/>
-              <a:defRPr sz="1200">
+              <a:defRPr sz="2133">
                 <a:solidFill>
                   <a:schemeClr val="tx1">
                     <a:tint val="75000"/>
@@ -983,9 +1018,9 @@
                 </a:solidFill>
               </a:defRPr>
             </a:lvl8pPr>
-            <a:lvl9pPr marL="2743200" indent="0">
+            <a:lvl9pPr marL="4876678" indent="0">
               <a:buNone/>
-              <a:defRPr sz="1200">
+              <a:defRPr sz="2133">
                 <a:solidFill>
                   <a:schemeClr val="tx1">
                     <a:tint val="75000"/>
@@ -1020,7 +1055,7 @@
           <a:p>
             <a:fld id="{16727DF4-2586-4649-8242-517D68B9A9AB}" type="datetimeFigureOut">
               <a:rPr lang="en-US" smtClean="0"/>
-              <a:t>3/21/2020</a:t>
+              <a:t>3/25/2020</a:t>
             </a:fld>
             <a:endParaRPr lang="en-US"/>
           </a:p>
@@ -1071,7 +1106,7 @@
     </p:spTree>
     <p:extLst>
       <p:ext uri="{BB962C8B-B14F-4D97-AF65-F5344CB8AC3E}">
-        <p14:creationId xmlns:p14="http://schemas.microsoft.com/office/powerpoint/2010/main" val="900797291"/>
+        <p14:creationId xmlns:p14="http://schemas.microsoft.com/office/powerpoint/2010/main" val="2604272684"/>
       </p:ext>
     </p:extLst>
   </p:cSld>
@@ -1133,8 +1168,8 @@
         </p:nvSpPr>
         <p:spPr>
           <a:xfrm>
-            <a:off x="471488" y="2434167"/>
-            <a:ext cx="2914650" cy="5801784"/>
+            <a:off x="838200" y="2434167"/>
+            <a:ext cx="5181600" cy="5801784"/>
           </a:xfrm>
         </p:spPr>
         <p:txBody>
@@ -1190,8 +1225,8 @@
         </p:nvSpPr>
         <p:spPr>
           <a:xfrm>
-            <a:off x="3471863" y="2434167"/>
-            <a:ext cx="2914650" cy="5801784"/>
+            <a:off x="6172200" y="2434167"/>
+            <a:ext cx="5181600" cy="5801784"/>
           </a:xfrm>
         </p:spPr>
         <p:txBody>
@@ -1252,7 +1287,7 @@
           <a:p>
             <a:fld id="{16727DF4-2586-4649-8242-517D68B9A9AB}" type="datetimeFigureOut">
               <a:rPr lang="en-US" smtClean="0"/>
-              <a:t>3/21/2020</a:t>
+              <a:t>3/25/2020</a:t>
             </a:fld>
             <a:endParaRPr lang="en-US"/>
           </a:p>
@@ -1303,7 +1338,7 @@
     </p:spTree>
     <p:extLst>
       <p:ext uri="{BB962C8B-B14F-4D97-AF65-F5344CB8AC3E}">
-        <p14:creationId xmlns:p14="http://schemas.microsoft.com/office/powerpoint/2010/main" val="4181131503"/>
+        <p14:creationId xmlns:p14="http://schemas.microsoft.com/office/powerpoint/2010/main" val="2039496778"/>
       </p:ext>
     </p:extLst>
   </p:cSld>
@@ -1342,8 +1377,8 @@
         </p:nvSpPr>
         <p:spPr>
           <a:xfrm>
-            <a:off x="472381" y="486836"/>
-            <a:ext cx="5915025" cy="1767417"/>
+            <a:off x="839788" y="486836"/>
+            <a:ext cx="10515600" cy="1767417"/>
           </a:xfrm>
         </p:spPr>
         <p:txBody>
@@ -1370,8 +1405,8 @@
         </p:nvSpPr>
         <p:spPr>
           <a:xfrm>
-            <a:off x="472381" y="2241551"/>
-            <a:ext cx="2901255" cy="1098549"/>
+            <a:off x="839789" y="2241551"/>
+            <a:ext cx="5157787" cy="1098549"/>
           </a:xfrm>
         </p:spPr>
         <p:txBody>
@@ -1379,39 +1414,39 @@
           <a:lstStyle>
             <a:lvl1pPr marL="0" indent="0">
               <a:buNone/>
-              <a:defRPr sz="1800" b="1"/>
+              <a:defRPr sz="3200" b="1"/>
             </a:lvl1pPr>
-            <a:lvl2pPr marL="342900" indent="0">
+            <a:lvl2pPr marL="609585" indent="0">
               <a:buNone/>
-              <a:defRPr sz="1500" b="1"/>
+              <a:defRPr sz="2667" b="1"/>
             </a:lvl2pPr>
-            <a:lvl3pPr marL="685800" indent="0">
+            <a:lvl3pPr marL="1219170" indent="0">
               <a:buNone/>
-              <a:defRPr sz="1350" b="1"/>
+              <a:defRPr sz="2400" b="1"/>
             </a:lvl3pPr>
-            <a:lvl4pPr marL="1028700" indent="0">
+            <a:lvl4pPr marL="1828754" indent="0">
               <a:buNone/>
-              <a:defRPr sz="1200" b="1"/>
+              <a:defRPr sz="2133" b="1"/>
             </a:lvl4pPr>
-            <a:lvl5pPr marL="1371600" indent="0">
+            <a:lvl5pPr marL="2438339" indent="0">
               <a:buNone/>
-              <a:defRPr sz="1200" b="1"/>
+              <a:defRPr sz="2133" b="1"/>
             </a:lvl5pPr>
-            <a:lvl6pPr marL="1714500" indent="0">
+            <a:lvl6pPr marL="3047924" indent="0">
               <a:buNone/>
-              <a:defRPr sz="1200" b="1"/>
+              <a:defRPr sz="2133" b="1"/>
             </a:lvl6pPr>
-            <a:lvl7pPr marL="2057400" indent="0">
+            <a:lvl7pPr marL="3657509" indent="0">
               <a:buNone/>
-              <a:defRPr sz="1200" b="1"/>
+              <a:defRPr sz="2133" b="1"/>
             </a:lvl7pPr>
-            <a:lvl8pPr marL="2400300" indent="0">
+            <a:lvl8pPr marL="4267093" indent="0">
               <a:buNone/>
-              <a:defRPr sz="1200" b="1"/>
+              <a:defRPr sz="2133" b="1"/>
             </a:lvl8pPr>
-            <a:lvl9pPr marL="2743200" indent="0">
+            <a:lvl9pPr marL="4876678" indent="0">
               <a:buNone/>
-              <a:defRPr sz="1200" b="1"/>
+              <a:defRPr sz="2133" b="1"/>
             </a:lvl9pPr>
           </a:lstStyle>
           <a:p>
@@ -1435,8 +1470,8 @@
         </p:nvSpPr>
         <p:spPr>
           <a:xfrm>
-            <a:off x="472381" y="3340100"/>
-            <a:ext cx="2901255" cy="4912784"/>
+            <a:off x="839789" y="3340100"/>
+            <a:ext cx="5157787" cy="4912784"/>
           </a:xfrm>
         </p:spPr>
         <p:txBody>
@@ -1492,8 +1527,8 @@
         </p:nvSpPr>
         <p:spPr>
           <a:xfrm>
-            <a:off x="3471863" y="2241551"/>
-            <a:ext cx="2915543" cy="1098549"/>
+            <a:off x="6172201" y="2241551"/>
+            <a:ext cx="5183188" cy="1098549"/>
           </a:xfrm>
         </p:spPr>
         <p:txBody>
@@ -1501,39 +1536,39 @@
           <a:lstStyle>
             <a:lvl1pPr marL="0" indent="0">
               <a:buNone/>
-              <a:defRPr sz="1800" b="1"/>
+              <a:defRPr sz="3200" b="1"/>
             </a:lvl1pPr>
-            <a:lvl2pPr marL="342900" indent="0">
+            <a:lvl2pPr marL="609585" indent="0">
               <a:buNone/>
-              <a:defRPr sz="1500" b="1"/>
+              <a:defRPr sz="2667" b="1"/>
             </a:lvl2pPr>
-            <a:lvl3pPr marL="685800" indent="0">
+            <a:lvl3pPr marL="1219170" indent="0">
               <a:buNone/>
-              <a:defRPr sz="1350" b="1"/>
+              <a:defRPr sz="2400" b="1"/>
             </a:lvl3pPr>
-            <a:lvl4pPr marL="1028700" indent="0">
+            <a:lvl4pPr marL="1828754" indent="0">
               <a:buNone/>
-              <a:defRPr sz="1200" b="1"/>
+              <a:defRPr sz="2133" b="1"/>
             </a:lvl4pPr>
-            <a:lvl5pPr marL="1371600" indent="0">
+            <a:lvl5pPr marL="2438339" indent="0">
               <a:buNone/>
-              <a:defRPr sz="1200" b="1"/>
+              <a:defRPr sz="2133" b="1"/>
             </a:lvl5pPr>
-            <a:lvl6pPr marL="1714500" indent="0">
+            <a:lvl6pPr marL="3047924" indent="0">
               <a:buNone/>
-              <a:defRPr sz="1200" b="1"/>
+              <a:defRPr sz="2133" b="1"/>
             </a:lvl6pPr>
-            <a:lvl7pPr marL="2057400" indent="0">
+            <a:lvl7pPr marL="3657509" indent="0">
               <a:buNone/>
-              <a:defRPr sz="1200" b="1"/>
+              <a:defRPr sz="2133" b="1"/>
             </a:lvl7pPr>
-            <a:lvl8pPr marL="2400300" indent="0">
+            <a:lvl8pPr marL="4267093" indent="0">
               <a:buNone/>
-              <a:defRPr sz="1200" b="1"/>
+              <a:defRPr sz="2133" b="1"/>
             </a:lvl8pPr>
-            <a:lvl9pPr marL="2743200" indent="0">
+            <a:lvl9pPr marL="4876678" indent="0">
               <a:buNone/>
-              <a:defRPr sz="1200" b="1"/>
+              <a:defRPr sz="2133" b="1"/>
             </a:lvl9pPr>
           </a:lstStyle>
           <a:p>
@@ -1557,8 +1592,8 @@
         </p:nvSpPr>
         <p:spPr>
           <a:xfrm>
-            <a:off x="3471863" y="3340100"/>
-            <a:ext cx="2915543" cy="4912784"/>
+            <a:off x="6172201" y="3340100"/>
+            <a:ext cx="5183188" cy="4912784"/>
           </a:xfrm>
         </p:spPr>
         <p:txBody>
@@ -1619,7 +1654,7 @@
           <a:p>
             <a:fld id="{16727DF4-2586-4649-8242-517D68B9A9AB}" type="datetimeFigureOut">
               <a:rPr lang="en-US" smtClean="0"/>
-              <a:t>3/21/2020</a:t>
+              <a:t>3/25/2020</a:t>
             </a:fld>
             <a:endParaRPr lang="en-US"/>
           </a:p>
@@ -1670,7 +1705,7 @@
     </p:spTree>
     <p:extLst>
       <p:ext uri="{BB962C8B-B14F-4D97-AF65-F5344CB8AC3E}">
-        <p14:creationId xmlns:p14="http://schemas.microsoft.com/office/powerpoint/2010/main" val="2494865901"/>
+        <p14:creationId xmlns:p14="http://schemas.microsoft.com/office/powerpoint/2010/main" val="1999862769"/>
       </p:ext>
     </p:extLst>
   </p:cSld>
@@ -1737,7 +1772,7 @@
           <a:p>
             <a:fld id="{16727DF4-2586-4649-8242-517D68B9A9AB}" type="datetimeFigureOut">
               <a:rPr lang="en-US" smtClean="0"/>
-              <a:t>3/21/2020</a:t>
+              <a:t>3/25/2020</a:t>
             </a:fld>
             <a:endParaRPr lang="en-US"/>
           </a:p>
@@ -1788,7 +1823,7 @@
     </p:spTree>
     <p:extLst>
       <p:ext uri="{BB962C8B-B14F-4D97-AF65-F5344CB8AC3E}">
-        <p14:creationId xmlns:p14="http://schemas.microsoft.com/office/powerpoint/2010/main" val="3142007440"/>
+        <p14:creationId xmlns:p14="http://schemas.microsoft.com/office/powerpoint/2010/main" val="3295534369"/>
       </p:ext>
     </p:extLst>
   </p:cSld>
@@ -1832,7 +1867,7 @@
           <a:p>
             <a:fld id="{16727DF4-2586-4649-8242-517D68B9A9AB}" type="datetimeFigureOut">
               <a:rPr lang="en-US" smtClean="0"/>
-              <a:t>3/21/2020</a:t>
+              <a:t>3/25/2020</a:t>
             </a:fld>
             <a:endParaRPr lang="en-US"/>
           </a:p>
@@ -1883,7 +1918,7 @@
     </p:spTree>
     <p:extLst>
       <p:ext uri="{BB962C8B-B14F-4D97-AF65-F5344CB8AC3E}">
-        <p14:creationId xmlns:p14="http://schemas.microsoft.com/office/powerpoint/2010/main" val="2669442476"/>
+        <p14:creationId xmlns:p14="http://schemas.microsoft.com/office/powerpoint/2010/main" val="3368539341"/>
       </p:ext>
     </p:extLst>
   </p:cSld>
@@ -1922,15 +1957,15 @@
         </p:nvSpPr>
         <p:spPr>
           <a:xfrm>
-            <a:off x="472381" y="609600"/>
-            <a:ext cx="2211884" cy="2133600"/>
+            <a:off x="839788" y="609600"/>
+            <a:ext cx="3932237" cy="2133600"/>
           </a:xfrm>
         </p:spPr>
         <p:txBody>
           <a:bodyPr anchor="b"/>
           <a:lstStyle>
             <a:lvl1pPr>
-              <a:defRPr sz="2400"/>
+              <a:defRPr sz="4267"/>
             </a:lvl1pPr>
           </a:lstStyle>
           <a:p>
@@ -1954,39 +1989,39 @@
         </p:nvSpPr>
         <p:spPr>
           <a:xfrm>
-            <a:off x="2915543" y="1316569"/>
-            <a:ext cx="3471863" cy="6498167"/>
+            <a:off x="5183188" y="1316569"/>
+            <a:ext cx="6172200" cy="6498167"/>
           </a:xfrm>
         </p:spPr>
         <p:txBody>
           <a:bodyPr/>
           <a:lstStyle>
             <a:lvl1pPr>
-              <a:defRPr sz="2400"/>
+              <a:defRPr sz="4267"/>
             </a:lvl1pPr>
             <a:lvl2pPr>
-              <a:defRPr sz="2100"/>
+              <a:defRPr sz="3733"/>
             </a:lvl2pPr>
             <a:lvl3pPr>
-              <a:defRPr sz="1800"/>
+              <a:defRPr sz="3200"/>
             </a:lvl3pPr>
             <a:lvl4pPr>
-              <a:defRPr sz="1500"/>
+              <a:defRPr sz="2667"/>
             </a:lvl4pPr>
             <a:lvl5pPr>
-              <a:defRPr sz="1500"/>
+              <a:defRPr sz="2667"/>
             </a:lvl5pPr>
             <a:lvl6pPr>
-              <a:defRPr sz="1500"/>
+              <a:defRPr sz="2667"/>
             </a:lvl6pPr>
             <a:lvl7pPr>
-              <a:defRPr sz="1500"/>
+              <a:defRPr sz="2667"/>
             </a:lvl7pPr>
             <a:lvl8pPr>
-              <a:defRPr sz="1500"/>
+              <a:defRPr sz="2667"/>
             </a:lvl8pPr>
             <a:lvl9pPr>
-              <a:defRPr sz="1500"/>
+              <a:defRPr sz="2667"/>
             </a:lvl9pPr>
           </a:lstStyle>
           <a:p>
@@ -2039,8 +2074,8 @@
         </p:nvSpPr>
         <p:spPr>
           <a:xfrm>
-            <a:off x="472381" y="2743200"/>
-            <a:ext cx="2211884" cy="5082117"/>
+            <a:off x="839788" y="2743200"/>
+            <a:ext cx="3932237" cy="5082117"/>
           </a:xfrm>
         </p:spPr>
         <p:txBody>
@@ -2048,39 +2083,39 @@
           <a:lstStyle>
             <a:lvl1pPr marL="0" indent="0">
               <a:buNone/>
-              <a:defRPr sz="1200"/>
+              <a:defRPr sz="2133"/>
             </a:lvl1pPr>
-            <a:lvl2pPr marL="342900" indent="0">
+            <a:lvl2pPr marL="609585" indent="0">
               <a:buNone/>
-              <a:defRPr sz="1050"/>
+              <a:defRPr sz="1867"/>
             </a:lvl2pPr>
-            <a:lvl3pPr marL="685800" indent="0">
+            <a:lvl3pPr marL="1219170" indent="0">
               <a:buNone/>
-              <a:defRPr sz="900"/>
+              <a:defRPr sz="1600"/>
             </a:lvl3pPr>
-            <a:lvl4pPr marL="1028700" indent="0">
+            <a:lvl4pPr marL="1828754" indent="0">
               <a:buNone/>
-              <a:defRPr sz="750"/>
+              <a:defRPr sz="1333"/>
             </a:lvl4pPr>
-            <a:lvl5pPr marL="1371600" indent="0">
+            <a:lvl5pPr marL="2438339" indent="0">
               <a:buNone/>
-              <a:defRPr sz="750"/>
+              <a:defRPr sz="1333"/>
             </a:lvl5pPr>
-            <a:lvl6pPr marL="1714500" indent="0">
+            <a:lvl6pPr marL="3047924" indent="0">
               <a:buNone/>
-              <a:defRPr sz="750"/>
+              <a:defRPr sz="1333"/>
             </a:lvl6pPr>
-            <a:lvl7pPr marL="2057400" indent="0">
+            <a:lvl7pPr marL="3657509" indent="0">
               <a:buNone/>
-              <a:defRPr sz="750"/>
+              <a:defRPr sz="1333"/>
             </a:lvl7pPr>
-            <a:lvl8pPr marL="2400300" indent="0">
+            <a:lvl8pPr marL="4267093" indent="0">
               <a:buNone/>
-              <a:defRPr sz="750"/>
+              <a:defRPr sz="1333"/>
             </a:lvl8pPr>
-            <a:lvl9pPr marL="2743200" indent="0">
+            <a:lvl9pPr marL="4876678" indent="0">
               <a:buNone/>
-              <a:defRPr sz="750"/>
+              <a:defRPr sz="1333"/>
             </a:lvl9pPr>
           </a:lstStyle>
           <a:p>
@@ -2109,7 +2144,7 @@
           <a:p>
             <a:fld id="{16727DF4-2586-4649-8242-517D68B9A9AB}" type="datetimeFigureOut">
               <a:rPr lang="en-US" smtClean="0"/>
-              <a:t>3/21/2020</a:t>
+              <a:t>3/25/2020</a:t>
             </a:fld>
             <a:endParaRPr lang="en-US"/>
           </a:p>
@@ -2160,7 +2195,7 @@
     </p:spTree>
     <p:extLst>
       <p:ext uri="{BB962C8B-B14F-4D97-AF65-F5344CB8AC3E}">
-        <p14:creationId xmlns:p14="http://schemas.microsoft.com/office/powerpoint/2010/main" val="973005903"/>
+        <p14:creationId xmlns:p14="http://schemas.microsoft.com/office/powerpoint/2010/main" val="4038915016"/>
       </p:ext>
     </p:extLst>
   </p:cSld>
@@ -2199,15 +2234,15 @@
         </p:nvSpPr>
         <p:spPr>
           <a:xfrm>
-            <a:off x="472381" y="609600"/>
-            <a:ext cx="2211884" cy="2133600"/>
+            <a:off x="839788" y="609600"/>
+            <a:ext cx="3932237" cy="2133600"/>
           </a:xfrm>
         </p:spPr>
         <p:txBody>
           <a:bodyPr anchor="b"/>
           <a:lstStyle>
             <a:lvl1pPr>
-              <a:defRPr sz="2400"/>
+              <a:defRPr sz="4267"/>
             </a:lvl1pPr>
           </a:lstStyle>
           <a:p>
@@ -2231,8 +2266,8 @@
         </p:nvSpPr>
         <p:spPr>
           <a:xfrm>
-            <a:off x="2915543" y="1316569"/>
-            <a:ext cx="3471863" cy="6498167"/>
+            <a:off x="5183188" y="1316569"/>
+            <a:ext cx="6172200" cy="6498167"/>
           </a:xfrm>
         </p:spPr>
         <p:txBody>
@@ -2240,39 +2275,39 @@
           <a:lstStyle>
             <a:lvl1pPr marL="0" indent="0">
               <a:buNone/>
-              <a:defRPr sz="2400"/>
+              <a:defRPr sz="4267"/>
             </a:lvl1pPr>
-            <a:lvl2pPr marL="342900" indent="0">
+            <a:lvl2pPr marL="609585" indent="0">
               <a:buNone/>
-              <a:defRPr sz="2100"/>
+              <a:defRPr sz="3733"/>
             </a:lvl2pPr>
-            <a:lvl3pPr marL="685800" indent="0">
+            <a:lvl3pPr marL="1219170" indent="0">
               <a:buNone/>
-              <a:defRPr sz="1800"/>
+              <a:defRPr sz="3200"/>
             </a:lvl3pPr>
-            <a:lvl4pPr marL="1028700" indent="0">
+            <a:lvl4pPr marL="1828754" indent="0">
               <a:buNone/>
-              <a:defRPr sz="1500"/>
+              <a:defRPr sz="2667"/>
             </a:lvl4pPr>
-            <a:lvl5pPr marL="1371600" indent="0">
+            <a:lvl5pPr marL="2438339" indent="0">
               <a:buNone/>
-              <a:defRPr sz="1500"/>
+              <a:defRPr sz="2667"/>
             </a:lvl5pPr>
-            <a:lvl6pPr marL="1714500" indent="0">
+            <a:lvl6pPr marL="3047924" indent="0">
               <a:buNone/>
-              <a:defRPr sz="1500"/>
+              <a:defRPr sz="2667"/>
             </a:lvl6pPr>
-            <a:lvl7pPr marL="2057400" indent="0">
+            <a:lvl7pPr marL="3657509" indent="0">
               <a:buNone/>
-              <a:defRPr sz="1500"/>
+              <a:defRPr sz="2667"/>
             </a:lvl7pPr>
-            <a:lvl8pPr marL="2400300" indent="0">
+            <a:lvl8pPr marL="4267093" indent="0">
               <a:buNone/>
-              <a:defRPr sz="1500"/>
+              <a:defRPr sz="2667"/>
             </a:lvl8pPr>
-            <a:lvl9pPr marL="2743200" indent="0">
+            <a:lvl9pPr marL="4876678" indent="0">
               <a:buNone/>
-              <a:defRPr sz="1500"/>
+              <a:defRPr sz="2667"/>
             </a:lvl9pPr>
           </a:lstStyle>
           <a:p>
@@ -2296,8 +2331,8 @@
         </p:nvSpPr>
         <p:spPr>
           <a:xfrm>
-            <a:off x="472381" y="2743200"/>
-            <a:ext cx="2211884" cy="5082117"/>
+            <a:off x="839788" y="2743200"/>
+            <a:ext cx="3932237" cy="5082117"/>
           </a:xfrm>
         </p:spPr>
         <p:txBody>
@@ -2305,39 +2340,39 @@
           <a:lstStyle>
             <a:lvl1pPr marL="0" indent="0">
               <a:buNone/>
-              <a:defRPr sz="1200"/>
+              <a:defRPr sz="2133"/>
             </a:lvl1pPr>
-            <a:lvl2pPr marL="342900" indent="0">
+            <a:lvl2pPr marL="609585" indent="0">
               <a:buNone/>
-              <a:defRPr sz="1050"/>
+              <a:defRPr sz="1867"/>
             </a:lvl2pPr>
-            <a:lvl3pPr marL="685800" indent="0">
+            <a:lvl3pPr marL="1219170" indent="0">
               <a:buNone/>
-              <a:defRPr sz="900"/>
+              <a:defRPr sz="1600"/>
             </a:lvl3pPr>
-            <a:lvl4pPr marL="1028700" indent="0">
+            <a:lvl4pPr marL="1828754" indent="0">
               <a:buNone/>
-              <a:defRPr sz="750"/>
+              <a:defRPr sz="1333"/>
             </a:lvl4pPr>
-            <a:lvl5pPr marL="1371600" indent="0">
+            <a:lvl5pPr marL="2438339" indent="0">
               <a:buNone/>
-              <a:defRPr sz="750"/>
+              <a:defRPr sz="1333"/>
             </a:lvl5pPr>
-            <a:lvl6pPr marL="1714500" indent="0">
+            <a:lvl6pPr marL="3047924" indent="0">
               <a:buNone/>
-              <a:defRPr sz="750"/>
+              <a:defRPr sz="1333"/>
             </a:lvl6pPr>
-            <a:lvl7pPr marL="2057400" indent="0">
+            <a:lvl7pPr marL="3657509" indent="0">
               <a:buNone/>
-              <a:defRPr sz="750"/>
+              <a:defRPr sz="1333"/>
             </a:lvl7pPr>
-            <a:lvl8pPr marL="2400300" indent="0">
+            <a:lvl8pPr marL="4267093" indent="0">
               <a:buNone/>
-              <a:defRPr sz="750"/>
+              <a:defRPr sz="1333"/>
             </a:lvl8pPr>
-            <a:lvl9pPr marL="2743200" indent="0">
+            <a:lvl9pPr marL="4876678" indent="0">
               <a:buNone/>
-              <a:defRPr sz="750"/>
+              <a:defRPr sz="1333"/>
             </a:lvl9pPr>
           </a:lstStyle>
           <a:p>
@@ -2366,7 +2401,7 @@
           <a:p>
             <a:fld id="{16727DF4-2586-4649-8242-517D68B9A9AB}" type="datetimeFigureOut">
               <a:rPr lang="en-US" smtClean="0"/>
-              <a:t>3/21/2020</a:t>
+              <a:t>3/25/2020</a:t>
             </a:fld>
             <a:endParaRPr lang="en-US"/>
           </a:p>
@@ -2417,7 +2452,7 @@
     </p:spTree>
     <p:extLst>
       <p:ext uri="{BB962C8B-B14F-4D97-AF65-F5344CB8AC3E}">
-        <p14:creationId xmlns:p14="http://schemas.microsoft.com/office/powerpoint/2010/main" val="2198967382"/>
+        <p14:creationId xmlns:p14="http://schemas.microsoft.com/office/powerpoint/2010/main" val="1501007234"/>
       </p:ext>
     </p:extLst>
   </p:cSld>
@@ -2461,8 +2496,8 @@
         </p:nvSpPr>
         <p:spPr>
           <a:xfrm>
-            <a:off x="471488" y="486836"/>
-            <a:ext cx="5915025" cy="1767417"/>
+            <a:off x="838200" y="486836"/>
+            <a:ext cx="10515600" cy="1767417"/>
           </a:xfrm>
           <a:prstGeom prst="rect">
             <a:avLst/>
@@ -2494,8 +2529,8 @@
         </p:nvSpPr>
         <p:spPr>
           <a:xfrm>
-            <a:off x="471488" y="2434167"/>
-            <a:ext cx="5915025" cy="5801784"/>
+            <a:off x="838200" y="2434167"/>
+            <a:ext cx="10515600" cy="5801784"/>
           </a:xfrm>
           <a:prstGeom prst="rect">
             <a:avLst/>
@@ -2556,8 +2591,8 @@
         </p:nvSpPr>
         <p:spPr>
           <a:xfrm>
-            <a:off x="471488" y="8475136"/>
-            <a:ext cx="1543050" cy="486833"/>
+            <a:off x="838200" y="8475136"/>
+            <a:ext cx="2743200" cy="486833"/>
           </a:xfrm>
           <a:prstGeom prst="rect">
             <a:avLst/>
@@ -2567,7 +2602,7 @@
           <a:bodyPr vert="horz" lIns="91440" tIns="45720" rIns="91440" bIns="45720" rtlCol="0" anchor="ctr"/>
           <a:lstStyle>
             <a:lvl1pPr algn="l">
-              <a:defRPr sz="900">
+              <a:defRPr sz="1600">
                 <a:solidFill>
                   <a:schemeClr val="tx1">
                     <a:tint val="75000"/>
@@ -2579,7 +2614,7 @@
           <a:p>
             <a:fld id="{16727DF4-2586-4649-8242-517D68B9A9AB}" type="datetimeFigureOut">
               <a:rPr lang="en-US" smtClean="0"/>
-              <a:t>3/21/2020</a:t>
+              <a:t>3/25/2020</a:t>
             </a:fld>
             <a:endParaRPr lang="en-US"/>
           </a:p>
@@ -2597,8 +2632,8 @@
         </p:nvSpPr>
         <p:spPr>
           <a:xfrm>
-            <a:off x="2271713" y="8475136"/>
-            <a:ext cx="2314575" cy="486833"/>
+            <a:off x="4038600" y="8475136"/>
+            <a:ext cx="4114800" cy="486833"/>
           </a:xfrm>
           <a:prstGeom prst="rect">
             <a:avLst/>
@@ -2608,7 +2643,7 @@
           <a:bodyPr vert="horz" lIns="91440" tIns="45720" rIns="91440" bIns="45720" rtlCol="0" anchor="ctr"/>
           <a:lstStyle>
             <a:lvl1pPr algn="ctr">
-              <a:defRPr sz="900">
+              <a:defRPr sz="1600">
                 <a:solidFill>
                   <a:schemeClr val="tx1">
                     <a:tint val="75000"/>
@@ -2634,8 +2669,8 @@
         </p:nvSpPr>
         <p:spPr>
           <a:xfrm>
-            <a:off x="4843463" y="8475136"/>
-            <a:ext cx="1543050" cy="486833"/>
+            <a:off x="8610600" y="8475136"/>
+            <a:ext cx="2743200" cy="486833"/>
           </a:xfrm>
           <a:prstGeom prst="rect">
             <a:avLst/>
@@ -2645,7 +2680,7 @@
           <a:bodyPr vert="horz" lIns="91440" tIns="45720" rIns="91440" bIns="45720" rtlCol="0" anchor="ctr"/>
           <a:lstStyle>
             <a:lvl1pPr algn="r">
-              <a:defRPr sz="900">
+              <a:defRPr sz="1600">
                 <a:solidFill>
                   <a:schemeClr val="tx1">
                     <a:tint val="75000"/>
@@ -2666,27 +2701,27 @@
     </p:spTree>
     <p:extLst>
       <p:ext uri="{BB962C8B-B14F-4D97-AF65-F5344CB8AC3E}">
-        <p14:creationId xmlns:p14="http://schemas.microsoft.com/office/powerpoint/2010/main" val="1225181045"/>
+        <p14:creationId xmlns:p14="http://schemas.microsoft.com/office/powerpoint/2010/main" val="1108977778"/>
       </p:ext>
     </p:extLst>
   </p:cSld>
   <p:clrMap bg1="lt1" tx1="dk1" bg2="lt2" tx2="dk2" accent1="accent1" accent2="accent2" accent3="accent3" accent4="accent4" accent5="accent5" accent6="accent6" hlink="hlink" folHlink="folHlink"/>
   <p:sldLayoutIdLst>
-    <p:sldLayoutId id="2147483661" r:id="rId1"/>
-    <p:sldLayoutId id="2147483662" r:id="rId2"/>
-    <p:sldLayoutId id="2147483663" r:id="rId3"/>
-    <p:sldLayoutId id="2147483664" r:id="rId4"/>
-    <p:sldLayoutId id="2147483665" r:id="rId5"/>
-    <p:sldLayoutId id="2147483666" r:id="rId6"/>
-    <p:sldLayoutId id="2147483667" r:id="rId7"/>
-    <p:sldLayoutId id="2147483668" r:id="rId8"/>
-    <p:sldLayoutId id="2147483669" r:id="rId9"/>
-    <p:sldLayoutId id="2147483670" r:id="rId10"/>
-    <p:sldLayoutId id="2147483671" r:id="rId11"/>
+    <p:sldLayoutId id="2147483673" r:id="rId1"/>
+    <p:sldLayoutId id="2147483674" r:id="rId2"/>
+    <p:sldLayoutId id="2147483675" r:id="rId3"/>
+    <p:sldLayoutId id="2147483676" r:id="rId4"/>
+    <p:sldLayoutId id="2147483677" r:id="rId5"/>
+    <p:sldLayoutId id="2147483678" r:id="rId6"/>
+    <p:sldLayoutId id="2147483679" r:id="rId7"/>
+    <p:sldLayoutId id="2147483680" r:id="rId8"/>
+    <p:sldLayoutId id="2147483681" r:id="rId9"/>
+    <p:sldLayoutId id="2147483682" r:id="rId10"/>
+    <p:sldLayoutId id="2147483683" r:id="rId11"/>
   </p:sldLayoutIdLst>
   <p:txStyles>
     <p:titleStyle>
-      <a:lvl1pPr algn="l" defTabSz="685800" rtl="0" eaLnBrk="1" latinLnBrk="0" hangingPunct="1">
+      <a:lvl1pPr algn="l" defTabSz="1219170" rtl="0" eaLnBrk="1" latinLnBrk="0" hangingPunct="1">
         <a:lnSpc>
           <a:spcPct val="90000"/>
         </a:lnSpc>
@@ -2694,7 +2729,7 @@
           <a:spcPct val="0"/>
         </a:spcBef>
         <a:buNone/>
-        <a:defRPr sz="3300" kern="1200">
+        <a:defRPr sz="5867" kern="1200">
           <a:solidFill>
             <a:schemeClr val="tx1"/>
           </a:solidFill>
@@ -2705,16 +2740,16 @@
       </a:lvl1pPr>
     </p:titleStyle>
     <p:bodyStyle>
-      <a:lvl1pPr marL="171450" indent="-171450" algn="l" defTabSz="685800" rtl="0" eaLnBrk="1" latinLnBrk="0" hangingPunct="1">
+      <a:lvl1pPr marL="304792" indent="-304792" algn="l" defTabSz="1219170" rtl="0" eaLnBrk="1" latinLnBrk="0" hangingPunct="1">
         <a:lnSpc>
           <a:spcPct val="90000"/>
         </a:lnSpc>
         <a:spcBef>
-          <a:spcPts val="750"/>
+          <a:spcPts val="1333"/>
         </a:spcBef>
         <a:buFont typeface="Arial" panose="020B0604020202020204" pitchFamily="34" charset="0"/>
         <a:buChar char="•"/>
-        <a:defRPr sz="2100" kern="1200">
+        <a:defRPr sz="3733" kern="1200">
           <a:solidFill>
             <a:schemeClr val="tx1"/>
           </a:solidFill>
@@ -2723,16 +2758,16 @@
           <a:cs typeface="+mn-cs"/>
         </a:defRPr>
       </a:lvl1pPr>
-      <a:lvl2pPr marL="514350" indent="-171450" algn="l" defTabSz="685800" rtl="0" eaLnBrk="1" latinLnBrk="0" hangingPunct="1">
+      <a:lvl2pPr marL="914377" indent="-304792" algn="l" defTabSz="1219170" rtl="0" eaLnBrk="1" latinLnBrk="0" hangingPunct="1">
         <a:lnSpc>
           <a:spcPct val="90000"/>
         </a:lnSpc>
         <a:spcBef>
-          <a:spcPts val="375"/>
+          <a:spcPts val="667"/>
         </a:spcBef>
         <a:buFont typeface="Arial" panose="020B0604020202020204" pitchFamily="34" charset="0"/>
         <a:buChar char="•"/>
-        <a:defRPr sz="1800" kern="1200">
+        <a:defRPr sz="3200" kern="1200">
           <a:solidFill>
             <a:schemeClr val="tx1"/>
           </a:solidFill>
@@ -2741,16 +2776,16 @@
           <a:cs typeface="+mn-cs"/>
         </a:defRPr>
       </a:lvl2pPr>
-      <a:lvl3pPr marL="857250" indent="-171450" algn="l" defTabSz="685800" rtl="0" eaLnBrk="1" latinLnBrk="0" hangingPunct="1">
+      <a:lvl3pPr marL="1523962" indent="-304792" algn="l" defTabSz="1219170" rtl="0" eaLnBrk="1" latinLnBrk="0" hangingPunct="1">
         <a:lnSpc>
           <a:spcPct val="90000"/>
         </a:lnSpc>
         <a:spcBef>
-          <a:spcPts val="375"/>
+          <a:spcPts val="667"/>
         </a:spcBef>
         <a:buFont typeface="Arial" panose="020B0604020202020204" pitchFamily="34" charset="0"/>
         <a:buChar char="•"/>
-        <a:defRPr sz="1500" kern="1200">
+        <a:defRPr sz="2667" kern="1200">
           <a:solidFill>
             <a:schemeClr val="tx1"/>
           </a:solidFill>
@@ -2759,16 +2794,16 @@
           <a:cs typeface="+mn-cs"/>
         </a:defRPr>
       </a:lvl3pPr>
-      <a:lvl4pPr marL="1200150" indent="-171450" algn="l" defTabSz="685800" rtl="0" eaLnBrk="1" latinLnBrk="0" hangingPunct="1">
+      <a:lvl4pPr marL="2133547" indent="-304792" algn="l" defTabSz="1219170" rtl="0" eaLnBrk="1" latinLnBrk="0" hangingPunct="1">
         <a:lnSpc>
           <a:spcPct val="90000"/>
         </a:lnSpc>
         <a:spcBef>
-          <a:spcPts val="375"/>
+          <a:spcPts val="667"/>
         </a:spcBef>
         <a:buFont typeface="Arial" panose="020B0604020202020204" pitchFamily="34" charset="0"/>
         <a:buChar char="•"/>
-        <a:defRPr sz="1350" kern="1200">
+        <a:defRPr sz="2400" kern="1200">
           <a:solidFill>
             <a:schemeClr val="tx1"/>
           </a:solidFill>
@@ -2777,16 +2812,16 @@
           <a:cs typeface="+mn-cs"/>
         </a:defRPr>
       </a:lvl4pPr>
-      <a:lvl5pPr marL="1543050" indent="-171450" algn="l" defTabSz="685800" rtl="0" eaLnBrk="1" latinLnBrk="0" hangingPunct="1">
+      <a:lvl5pPr marL="2743131" indent="-304792" algn="l" defTabSz="1219170" rtl="0" eaLnBrk="1" latinLnBrk="0" hangingPunct="1">
         <a:lnSpc>
           <a:spcPct val="90000"/>
         </a:lnSpc>
         <a:spcBef>
-          <a:spcPts val="375"/>
+          <a:spcPts val="667"/>
         </a:spcBef>
         <a:buFont typeface="Arial" panose="020B0604020202020204" pitchFamily="34" charset="0"/>
         <a:buChar char="•"/>
-        <a:defRPr sz="1350" kern="1200">
+        <a:defRPr sz="2400" kern="1200">
           <a:solidFill>
             <a:schemeClr val="tx1"/>
           </a:solidFill>
@@ -2795,16 +2830,16 @@
           <a:cs typeface="+mn-cs"/>
         </a:defRPr>
       </a:lvl5pPr>
-      <a:lvl6pPr marL="1885950" indent="-171450" algn="l" defTabSz="685800" rtl="0" eaLnBrk="1" latinLnBrk="0" hangingPunct="1">
+      <a:lvl6pPr marL="3352716" indent="-304792" algn="l" defTabSz="1219170" rtl="0" eaLnBrk="1" latinLnBrk="0" hangingPunct="1">
         <a:lnSpc>
           <a:spcPct val="90000"/>
         </a:lnSpc>
         <a:spcBef>
-          <a:spcPts val="375"/>
+          <a:spcPts val="667"/>
         </a:spcBef>
         <a:buFont typeface="Arial" panose="020B0604020202020204" pitchFamily="34" charset="0"/>
         <a:buChar char="•"/>
-        <a:defRPr sz="1350" kern="1200">
+        <a:defRPr sz="2400" kern="1200">
           <a:solidFill>
             <a:schemeClr val="tx1"/>
           </a:solidFill>
@@ -2813,16 +2848,16 @@
           <a:cs typeface="+mn-cs"/>
         </a:defRPr>
       </a:lvl6pPr>
-      <a:lvl7pPr marL="2228850" indent="-171450" algn="l" defTabSz="685800" rtl="0" eaLnBrk="1" latinLnBrk="0" hangingPunct="1">
+      <a:lvl7pPr marL="3962301" indent="-304792" algn="l" defTabSz="1219170" rtl="0" eaLnBrk="1" latinLnBrk="0" hangingPunct="1">
         <a:lnSpc>
           <a:spcPct val="90000"/>
         </a:lnSpc>
         <a:spcBef>
-          <a:spcPts val="375"/>
+          <a:spcPts val="667"/>
         </a:spcBef>
         <a:buFont typeface="Arial" panose="020B0604020202020204" pitchFamily="34" charset="0"/>
         <a:buChar char="•"/>
-        <a:defRPr sz="1350" kern="1200">
+        <a:defRPr sz="2400" kern="1200">
           <a:solidFill>
             <a:schemeClr val="tx1"/>
           </a:solidFill>
@@ -2831,16 +2866,16 @@
           <a:cs typeface="+mn-cs"/>
         </a:defRPr>
       </a:lvl7pPr>
-      <a:lvl8pPr marL="2571750" indent="-171450" algn="l" defTabSz="685800" rtl="0" eaLnBrk="1" latinLnBrk="0" hangingPunct="1">
+      <a:lvl8pPr marL="4571886" indent="-304792" algn="l" defTabSz="1219170" rtl="0" eaLnBrk="1" latinLnBrk="0" hangingPunct="1">
         <a:lnSpc>
           <a:spcPct val="90000"/>
         </a:lnSpc>
         <a:spcBef>
-          <a:spcPts val="375"/>
+          <a:spcPts val="667"/>
         </a:spcBef>
         <a:buFont typeface="Arial" panose="020B0604020202020204" pitchFamily="34" charset="0"/>
         <a:buChar char="•"/>
-        <a:defRPr sz="1350" kern="1200">
+        <a:defRPr sz="2400" kern="1200">
           <a:solidFill>
             <a:schemeClr val="tx1"/>
           </a:solidFill>
@@ -2849,16 +2884,16 @@
           <a:cs typeface="+mn-cs"/>
         </a:defRPr>
       </a:lvl8pPr>
-      <a:lvl9pPr marL="2914650" indent="-171450" algn="l" defTabSz="685800" rtl="0" eaLnBrk="1" latinLnBrk="0" hangingPunct="1">
+      <a:lvl9pPr marL="5181470" indent="-304792" algn="l" defTabSz="1219170" rtl="0" eaLnBrk="1" latinLnBrk="0" hangingPunct="1">
         <a:lnSpc>
           <a:spcPct val="90000"/>
         </a:lnSpc>
         <a:spcBef>
-          <a:spcPts val="375"/>
+          <a:spcPts val="667"/>
         </a:spcBef>
         <a:buFont typeface="Arial" panose="020B0604020202020204" pitchFamily="34" charset="0"/>
         <a:buChar char="•"/>
-        <a:defRPr sz="1350" kern="1200">
+        <a:defRPr sz="2400" kern="1200">
           <a:solidFill>
             <a:schemeClr val="tx1"/>
           </a:solidFill>
@@ -2872,8 +2907,8 @@
       <a:defPPr>
         <a:defRPr lang="en-US"/>
       </a:defPPr>
-      <a:lvl1pPr marL="0" algn="l" defTabSz="685800" rtl="0" eaLnBrk="1" latinLnBrk="0" hangingPunct="1">
-        <a:defRPr sz="1350" kern="1200">
+      <a:lvl1pPr marL="0" algn="l" defTabSz="1219170" rtl="0" eaLnBrk="1" latinLnBrk="0" hangingPunct="1">
+        <a:defRPr sz="2400" kern="1200">
           <a:solidFill>
             <a:schemeClr val="tx1"/>
           </a:solidFill>
@@ -2882,8 +2917,8 @@
           <a:cs typeface="+mn-cs"/>
         </a:defRPr>
       </a:lvl1pPr>
-      <a:lvl2pPr marL="342900" algn="l" defTabSz="685800" rtl="0" eaLnBrk="1" latinLnBrk="0" hangingPunct="1">
-        <a:defRPr sz="1350" kern="1200">
+      <a:lvl2pPr marL="609585" algn="l" defTabSz="1219170" rtl="0" eaLnBrk="1" latinLnBrk="0" hangingPunct="1">
+        <a:defRPr sz="2400" kern="1200">
           <a:solidFill>
             <a:schemeClr val="tx1"/>
           </a:solidFill>
@@ -2892,8 +2927,8 @@
           <a:cs typeface="+mn-cs"/>
         </a:defRPr>
       </a:lvl2pPr>
-      <a:lvl3pPr marL="685800" algn="l" defTabSz="685800" rtl="0" eaLnBrk="1" latinLnBrk="0" hangingPunct="1">
-        <a:defRPr sz="1350" kern="1200">
+      <a:lvl3pPr marL="1219170" algn="l" defTabSz="1219170" rtl="0" eaLnBrk="1" latinLnBrk="0" hangingPunct="1">
+        <a:defRPr sz="2400" kern="1200">
           <a:solidFill>
             <a:schemeClr val="tx1"/>
           </a:solidFill>
@@ -2902,8 +2937,8 @@
           <a:cs typeface="+mn-cs"/>
         </a:defRPr>
       </a:lvl3pPr>
-      <a:lvl4pPr marL="1028700" algn="l" defTabSz="685800" rtl="0" eaLnBrk="1" latinLnBrk="0" hangingPunct="1">
-        <a:defRPr sz="1350" kern="1200">
+      <a:lvl4pPr marL="1828754" algn="l" defTabSz="1219170" rtl="0" eaLnBrk="1" latinLnBrk="0" hangingPunct="1">
+        <a:defRPr sz="2400" kern="1200">
           <a:solidFill>
             <a:schemeClr val="tx1"/>
           </a:solidFill>
@@ -2912,8 +2947,8 @@
           <a:cs typeface="+mn-cs"/>
         </a:defRPr>
       </a:lvl4pPr>
-      <a:lvl5pPr marL="1371600" algn="l" defTabSz="685800" rtl="0" eaLnBrk="1" latinLnBrk="0" hangingPunct="1">
-        <a:defRPr sz="1350" kern="1200">
+      <a:lvl5pPr marL="2438339" algn="l" defTabSz="1219170" rtl="0" eaLnBrk="1" latinLnBrk="0" hangingPunct="1">
+        <a:defRPr sz="2400" kern="1200">
           <a:solidFill>
             <a:schemeClr val="tx1"/>
           </a:solidFill>
@@ -2922,8 +2957,8 @@
           <a:cs typeface="+mn-cs"/>
         </a:defRPr>
       </a:lvl5pPr>
-      <a:lvl6pPr marL="1714500" algn="l" defTabSz="685800" rtl="0" eaLnBrk="1" latinLnBrk="0" hangingPunct="1">
-        <a:defRPr sz="1350" kern="1200">
+      <a:lvl6pPr marL="3047924" algn="l" defTabSz="1219170" rtl="0" eaLnBrk="1" latinLnBrk="0" hangingPunct="1">
+        <a:defRPr sz="2400" kern="1200">
           <a:solidFill>
             <a:schemeClr val="tx1"/>
           </a:solidFill>
@@ -2932,8 +2967,8 @@
           <a:cs typeface="+mn-cs"/>
         </a:defRPr>
       </a:lvl6pPr>
-      <a:lvl7pPr marL="2057400" algn="l" defTabSz="685800" rtl="0" eaLnBrk="1" latinLnBrk="0" hangingPunct="1">
-        <a:defRPr sz="1350" kern="1200">
+      <a:lvl7pPr marL="3657509" algn="l" defTabSz="1219170" rtl="0" eaLnBrk="1" latinLnBrk="0" hangingPunct="1">
+        <a:defRPr sz="2400" kern="1200">
           <a:solidFill>
             <a:schemeClr val="tx1"/>
           </a:solidFill>
@@ -2942,8 +2977,8 @@
           <a:cs typeface="+mn-cs"/>
         </a:defRPr>
       </a:lvl7pPr>
-      <a:lvl8pPr marL="2400300" algn="l" defTabSz="685800" rtl="0" eaLnBrk="1" latinLnBrk="0" hangingPunct="1">
-        <a:defRPr sz="1350" kern="1200">
+      <a:lvl8pPr marL="4267093" algn="l" defTabSz="1219170" rtl="0" eaLnBrk="1" latinLnBrk="0" hangingPunct="1">
+        <a:defRPr sz="2400" kern="1200">
           <a:solidFill>
             <a:schemeClr val="tx1"/>
           </a:solidFill>
@@ -2952,8 +2987,8 @@
           <a:cs typeface="+mn-cs"/>
         </a:defRPr>
       </a:lvl8pPr>
-      <a:lvl9pPr marL="2743200" algn="l" defTabSz="685800" rtl="0" eaLnBrk="1" latinLnBrk="0" hangingPunct="1">
-        <a:defRPr sz="1350" kern="1200">
+      <a:lvl9pPr marL="4876678" algn="l" defTabSz="1219170" rtl="0" eaLnBrk="1" latinLnBrk="0" hangingPunct="1">
+        <a:defRPr sz="2400" kern="1200">
           <a:solidFill>
             <a:schemeClr val="tx1"/>
           </a:solidFill>
@@ -2998,8 +3033,8 @@
         </p:nvSpPr>
         <p:spPr>
           <a:xfrm>
-            <a:off x="2068959" y="3559193"/>
-            <a:ext cx="1072044" cy="1072044"/>
+            <a:off x="3678149" y="2771454"/>
+            <a:ext cx="1905856" cy="1905856"/>
           </a:xfrm>
           <a:prstGeom prst="rect">
             <a:avLst/>
@@ -3033,7 +3068,7 @@
           <a:lstStyle/>
           <a:p>
             <a:pPr algn="ctr"/>
-            <a:endParaRPr lang="en-US" sz="1013"/>
+            <a:endParaRPr lang="en-US" sz="1801"/>
           </a:p>
         </p:txBody>
       </p:sp>
@@ -3051,8 +3086,8 @@
         </p:nvSpPr>
         <p:spPr>
           <a:xfrm>
-            <a:off x="2068959" y="4631237"/>
-            <a:ext cx="1072044" cy="1072044"/>
+            <a:off x="3678149" y="4677310"/>
+            <a:ext cx="1905856" cy="1905856"/>
           </a:xfrm>
           <a:prstGeom prst="rect">
             <a:avLst/>
@@ -3090,7 +3125,7 @@
           <a:lstStyle/>
           <a:p>
             <a:pPr algn="ctr"/>
-            <a:endParaRPr lang="en-US" sz="1013"/>
+            <a:endParaRPr lang="en-US" sz="1801"/>
           </a:p>
         </p:txBody>
       </p:sp>
@@ -3108,8 +3143,8 @@
         </p:nvSpPr>
         <p:spPr>
           <a:xfrm>
-            <a:off x="3141003" y="4631237"/>
-            <a:ext cx="1072044" cy="1072044"/>
+            <a:off x="5584005" y="4677310"/>
+            <a:ext cx="1905856" cy="1905856"/>
           </a:xfrm>
           <a:prstGeom prst="rect">
             <a:avLst/>
@@ -3147,7 +3182,7 @@
           <a:lstStyle/>
           <a:p>
             <a:pPr algn="ctr"/>
-            <a:endParaRPr lang="en-US" sz="1013"/>
+            <a:endParaRPr lang="en-US" sz="1801"/>
           </a:p>
         </p:txBody>
       </p:sp>
@@ -3165,8 +3200,8 @@
         </p:nvSpPr>
         <p:spPr>
           <a:xfrm>
-            <a:off x="3141003" y="3559193"/>
-            <a:ext cx="1072044" cy="1072044"/>
+            <a:off x="5584005" y="2771454"/>
+            <a:ext cx="1905856" cy="1905856"/>
           </a:xfrm>
           <a:prstGeom prst="rect">
             <a:avLst/>
@@ -3204,7 +3239,7 @@
           <a:lstStyle/>
           <a:p>
             <a:pPr algn="ctr"/>
-            <a:endParaRPr lang="en-US" sz="1013"/>
+            <a:endParaRPr lang="en-US" sz="1801"/>
           </a:p>
         </p:txBody>
       </p:sp>
@@ -3222,8 +3257,8 @@
         </p:nvSpPr>
         <p:spPr>
           <a:xfrm>
-            <a:off x="2005388" y="3495622"/>
-            <a:ext cx="127142" cy="127142"/>
+            <a:off x="3565134" y="2658439"/>
+            <a:ext cx="226030" cy="226030"/>
           </a:xfrm>
           <a:prstGeom prst="ellipse">
             <a:avLst/>
@@ -3262,7 +3297,7 @@
           <a:p>
             <a:pPr algn="ctr"/>
             <a:r>
-              <a:rPr lang="en-US" sz="1013" dirty="0">
+              <a:rPr lang="en-US" sz="1801" dirty="0">
                 <a:solidFill>
                   <a:sysClr val="windowText" lastClr="000000"/>
                 </a:solidFill>
@@ -3286,8 +3321,8 @@
         </p:nvSpPr>
         <p:spPr>
           <a:xfrm>
-            <a:off x="2005388" y="4567666"/>
-            <a:ext cx="127142" cy="127142"/>
+            <a:off x="3565134" y="4564295"/>
+            <a:ext cx="226030" cy="226030"/>
           </a:xfrm>
           <a:prstGeom prst="ellipse">
             <a:avLst/>
@@ -3326,7 +3361,7 @@
           <a:p>
             <a:pPr algn="ctr"/>
             <a:r>
-              <a:rPr lang="en-US" sz="1013" dirty="0">
+              <a:rPr lang="en-US" sz="1801" dirty="0">
                 <a:solidFill>
                   <a:sysClr val="windowText" lastClr="000000"/>
                 </a:solidFill>
@@ -3350,8 +3385,8 @@
         </p:nvSpPr>
         <p:spPr>
           <a:xfrm>
-            <a:off x="2005388" y="5639710"/>
-            <a:ext cx="127142" cy="127142"/>
+            <a:off x="3565134" y="6470151"/>
+            <a:ext cx="226030" cy="226030"/>
           </a:xfrm>
           <a:prstGeom prst="ellipse">
             <a:avLst/>
@@ -3390,7 +3425,7 @@
           <a:p>
             <a:pPr algn="ctr"/>
             <a:r>
-              <a:rPr lang="en-US" sz="1013" dirty="0">
+              <a:rPr lang="en-US" sz="1801" dirty="0">
                 <a:solidFill>
                   <a:sysClr val="windowText" lastClr="000000"/>
                 </a:solidFill>
@@ -3414,8 +3449,8 @@
         </p:nvSpPr>
         <p:spPr>
           <a:xfrm>
-            <a:off x="3077432" y="3495622"/>
-            <a:ext cx="127142" cy="127142"/>
+            <a:off x="5470990" y="2658439"/>
+            <a:ext cx="226030" cy="226030"/>
           </a:xfrm>
           <a:prstGeom prst="ellipse">
             <a:avLst/>
@@ -3454,7 +3489,7 @@
           <a:p>
             <a:pPr algn="ctr"/>
             <a:r>
-              <a:rPr lang="en-US" sz="1013" dirty="0">
+              <a:rPr lang="en-US" sz="1801" dirty="0">
                 <a:solidFill>
                   <a:sysClr val="windowText" lastClr="000000"/>
                 </a:solidFill>
@@ -3478,8 +3513,8 @@
         </p:nvSpPr>
         <p:spPr>
           <a:xfrm>
-            <a:off x="3077432" y="4567666"/>
-            <a:ext cx="127142" cy="127142"/>
+            <a:off x="5470990" y="4564295"/>
+            <a:ext cx="226030" cy="226030"/>
           </a:xfrm>
           <a:prstGeom prst="ellipse">
             <a:avLst/>
@@ -3518,7 +3553,7 @@
           <a:p>
             <a:pPr algn="ctr"/>
             <a:r>
-              <a:rPr lang="en-US" sz="1013" dirty="0">
+              <a:rPr lang="en-US" sz="1801" dirty="0">
                 <a:solidFill>
                   <a:sysClr val="windowText" lastClr="000000"/>
                 </a:solidFill>
@@ -3542,8 +3577,8 @@
         </p:nvSpPr>
         <p:spPr>
           <a:xfrm>
-            <a:off x="3077432" y="5639710"/>
-            <a:ext cx="127142" cy="127142"/>
+            <a:off x="5470990" y="6470151"/>
+            <a:ext cx="226030" cy="226030"/>
           </a:xfrm>
           <a:prstGeom prst="ellipse">
             <a:avLst/>
@@ -3582,7 +3617,7 @@
           <a:p>
             <a:pPr algn="ctr"/>
             <a:r>
-              <a:rPr lang="en-US" sz="1013" dirty="0">
+              <a:rPr lang="en-US" sz="1801" dirty="0">
                 <a:solidFill>
                   <a:sysClr val="windowText" lastClr="000000"/>
                 </a:solidFill>
@@ -3606,8 +3641,8 @@
         </p:nvSpPr>
         <p:spPr>
           <a:xfrm>
-            <a:off x="4149476" y="3495622"/>
-            <a:ext cx="127142" cy="127142"/>
+            <a:off x="7376846" y="2658439"/>
+            <a:ext cx="226030" cy="226030"/>
           </a:xfrm>
           <a:prstGeom prst="ellipse">
             <a:avLst/>
@@ -3646,7 +3681,7 @@
           <a:p>
             <a:pPr algn="ctr"/>
             <a:r>
-              <a:rPr lang="en-US" sz="1013" dirty="0">
+              <a:rPr lang="en-US" sz="1801" dirty="0">
                 <a:solidFill>
                   <a:sysClr val="windowText" lastClr="000000"/>
                 </a:solidFill>
@@ -3670,8 +3705,8 @@
         </p:nvSpPr>
         <p:spPr>
           <a:xfrm>
-            <a:off x="4149476" y="4567666"/>
-            <a:ext cx="127142" cy="127142"/>
+            <a:off x="7376846" y="4564295"/>
+            <a:ext cx="226030" cy="226030"/>
           </a:xfrm>
           <a:prstGeom prst="ellipse">
             <a:avLst/>
@@ -3710,7 +3745,7 @@
           <a:p>
             <a:pPr algn="ctr"/>
             <a:r>
-              <a:rPr lang="en-US" sz="1013" dirty="0">
+              <a:rPr lang="en-US" sz="1801" dirty="0">
                 <a:solidFill>
                   <a:sysClr val="windowText" lastClr="000000"/>
                 </a:solidFill>
@@ -3734,8 +3769,8 @@
         </p:nvSpPr>
         <p:spPr>
           <a:xfrm>
-            <a:off x="4149476" y="5639710"/>
-            <a:ext cx="127142" cy="127142"/>
+            <a:off x="7376846" y="6470151"/>
+            <a:ext cx="226030" cy="226030"/>
           </a:xfrm>
           <a:prstGeom prst="ellipse">
             <a:avLst/>
@@ -3774,7 +3809,7 @@
           <a:p>
             <a:pPr algn="ctr"/>
             <a:r>
-              <a:rPr lang="en-US" sz="1013" dirty="0">
+              <a:rPr lang="en-US" sz="1801" dirty="0">
                 <a:solidFill>
                   <a:sysClr val="windowText" lastClr="000000"/>
                 </a:solidFill>
@@ -3798,8 +3833,8 @@
         </p:nvSpPr>
         <p:spPr>
           <a:xfrm>
-            <a:off x="2511069" y="5063385"/>
-            <a:ext cx="187824" cy="248209"/>
+            <a:off x="4464123" y="5445573"/>
+            <a:ext cx="333909" cy="369460"/>
           </a:xfrm>
           <a:prstGeom prst="rect">
             <a:avLst/>
@@ -3813,7 +3848,7 @@
           <a:lstStyle/>
           <a:p>
             <a:r>
-              <a:rPr lang="en-US" sz="1013" dirty="0"/>
+              <a:rPr lang="en-US" sz="1801" dirty="0"/>
               <a:t>1</a:t>
             </a:r>
           </a:p>
@@ -3833,8 +3868,8 @@
         </p:nvSpPr>
         <p:spPr>
           <a:xfrm>
-            <a:off x="3583113" y="5063385"/>
-            <a:ext cx="187824" cy="248209"/>
+            <a:off x="6369979" y="5445573"/>
+            <a:ext cx="333909" cy="369460"/>
           </a:xfrm>
           <a:prstGeom prst="rect">
             <a:avLst/>
@@ -3848,7 +3883,7 @@
           <a:lstStyle/>
           <a:p>
             <a:r>
-              <a:rPr lang="en-US" sz="1013" dirty="0"/>
+              <a:rPr lang="en-US" sz="1801" dirty="0"/>
               <a:t>2</a:t>
             </a:r>
           </a:p>
@@ -3868,8 +3903,8 @@
         </p:nvSpPr>
         <p:spPr>
           <a:xfrm>
-            <a:off x="3583113" y="3991340"/>
-            <a:ext cx="187824" cy="248209"/>
+            <a:off x="6369979" y="3539715"/>
+            <a:ext cx="333909" cy="369460"/>
           </a:xfrm>
           <a:prstGeom prst="rect">
             <a:avLst/>
@@ -3883,7 +3918,7 @@
           <a:lstStyle/>
           <a:p>
             <a:r>
-              <a:rPr lang="en-US" sz="1013" dirty="0"/>
+              <a:rPr lang="en-US" sz="1801" dirty="0"/>
               <a:t>4</a:t>
             </a:r>
           </a:p>
@@ -3903,8 +3938,8 @@
         </p:nvSpPr>
         <p:spPr>
           <a:xfrm>
-            <a:off x="2511069" y="3991340"/>
-            <a:ext cx="187824" cy="248209"/>
+            <a:off x="4464123" y="3539715"/>
+            <a:ext cx="333909" cy="369460"/>
           </a:xfrm>
           <a:prstGeom prst="rect">
             <a:avLst/>
@@ -3918,7 +3953,7 @@
           <a:lstStyle/>
           <a:p>
             <a:r>
-              <a:rPr lang="en-US" sz="1013" dirty="0"/>
+              <a:rPr lang="en-US" sz="1801" dirty="0"/>
               <a:t>3</a:t>
             </a:r>
           </a:p>
@@ -3938,8 +3973,8 @@
         </p:nvGrpSpPr>
         <p:grpSpPr>
           <a:xfrm>
-            <a:off x="2297238" y="4882633"/>
-            <a:ext cx="616931" cy="575032"/>
+            <a:off x="4083980" y="5124237"/>
+            <a:ext cx="1096766" cy="1022279"/>
             <a:chOff x="4083978" y="3981236"/>
             <a:chExt cx="1096766" cy="1022279"/>
           </a:xfrm>
@@ -3987,7 +4022,7 @@
             <a:p>
               <a:pPr algn="ctr"/>
               <a:r>
-                <a:rPr lang="en-US" sz="1013" dirty="0"/>
+                <a:rPr lang="en-US" sz="1801" dirty="0"/>
                 <a:t>1</a:t>
               </a:r>
             </a:p>
@@ -4036,7 +4071,7 @@
             <a:p>
               <a:pPr algn="ctr"/>
               <a:r>
-                <a:rPr lang="en-US" sz="1013" dirty="0"/>
+                <a:rPr lang="en-US" sz="1801" dirty="0"/>
                 <a:t>2</a:t>
               </a:r>
             </a:p>
@@ -4085,7 +4120,7 @@
             <a:p>
               <a:pPr algn="ctr"/>
               <a:r>
-                <a:rPr lang="en-US" sz="1013" dirty="0"/>
+                <a:rPr lang="en-US" sz="1801" dirty="0"/>
                 <a:t>4</a:t>
               </a:r>
             </a:p>
@@ -4134,7 +4169,7 @@
             <a:p>
               <a:pPr algn="ctr"/>
               <a:r>
-                <a:rPr lang="en-US" sz="1013" dirty="0"/>
+                <a:rPr lang="en-US" sz="1801" dirty="0"/>
                 <a:t>3</a:t>
               </a:r>
             </a:p>
@@ -4155,8 +4190,8 @@
         </p:nvGrpSpPr>
         <p:grpSpPr>
           <a:xfrm>
-            <a:off x="3368559" y="4882634"/>
-            <a:ext cx="616931" cy="575032"/>
+            <a:off x="5988550" y="5124238"/>
+            <a:ext cx="1096766" cy="1022279"/>
             <a:chOff x="4083978" y="3981236"/>
             <a:chExt cx="1096766" cy="1022279"/>
           </a:xfrm>
@@ -4208,7 +4243,7 @@
             <a:p>
               <a:pPr algn="ctr"/>
               <a:r>
-                <a:rPr lang="en-US" sz="1013" dirty="0"/>
+                <a:rPr lang="en-US" sz="1801" dirty="0"/>
                 <a:t>1</a:t>
               </a:r>
             </a:p>
@@ -4258,7 +4293,7 @@
             <a:p>
               <a:pPr algn="ctr"/>
               <a:r>
-                <a:rPr lang="en-US" sz="1013" dirty="0"/>
+                <a:rPr lang="en-US" sz="1801" dirty="0"/>
                 <a:t>2</a:t>
               </a:r>
             </a:p>
@@ -4308,7 +4343,7 @@
             <a:p>
               <a:pPr algn="ctr"/>
               <a:r>
-                <a:rPr lang="en-US" sz="1013" dirty="0"/>
+                <a:rPr lang="en-US" sz="1801" dirty="0"/>
                 <a:t>4</a:t>
               </a:r>
             </a:p>
@@ -4358,7 +4393,7 @@
             <a:p>
               <a:pPr algn="ctr"/>
               <a:r>
-                <a:rPr lang="en-US" sz="1013" dirty="0"/>
+                <a:rPr lang="en-US" sz="1801" dirty="0"/>
                 <a:t>3</a:t>
               </a:r>
             </a:p>
@@ -4379,8 +4414,8 @@
         </p:nvGrpSpPr>
         <p:grpSpPr>
           <a:xfrm>
-            <a:off x="3368559" y="3807700"/>
-            <a:ext cx="616931" cy="575032"/>
+            <a:off x="5988550" y="3213245"/>
+            <a:ext cx="1096766" cy="1022279"/>
             <a:chOff x="4083978" y="3981236"/>
             <a:chExt cx="1096766" cy="1022279"/>
           </a:xfrm>
@@ -4432,7 +4467,7 @@
             <a:p>
               <a:pPr algn="ctr"/>
               <a:r>
-                <a:rPr lang="en-US" sz="1013" dirty="0"/>
+                <a:rPr lang="en-US" sz="1801" dirty="0"/>
                 <a:t>1</a:t>
               </a:r>
             </a:p>
@@ -4482,7 +4517,7 @@
             <a:p>
               <a:pPr algn="ctr"/>
               <a:r>
-                <a:rPr lang="en-US" sz="1013" dirty="0"/>
+                <a:rPr lang="en-US" sz="1801" dirty="0"/>
                 <a:t>2</a:t>
               </a:r>
             </a:p>
@@ -4532,7 +4567,7 @@
             <a:p>
               <a:pPr algn="ctr"/>
               <a:r>
-                <a:rPr lang="en-US" sz="1013" dirty="0"/>
+                <a:rPr lang="en-US" sz="1801" dirty="0"/>
                 <a:t>4</a:t>
               </a:r>
             </a:p>
@@ -4582,7 +4617,7 @@
             <a:p>
               <a:pPr algn="ctr"/>
               <a:r>
-                <a:rPr lang="en-US" sz="1013" dirty="0"/>
+                <a:rPr lang="en-US" sz="1801" dirty="0"/>
                 <a:t>3</a:t>
               </a:r>
             </a:p>
@@ -4603,8 +4638,8 @@
         </p:nvGrpSpPr>
         <p:grpSpPr>
           <a:xfrm>
-            <a:off x="2296515" y="3807699"/>
-            <a:ext cx="616931" cy="575032"/>
+            <a:off x="4082694" y="3213243"/>
+            <a:ext cx="1096766" cy="1022279"/>
             <a:chOff x="4083978" y="3981236"/>
             <a:chExt cx="1096766" cy="1022279"/>
           </a:xfrm>
@@ -4658,7 +4693,7 @@
             <a:p>
               <a:pPr algn="ctr"/>
               <a:r>
-                <a:rPr lang="en-US" sz="1013" dirty="0"/>
+                <a:rPr lang="en-US" sz="1801" dirty="0"/>
                 <a:t>1</a:t>
               </a:r>
             </a:p>
@@ -4708,7 +4743,7 @@
             <a:p>
               <a:pPr algn="ctr"/>
               <a:r>
-                <a:rPr lang="en-US" sz="1013" dirty="0"/>
+                <a:rPr lang="en-US" sz="1801" dirty="0"/>
                 <a:t>2</a:t>
               </a:r>
             </a:p>
@@ -4758,7 +4793,7 @@
             <a:p>
               <a:pPr algn="ctr"/>
               <a:r>
-                <a:rPr lang="en-US" sz="1013" dirty="0"/>
+                <a:rPr lang="en-US" sz="1801" dirty="0"/>
                 <a:t>4</a:t>
               </a:r>
             </a:p>
@@ -4808,7 +4843,7 @@
             <a:p>
               <a:pPr algn="ctr"/>
               <a:r>
-                <a:rPr lang="en-US" sz="1013" dirty="0"/>
+                <a:rPr lang="en-US" sz="1801" dirty="0"/>
                 <a:t>3</a:t>
               </a:r>
             </a:p>
@@ -4829,8 +4864,8 @@
         </p:nvSpPr>
         <p:spPr>
           <a:xfrm>
-            <a:off x="2293741" y="5613559"/>
-            <a:ext cx="164592" cy="161818"/>
+            <a:off x="4077762" y="6423661"/>
+            <a:ext cx="292608" cy="287676"/>
           </a:xfrm>
           <a:prstGeom prst="triangle">
             <a:avLst/>
@@ -4858,7 +4893,7 @@
           <a:p>
             <a:pPr algn="ctr"/>
             <a:r>
-              <a:rPr lang="en-US" sz="1013" dirty="0"/>
+              <a:rPr lang="en-US" sz="1801" dirty="0"/>
               <a:t>1</a:t>
             </a:r>
           </a:p>
@@ -4878,8 +4913,8 @@
         </p:nvSpPr>
         <p:spPr>
           <a:xfrm>
-            <a:off x="2750241" y="5613559"/>
-            <a:ext cx="164592" cy="161818"/>
+            <a:off x="4889317" y="6423661"/>
+            <a:ext cx="292608" cy="287676"/>
           </a:xfrm>
           <a:prstGeom prst="triangle">
             <a:avLst/>
@@ -4907,7 +4942,7 @@
           <a:p>
             <a:pPr algn="ctr"/>
             <a:r>
-              <a:rPr lang="en-US" sz="1013" dirty="0"/>
+              <a:rPr lang="en-US" sz="1801" dirty="0"/>
               <a:t>2</a:t>
             </a:r>
           </a:p>
@@ -4927,8 +4962,8 @@
         </p:nvSpPr>
         <p:spPr>
           <a:xfrm>
-            <a:off x="3058707" y="5292957"/>
-            <a:ext cx="164592" cy="161818"/>
+            <a:off x="5437701" y="5853702"/>
+            <a:ext cx="292608" cy="287676"/>
           </a:xfrm>
           <a:prstGeom prst="triangle">
             <a:avLst/>
@@ -4968,7 +5003,7 @@
           <a:p>
             <a:pPr algn="ctr"/>
             <a:r>
-              <a:rPr lang="en-US" sz="1013" dirty="0"/>
+              <a:rPr lang="en-US" sz="1801" dirty="0"/>
               <a:t>1</a:t>
             </a:r>
           </a:p>
@@ -4988,8 +5023,8 @@
         </p:nvSpPr>
         <p:spPr>
           <a:xfrm>
-            <a:off x="3058707" y="4882633"/>
-            <a:ext cx="164592" cy="161818"/>
+            <a:off x="5437701" y="5124237"/>
+            <a:ext cx="292608" cy="287676"/>
           </a:xfrm>
           <a:prstGeom prst="triangle">
             <a:avLst/>
@@ -5029,7 +5064,7 @@
           <a:p>
             <a:pPr algn="ctr"/>
             <a:r>
-              <a:rPr lang="en-US" sz="1013" dirty="0"/>
+              <a:rPr lang="en-US" sz="1801" dirty="0"/>
               <a:t>2</a:t>
             </a:r>
           </a:p>
@@ -5049,8 +5084,8 @@
         </p:nvSpPr>
         <p:spPr>
           <a:xfrm>
-            <a:off x="2293741" y="3450473"/>
-            <a:ext cx="164592" cy="161818"/>
+            <a:off x="4077762" y="2578174"/>
+            <a:ext cx="292608" cy="287676"/>
           </a:xfrm>
           <a:prstGeom prst="triangle">
             <a:avLst/>
@@ -5083,7 +5118,7 @@
           <a:p>
             <a:pPr algn="ctr"/>
             <a:r>
-              <a:rPr lang="en-US" sz="1013" dirty="0"/>
+              <a:rPr lang="en-US" sz="1801" dirty="0"/>
               <a:t>1</a:t>
             </a:r>
           </a:p>
@@ -5103,8 +5138,8 @@
         </p:nvSpPr>
         <p:spPr>
           <a:xfrm>
-            <a:off x="2750241" y="3450473"/>
-            <a:ext cx="164592" cy="161818"/>
+            <a:off x="4889317" y="2578174"/>
+            <a:ext cx="292608" cy="287676"/>
           </a:xfrm>
           <a:prstGeom prst="triangle">
             <a:avLst/>
@@ -5137,7 +5172,7 @@
           <a:p>
             <a:pPr algn="ctr"/>
             <a:r>
-              <a:rPr lang="en-US" sz="1013" dirty="0"/>
+              <a:rPr lang="en-US" sz="1801" dirty="0"/>
               <a:t>2</a:t>
             </a:r>
           </a:p>
@@ -5157,8 +5192,8 @@
         </p:nvSpPr>
         <p:spPr>
           <a:xfrm>
-            <a:off x="1985998" y="4214860"/>
-            <a:ext cx="164592" cy="161818"/>
+            <a:off x="3530663" y="3937085"/>
+            <a:ext cx="292608" cy="287676"/>
           </a:xfrm>
           <a:prstGeom prst="triangle">
             <a:avLst/>
@@ -5191,7 +5226,7 @@
           <a:p>
             <a:pPr algn="ctr"/>
             <a:r>
-              <a:rPr lang="en-US" sz="1013" dirty="0"/>
+              <a:rPr lang="en-US" sz="1801" dirty="0"/>
               <a:t>1</a:t>
             </a:r>
           </a:p>
@@ -5211,8 +5246,8 @@
         </p:nvSpPr>
         <p:spPr>
           <a:xfrm>
-            <a:off x="1985998" y="3804536"/>
-            <a:ext cx="164592" cy="161818"/>
+            <a:off x="3530663" y="3207620"/>
+            <a:ext cx="292608" cy="287676"/>
           </a:xfrm>
           <a:prstGeom prst="triangle">
             <a:avLst/>
@@ -5245,7 +5280,7 @@
           <a:p>
             <a:pPr algn="ctr"/>
             <a:r>
-              <a:rPr lang="en-US" sz="1013" dirty="0"/>
+              <a:rPr lang="en-US" sz="1801" dirty="0"/>
               <a:t>2</a:t>
             </a:r>
           </a:p>
@@ -5265,8 +5300,8 @@
         </p:nvSpPr>
         <p:spPr>
           <a:xfrm>
-            <a:off x="3386886" y="3459958"/>
-            <a:ext cx="146208" cy="151922"/>
+            <a:off x="6021131" y="2595036"/>
+            <a:ext cx="259925" cy="270084"/>
           </a:xfrm>
           <a:prstGeom prst="triangle">
             <a:avLst/>
@@ -5297,7 +5332,7 @@
           <a:p>
             <a:pPr algn="ctr"/>
             <a:r>
-              <a:rPr lang="en-US" sz="1013" dirty="0"/>
+              <a:rPr lang="en-US" sz="1801" dirty="0"/>
               <a:t>1</a:t>
             </a:r>
           </a:p>
@@ -5317,8 +5352,8 @@
         </p:nvSpPr>
         <p:spPr>
           <a:xfrm>
-            <a:off x="3843386" y="3459958"/>
-            <a:ext cx="146208" cy="151922"/>
+            <a:off x="6832686" y="2595036"/>
+            <a:ext cx="259925" cy="270084"/>
           </a:xfrm>
           <a:prstGeom prst="triangle">
             <a:avLst/>
@@ -5349,7 +5384,7 @@
           <a:p>
             <a:pPr algn="ctr"/>
             <a:r>
-              <a:rPr lang="en-US" sz="1013" dirty="0"/>
+              <a:rPr lang="en-US" sz="1801" dirty="0"/>
               <a:t>2</a:t>
             </a:r>
           </a:p>
@@ -5369,8 +5404,8 @@
         </p:nvSpPr>
         <p:spPr>
           <a:xfrm>
-            <a:off x="4130751" y="4219396"/>
-            <a:ext cx="164592" cy="161818"/>
+            <a:off x="7343557" y="3945149"/>
+            <a:ext cx="292608" cy="287676"/>
           </a:xfrm>
           <a:prstGeom prst="triangle">
             <a:avLst/>
@@ -5401,7 +5436,7 @@
           <a:p>
             <a:pPr algn="ctr"/>
             <a:r>
-              <a:rPr lang="en-US" sz="1013" dirty="0"/>
+              <a:rPr lang="en-US" sz="1801" dirty="0"/>
               <a:t>1</a:t>
             </a:r>
           </a:p>
@@ -5421,8 +5456,8 @@
         </p:nvSpPr>
         <p:spPr>
           <a:xfrm>
-            <a:off x="4130751" y="3809072"/>
-            <a:ext cx="164592" cy="161818"/>
+            <a:off x="7343557" y="3215684"/>
+            <a:ext cx="292608" cy="287676"/>
           </a:xfrm>
           <a:prstGeom prst="triangle">
             <a:avLst/>
@@ -5453,7 +5488,7 @@
           <a:p>
             <a:pPr algn="ctr"/>
             <a:r>
-              <a:rPr lang="en-US" sz="1013" dirty="0"/>
+              <a:rPr lang="en-US" sz="1801" dirty="0"/>
               <a:t>2</a:t>
             </a:r>
           </a:p>
@@ -5473,8 +5508,8 @@
         </p:nvSpPr>
         <p:spPr>
           <a:xfrm>
-            <a:off x="3368502" y="5613559"/>
-            <a:ext cx="164592" cy="161818"/>
+            <a:off x="5988448" y="6423661"/>
+            <a:ext cx="292608" cy="287676"/>
           </a:xfrm>
           <a:prstGeom prst="triangle">
             <a:avLst/>
@@ -5505,7 +5540,7 @@
           <a:p>
             <a:pPr algn="ctr"/>
             <a:r>
-              <a:rPr lang="en-US" sz="1013" dirty="0"/>
+              <a:rPr lang="en-US" sz="1801" dirty="0"/>
               <a:t>1</a:t>
             </a:r>
           </a:p>
@@ -5525,8 +5560,8 @@
         </p:nvSpPr>
         <p:spPr>
           <a:xfrm>
-            <a:off x="3825002" y="5613559"/>
-            <a:ext cx="164592" cy="161818"/>
+            <a:off x="6800004" y="6423661"/>
+            <a:ext cx="292608" cy="287676"/>
           </a:xfrm>
           <a:prstGeom prst="triangle">
             <a:avLst/>
@@ -5557,7 +5592,7 @@
           <a:p>
             <a:pPr algn="ctr"/>
             <a:r>
-              <a:rPr lang="en-US" sz="1013" dirty="0"/>
+              <a:rPr lang="en-US" sz="1801" dirty="0"/>
               <a:t>2</a:t>
             </a:r>
           </a:p>
@@ -5577,8 +5612,8 @@
         </p:nvSpPr>
         <p:spPr>
           <a:xfrm>
-            <a:off x="4130751" y="5290068"/>
-            <a:ext cx="164592" cy="161818"/>
+            <a:off x="7343557" y="5848566"/>
+            <a:ext cx="292608" cy="287676"/>
           </a:xfrm>
           <a:prstGeom prst="triangle">
             <a:avLst/>
@@ -5609,7 +5644,7 @@
           <a:p>
             <a:pPr algn="ctr"/>
             <a:r>
-              <a:rPr lang="en-US" sz="1013" dirty="0"/>
+              <a:rPr lang="en-US" sz="1801" dirty="0"/>
               <a:t>1</a:t>
             </a:r>
           </a:p>
@@ -5629,8 +5664,8 @@
         </p:nvSpPr>
         <p:spPr>
           <a:xfrm>
-            <a:off x="4130751" y="4879743"/>
-            <a:ext cx="164592" cy="161818"/>
+            <a:off x="7343557" y="5119099"/>
+            <a:ext cx="292608" cy="287676"/>
           </a:xfrm>
           <a:prstGeom prst="triangle">
             <a:avLst/>
@@ -5661,7 +5696,7 @@
           <a:p>
             <a:pPr algn="ctr"/>
             <a:r>
-              <a:rPr lang="en-US" sz="1013" dirty="0"/>
+              <a:rPr lang="en-US" sz="1801" dirty="0"/>
               <a:t>2</a:t>
             </a:r>
           </a:p>
@@ -5681,8 +5716,8 @@
         </p:nvSpPr>
         <p:spPr>
           <a:xfrm>
-            <a:off x="2293741" y="4532990"/>
-            <a:ext cx="164592" cy="161818"/>
+            <a:off x="4077762" y="4502649"/>
+            <a:ext cx="292608" cy="287676"/>
           </a:xfrm>
           <a:prstGeom prst="triangle">
             <a:avLst/>
@@ -5724,7 +5759,7 @@
           <a:p>
             <a:pPr algn="ctr"/>
             <a:r>
-              <a:rPr lang="en-US" sz="1013" dirty="0"/>
+              <a:rPr lang="en-US" sz="1801" dirty="0"/>
               <a:t>1</a:t>
             </a:r>
           </a:p>
@@ -5744,8 +5779,8 @@
         </p:nvSpPr>
         <p:spPr>
           <a:xfrm>
-            <a:off x="2750241" y="4532990"/>
-            <a:ext cx="164592" cy="161818"/>
+            <a:off x="4889317" y="4502649"/>
+            <a:ext cx="292608" cy="287676"/>
           </a:xfrm>
           <a:prstGeom prst="triangle">
             <a:avLst/>
@@ -5787,7 +5822,7 @@
           <a:p>
             <a:pPr algn="ctr"/>
             <a:r>
-              <a:rPr lang="en-US" sz="1013" dirty="0"/>
+              <a:rPr lang="en-US" sz="1801" dirty="0"/>
               <a:t>2</a:t>
             </a:r>
           </a:p>
@@ -5807,8 +5842,8 @@
         </p:nvSpPr>
         <p:spPr>
           <a:xfrm>
-            <a:off x="3368502" y="4532990"/>
-            <a:ext cx="164592" cy="161818"/>
+            <a:off x="5988448" y="4502649"/>
+            <a:ext cx="292608" cy="287676"/>
           </a:xfrm>
           <a:prstGeom prst="triangle">
             <a:avLst/>
@@ -5848,7 +5883,7 @@
           <a:p>
             <a:pPr algn="ctr"/>
             <a:r>
-              <a:rPr lang="en-US" sz="1013" dirty="0"/>
+              <a:rPr lang="en-US" sz="1801" dirty="0"/>
               <a:t>1</a:t>
             </a:r>
           </a:p>
@@ -5868,8 +5903,8 @@
         </p:nvSpPr>
         <p:spPr>
           <a:xfrm>
-            <a:off x="3825002" y="4532990"/>
-            <a:ext cx="164592" cy="161818"/>
+            <a:off x="6800004" y="4502649"/>
+            <a:ext cx="292608" cy="287676"/>
           </a:xfrm>
           <a:prstGeom prst="triangle">
             <a:avLst/>
@@ -5909,7 +5944,7 @@
           <a:p>
             <a:pPr algn="ctr"/>
             <a:r>
-              <a:rPr lang="en-US" sz="1013" dirty="0"/>
+              <a:rPr lang="en-US" sz="1801" dirty="0"/>
               <a:t>2</a:t>
             </a:r>
           </a:p>
@@ -5929,8 +5964,8 @@
         </p:nvSpPr>
         <p:spPr>
           <a:xfrm>
-            <a:off x="1985998" y="5287177"/>
-            <a:ext cx="164592" cy="161818"/>
+            <a:off x="3530663" y="5843426"/>
+            <a:ext cx="292608" cy="287676"/>
           </a:xfrm>
           <a:prstGeom prst="triangle">
             <a:avLst/>
@@ -5961,7 +5996,7 @@
           <a:p>
             <a:pPr algn="ctr"/>
             <a:r>
-              <a:rPr lang="en-US" sz="1013" dirty="0"/>
+              <a:rPr lang="en-US" sz="1801" dirty="0"/>
               <a:t>1</a:t>
             </a:r>
           </a:p>
@@ -5981,8 +6016,8 @@
         </p:nvSpPr>
         <p:spPr>
           <a:xfrm>
-            <a:off x="1985998" y="4876852"/>
-            <a:ext cx="164592" cy="161818"/>
+            <a:off x="3530663" y="5113959"/>
+            <a:ext cx="292608" cy="287676"/>
           </a:xfrm>
           <a:prstGeom prst="triangle">
             <a:avLst/>
@@ -6013,7 +6048,7 @@
           <a:p>
             <a:pPr algn="ctr"/>
             <a:r>
-              <a:rPr lang="en-US" sz="1013" dirty="0"/>
+              <a:rPr lang="en-US" sz="1801" dirty="0"/>
               <a:t>2</a:t>
             </a:r>
           </a:p>
@@ -6033,8 +6068,8 @@
         </p:nvSpPr>
         <p:spPr>
           <a:xfrm>
-            <a:off x="3052205" y="4219396"/>
-            <a:ext cx="164592" cy="161818"/>
+            <a:off x="5426142" y="3945149"/>
+            <a:ext cx="292608" cy="287676"/>
           </a:xfrm>
           <a:prstGeom prst="triangle">
             <a:avLst/>
@@ -6075,7 +6110,7 @@
           <a:p>
             <a:pPr algn="ctr"/>
             <a:r>
-              <a:rPr lang="en-US" sz="1013" dirty="0"/>
+              <a:rPr lang="en-US" sz="1801" dirty="0"/>
               <a:t>1</a:t>
             </a:r>
           </a:p>
@@ -6095,8 +6130,8 @@
         </p:nvSpPr>
         <p:spPr>
           <a:xfrm>
-            <a:off x="3052205" y="3809072"/>
-            <a:ext cx="164592" cy="161818"/>
+            <a:off x="5426142" y="3215684"/>
+            <a:ext cx="292608" cy="287676"/>
           </a:xfrm>
           <a:prstGeom prst="triangle">
             <a:avLst/>
@@ -6137,7 +6172,7 @@
           <a:p>
             <a:pPr algn="ctr"/>
             <a:r>
-              <a:rPr lang="en-US" sz="1013" dirty="0"/>
+              <a:rPr lang="en-US" sz="1801" dirty="0"/>
               <a:t>2</a:t>
             </a:r>
           </a:p>
@@ -6173,12 +6208,367 @@
           <a:chExt cx="0" cy="0"/>
         </a:xfrm>
       </p:grpSpPr>
+      <p:sp>
+        <p:nvSpPr>
+          <p:cNvPr id="3" name="Rectangle 2">
+            <a:extLst>
+              <a:ext uri="{FF2B5EF4-FFF2-40B4-BE49-F238E27FC236}">
+                <a16:creationId xmlns:a16="http://schemas.microsoft.com/office/drawing/2014/main" id="{D03F853A-0CD0-4BEB-AA20-F3D07C4C25D3}"/>
+              </a:ext>
+            </a:extLst>
+          </p:cNvPr>
+          <p:cNvSpPr/>
+          <p:nvPr/>
+        </p:nvSpPr>
+        <p:spPr>
+          <a:xfrm>
+            <a:off x="3749717" y="2076213"/>
+            <a:ext cx="4641122" cy="4641124"/>
+          </a:xfrm>
+          <a:prstGeom prst="rect">
+            <a:avLst/>
+          </a:prstGeom>
+          <a:solidFill>
+            <a:schemeClr val="accent3">
+              <a:lumMod val="20000"/>
+              <a:lumOff val="80000"/>
+            </a:schemeClr>
+          </a:solidFill>
+          <a:ln w="76200">
+            <a:solidFill>
+              <a:schemeClr val="tx1"/>
+            </a:solidFill>
+          </a:ln>
+        </p:spPr>
+        <p:style>
+          <a:lnRef idx="2">
+            <a:schemeClr val="accent1">
+              <a:shade val="50000"/>
+            </a:schemeClr>
+          </a:lnRef>
+          <a:fillRef idx="1">
+            <a:schemeClr val="accent1"/>
+          </a:fillRef>
+          <a:effectRef idx="0">
+            <a:schemeClr val="accent1"/>
+          </a:effectRef>
+          <a:fontRef idx="minor">
+            <a:schemeClr val="lt1"/>
+          </a:fontRef>
+        </p:style>
+        <p:txBody>
+          <a:bodyPr rtlCol="0" anchor="ctr"/>
+          <a:lstStyle/>
+          <a:p>
+            <a:pPr algn="ctr"/>
+            <a:endParaRPr lang="en-US" sz="1801"/>
+          </a:p>
+        </p:txBody>
+      </p:sp>
+      <p:sp>
+        <p:nvSpPr>
+          <p:cNvPr id="7" name="Oval 6">
+            <a:extLst>
+              <a:ext uri="{FF2B5EF4-FFF2-40B4-BE49-F238E27FC236}">
+                <a16:creationId xmlns:a16="http://schemas.microsoft.com/office/drawing/2014/main" id="{65F66684-34DD-4E5A-8479-7BC985253B8A}"/>
+              </a:ext>
+            </a:extLst>
+          </p:cNvPr>
+          <p:cNvSpPr/>
+          <p:nvPr/>
+        </p:nvSpPr>
+        <p:spPr>
+          <a:xfrm>
+            <a:off x="3474503" y="1801000"/>
+            <a:ext cx="550426" cy="550426"/>
+          </a:xfrm>
+          <a:prstGeom prst="ellipse">
+            <a:avLst/>
+          </a:prstGeom>
+          <a:solidFill>
+            <a:schemeClr val="accent3">
+              <a:lumMod val="20000"/>
+              <a:lumOff val="80000"/>
+            </a:schemeClr>
+          </a:solidFill>
+          <a:ln w="38100">
+            <a:solidFill>
+              <a:schemeClr val="tx1"/>
+            </a:solidFill>
+          </a:ln>
+        </p:spPr>
+        <p:style>
+          <a:lnRef idx="2">
+            <a:schemeClr val="accent1">
+              <a:shade val="50000"/>
+            </a:schemeClr>
+          </a:lnRef>
+          <a:fillRef idx="1">
+            <a:schemeClr val="accent1"/>
+          </a:fillRef>
+          <a:effectRef idx="0">
+            <a:schemeClr val="accent1"/>
+          </a:effectRef>
+          <a:fontRef idx="minor">
+            <a:schemeClr val="lt1"/>
+          </a:fontRef>
+        </p:style>
+        <p:txBody>
+          <a:bodyPr rtlCol="0" anchor="ctr"/>
+          <a:lstStyle/>
+          <a:p>
+            <a:pPr algn="ctr"/>
+            <a:r>
+              <a:rPr lang="en-US" sz="1801" dirty="0">
+                <a:solidFill>
+                  <a:sysClr val="windowText" lastClr="000000"/>
+                </a:solidFill>
+              </a:rPr>
+              <a:t>4</a:t>
+            </a:r>
+          </a:p>
+        </p:txBody>
+      </p:sp>
+      <p:sp>
+        <p:nvSpPr>
+          <p:cNvPr id="8" name="Oval 7">
+            <a:extLst>
+              <a:ext uri="{FF2B5EF4-FFF2-40B4-BE49-F238E27FC236}">
+                <a16:creationId xmlns:a16="http://schemas.microsoft.com/office/drawing/2014/main" id="{C1017291-A4F5-484D-86FE-5E0945ED49A6}"/>
+              </a:ext>
+            </a:extLst>
+          </p:cNvPr>
+          <p:cNvSpPr/>
+          <p:nvPr/>
+        </p:nvSpPr>
+        <p:spPr>
+          <a:xfrm>
+            <a:off x="3474503" y="6442124"/>
+            <a:ext cx="550426" cy="550426"/>
+          </a:xfrm>
+          <a:prstGeom prst="ellipse">
+            <a:avLst/>
+          </a:prstGeom>
+          <a:solidFill>
+            <a:schemeClr val="accent3">
+              <a:lumMod val="20000"/>
+              <a:lumOff val="80000"/>
+            </a:schemeClr>
+          </a:solidFill>
+          <a:ln w="38100">
+            <a:solidFill>
+              <a:schemeClr val="tx1"/>
+            </a:solidFill>
+          </a:ln>
+        </p:spPr>
+        <p:style>
+          <a:lnRef idx="2">
+            <a:schemeClr val="accent1">
+              <a:shade val="50000"/>
+            </a:schemeClr>
+          </a:lnRef>
+          <a:fillRef idx="1">
+            <a:schemeClr val="accent1"/>
+          </a:fillRef>
+          <a:effectRef idx="0">
+            <a:schemeClr val="accent1"/>
+          </a:effectRef>
+          <a:fontRef idx="minor">
+            <a:schemeClr val="lt1"/>
+          </a:fontRef>
+        </p:style>
+        <p:txBody>
+          <a:bodyPr rtlCol="0" anchor="ctr"/>
+          <a:lstStyle/>
+          <a:p>
+            <a:pPr algn="ctr"/>
+            <a:r>
+              <a:rPr lang="en-US" sz="1801" dirty="0">
+                <a:solidFill>
+                  <a:sysClr val="windowText" lastClr="000000"/>
+                </a:solidFill>
+              </a:rPr>
+              <a:t>1</a:t>
+            </a:r>
+          </a:p>
+        </p:txBody>
+      </p:sp>
+      <p:sp>
+        <p:nvSpPr>
+          <p:cNvPr id="10" name="Oval 9">
+            <a:extLst>
+              <a:ext uri="{FF2B5EF4-FFF2-40B4-BE49-F238E27FC236}">
+                <a16:creationId xmlns:a16="http://schemas.microsoft.com/office/drawing/2014/main" id="{AA48970A-3B82-4716-93EA-E97FE3398020}"/>
+              </a:ext>
+            </a:extLst>
+          </p:cNvPr>
+          <p:cNvSpPr/>
+          <p:nvPr/>
+        </p:nvSpPr>
+        <p:spPr>
+          <a:xfrm>
+            <a:off x="8115626" y="1801000"/>
+            <a:ext cx="550426" cy="550426"/>
+          </a:xfrm>
+          <a:prstGeom prst="ellipse">
+            <a:avLst/>
+          </a:prstGeom>
+          <a:solidFill>
+            <a:schemeClr val="accent3">
+              <a:lumMod val="20000"/>
+              <a:lumOff val="80000"/>
+            </a:schemeClr>
+          </a:solidFill>
+          <a:ln w="38100">
+            <a:solidFill>
+              <a:schemeClr val="tx1"/>
+            </a:solidFill>
+          </a:ln>
+        </p:spPr>
+        <p:style>
+          <a:lnRef idx="2">
+            <a:schemeClr val="accent1">
+              <a:shade val="50000"/>
+            </a:schemeClr>
+          </a:lnRef>
+          <a:fillRef idx="1">
+            <a:schemeClr val="accent1"/>
+          </a:fillRef>
+          <a:effectRef idx="0">
+            <a:schemeClr val="accent1"/>
+          </a:effectRef>
+          <a:fontRef idx="minor">
+            <a:schemeClr val="lt1"/>
+          </a:fontRef>
+        </p:style>
+        <p:txBody>
+          <a:bodyPr rtlCol="0" anchor="ctr"/>
+          <a:lstStyle/>
+          <a:p>
+            <a:pPr algn="ctr"/>
+            <a:r>
+              <a:rPr lang="en-US" sz="1801" dirty="0">
+                <a:solidFill>
+                  <a:sysClr val="windowText" lastClr="000000"/>
+                </a:solidFill>
+              </a:rPr>
+              <a:t>5</a:t>
+            </a:r>
+          </a:p>
+        </p:txBody>
+      </p:sp>
+      <p:sp>
+        <p:nvSpPr>
+          <p:cNvPr id="11" name="Oval 10">
+            <a:extLst>
+              <a:ext uri="{FF2B5EF4-FFF2-40B4-BE49-F238E27FC236}">
+                <a16:creationId xmlns:a16="http://schemas.microsoft.com/office/drawing/2014/main" id="{2632F335-537B-4384-905D-8FE20FE2535B}"/>
+              </a:ext>
+            </a:extLst>
+          </p:cNvPr>
+          <p:cNvSpPr/>
+          <p:nvPr/>
+        </p:nvSpPr>
+        <p:spPr>
+          <a:xfrm>
+            <a:off x="8115626" y="6442124"/>
+            <a:ext cx="550426" cy="550426"/>
+          </a:xfrm>
+          <a:prstGeom prst="ellipse">
+            <a:avLst/>
+          </a:prstGeom>
+          <a:solidFill>
+            <a:schemeClr val="accent3">
+              <a:lumMod val="20000"/>
+              <a:lumOff val="80000"/>
+            </a:schemeClr>
+          </a:solidFill>
+          <a:ln w="38100">
+            <a:solidFill>
+              <a:schemeClr val="tx1"/>
+            </a:solidFill>
+          </a:ln>
+        </p:spPr>
+        <p:style>
+          <a:lnRef idx="2">
+            <a:schemeClr val="accent1">
+              <a:shade val="50000"/>
+            </a:schemeClr>
+          </a:lnRef>
+          <a:fillRef idx="1">
+            <a:schemeClr val="accent1"/>
+          </a:fillRef>
+          <a:effectRef idx="0">
+            <a:schemeClr val="accent1"/>
+          </a:effectRef>
+          <a:fontRef idx="minor">
+            <a:schemeClr val="lt1"/>
+          </a:fontRef>
+        </p:style>
+        <p:txBody>
+          <a:bodyPr rtlCol="0" anchor="ctr"/>
+          <a:lstStyle/>
+          <a:p>
+            <a:pPr algn="ctr"/>
+            <a:r>
+              <a:rPr lang="en-US" sz="1801" dirty="0">
+                <a:solidFill>
+                  <a:sysClr val="windowText" lastClr="000000"/>
+                </a:solidFill>
+              </a:rPr>
+              <a:t>2</a:t>
+            </a:r>
+          </a:p>
+        </p:txBody>
+      </p:sp>
+      <p:sp>
+        <p:nvSpPr>
+          <p:cNvPr id="15" name="TextBox 14">
+            <a:extLst>
+              <a:ext uri="{FF2B5EF4-FFF2-40B4-BE49-F238E27FC236}">
+                <a16:creationId xmlns:a16="http://schemas.microsoft.com/office/drawing/2014/main" id="{48DBA49F-80E4-48A3-BEA1-59B2A376867E}"/>
+              </a:ext>
+            </a:extLst>
+          </p:cNvPr>
+          <p:cNvSpPr txBox="1"/>
+          <p:nvPr/>
+        </p:nvSpPr>
+        <p:spPr>
+          <a:xfrm>
+            <a:off x="5663710" y="3947078"/>
+            <a:ext cx="813132" cy="369460"/>
+          </a:xfrm>
+          <a:prstGeom prst="rect">
+            <a:avLst/>
+          </a:prstGeom>
+          <a:solidFill>
+            <a:srgbClr val="7030A0"/>
+          </a:solidFill>
+          <a:ln>
+            <a:solidFill>
+              <a:schemeClr val="tx1"/>
+            </a:solidFill>
+          </a:ln>
+        </p:spPr>
+        <p:txBody>
+          <a:bodyPr wrap="square" rtlCol="0">
+            <a:spAutoFit/>
+          </a:bodyPr>
+          <a:lstStyle/>
+          <a:p>
+            <a:r>
+              <a:rPr lang="en-US" sz="1801" dirty="0"/>
+              <a:t>1</a:t>
+            </a:r>
+          </a:p>
+        </p:txBody>
+      </p:sp>
       <p:grpSp>
         <p:nvGrpSpPr>
-          <p:cNvPr id="60" name="Group 59">
+          <p:cNvPr id="19" name="Group 18">
             <a:extLst>
               <a:ext uri="{FF2B5EF4-FFF2-40B4-BE49-F238E27FC236}">
-                <a16:creationId xmlns:a16="http://schemas.microsoft.com/office/drawing/2014/main" id="{5447BB82-0C91-468A-8611-E877CF3AF2BF}"/>
+                <a16:creationId xmlns:a16="http://schemas.microsoft.com/office/drawing/2014/main" id="{7A9A4795-A344-455F-9ADF-F70B5FB3C210}"/>
               </a:ext>
             </a:extLst>
           </p:cNvPr>
@@ -6187,18 +6577,18 @@
         </p:nvGrpSpPr>
         <p:grpSpPr>
           <a:xfrm>
-            <a:off x="2781634" y="3820400"/>
-            <a:ext cx="1218576" cy="1242387"/>
-            <a:chOff x="4945125" y="2092823"/>
-            <a:chExt cx="2166357" cy="2208688"/>
+            <a:off x="4737987" y="3164564"/>
+            <a:ext cx="2670834" cy="2489445"/>
+            <a:chOff x="4083978" y="3981236"/>
+            <a:chExt cx="1096766" cy="1022279"/>
           </a:xfrm>
         </p:grpSpPr>
         <p:sp>
           <p:nvSpPr>
-            <p:cNvPr id="3" name="Rectangle 2">
+            <p:cNvPr id="20" name="Rectangle 19">
               <a:extLst>
                 <a:ext uri="{FF2B5EF4-FFF2-40B4-BE49-F238E27FC236}">
-                  <a16:creationId xmlns:a16="http://schemas.microsoft.com/office/drawing/2014/main" id="{D03F853A-0CD0-4BEB-AA20-F3D07C4C25D3}"/>
+                  <a16:creationId xmlns:a16="http://schemas.microsoft.com/office/drawing/2014/main" id="{144AA257-76A2-4A12-A5B9-6B513651F523}"/>
                 </a:ext>
               </a:extLst>
             </p:cNvPr>
@@ -6207,575 +6597,10 @@
           </p:nvSpPr>
           <p:spPr>
             <a:xfrm>
-              <a:off x="5092611" y="2267485"/>
-              <a:ext cx="1905856" cy="1905856"/>
+              <a:off x="4083978" y="4715839"/>
+              <a:ext cx="287676" cy="287676"/>
             </a:xfrm>
             <a:prstGeom prst="rect">
-              <a:avLst/>
-            </a:prstGeom>
-            <a:solidFill>
-              <a:schemeClr val="accent3">
-                <a:lumMod val="20000"/>
-                <a:lumOff val="80000"/>
-              </a:schemeClr>
-            </a:solidFill>
-            <a:ln w="76200">
-              <a:solidFill>
-                <a:schemeClr val="tx1"/>
-              </a:solidFill>
-            </a:ln>
-          </p:spPr>
-          <p:style>
-            <a:lnRef idx="2">
-              <a:schemeClr val="accent1">
-                <a:shade val="50000"/>
-              </a:schemeClr>
-            </a:lnRef>
-            <a:fillRef idx="1">
-              <a:schemeClr val="accent1"/>
-            </a:fillRef>
-            <a:effectRef idx="0">
-              <a:schemeClr val="accent1"/>
-            </a:effectRef>
-            <a:fontRef idx="minor">
-              <a:schemeClr val="lt1"/>
-            </a:fontRef>
-          </p:style>
-          <p:txBody>
-            <a:bodyPr rtlCol="0" anchor="ctr"/>
-            <a:lstStyle/>
-            <a:p>
-              <a:pPr algn="ctr"/>
-              <a:endParaRPr lang="en-US" sz="1013"/>
-            </a:p>
-          </p:txBody>
-        </p:sp>
-        <p:sp>
-          <p:nvSpPr>
-            <p:cNvPr id="7" name="Oval 6">
-              <a:extLst>
-                <a:ext uri="{FF2B5EF4-FFF2-40B4-BE49-F238E27FC236}">
-                  <a16:creationId xmlns:a16="http://schemas.microsoft.com/office/drawing/2014/main" id="{65F66684-34DD-4E5A-8479-7BC985253B8A}"/>
-                </a:ext>
-              </a:extLst>
-            </p:cNvPr>
-            <p:cNvSpPr/>
-            <p:nvPr/>
-          </p:nvSpPr>
-          <p:spPr>
-            <a:xfrm>
-              <a:off x="4979596" y="2154470"/>
-              <a:ext cx="226030" cy="226030"/>
-            </a:xfrm>
-            <a:prstGeom prst="ellipse">
-              <a:avLst/>
-            </a:prstGeom>
-            <a:solidFill>
-              <a:schemeClr val="accent3">
-                <a:lumMod val="20000"/>
-                <a:lumOff val="80000"/>
-              </a:schemeClr>
-            </a:solidFill>
-            <a:ln w="38100">
-              <a:solidFill>
-                <a:schemeClr val="tx1"/>
-              </a:solidFill>
-            </a:ln>
-          </p:spPr>
-          <p:style>
-            <a:lnRef idx="2">
-              <a:schemeClr val="accent1">
-                <a:shade val="50000"/>
-              </a:schemeClr>
-            </a:lnRef>
-            <a:fillRef idx="1">
-              <a:schemeClr val="accent1"/>
-            </a:fillRef>
-            <a:effectRef idx="0">
-              <a:schemeClr val="accent1"/>
-            </a:effectRef>
-            <a:fontRef idx="minor">
-              <a:schemeClr val="lt1"/>
-            </a:fontRef>
-          </p:style>
-          <p:txBody>
-            <a:bodyPr rtlCol="0" anchor="ctr"/>
-            <a:lstStyle/>
-            <a:p>
-              <a:pPr algn="ctr"/>
-              <a:r>
-                <a:rPr lang="en-US" sz="1013" dirty="0">
-                  <a:solidFill>
-                    <a:sysClr val="windowText" lastClr="000000"/>
-                  </a:solidFill>
-                </a:rPr>
-                <a:t>4</a:t>
-              </a:r>
-            </a:p>
-          </p:txBody>
-        </p:sp>
-        <p:sp>
-          <p:nvSpPr>
-            <p:cNvPr id="8" name="Oval 7">
-              <a:extLst>
-                <a:ext uri="{FF2B5EF4-FFF2-40B4-BE49-F238E27FC236}">
-                  <a16:creationId xmlns:a16="http://schemas.microsoft.com/office/drawing/2014/main" id="{C1017291-A4F5-484D-86FE-5E0945ED49A6}"/>
-                </a:ext>
-              </a:extLst>
-            </p:cNvPr>
-            <p:cNvSpPr/>
-            <p:nvPr/>
-          </p:nvSpPr>
-          <p:spPr>
-            <a:xfrm>
-              <a:off x="4979596" y="4060326"/>
-              <a:ext cx="226030" cy="226030"/>
-            </a:xfrm>
-            <a:prstGeom prst="ellipse">
-              <a:avLst/>
-            </a:prstGeom>
-            <a:solidFill>
-              <a:schemeClr val="accent3">
-                <a:lumMod val="20000"/>
-                <a:lumOff val="80000"/>
-              </a:schemeClr>
-            </a:solidFill>
-            <a:ln w="38100">
-              <a:solidFill>
-                <a:schemeClr val="tx1"/>
-              </a:solidFill>
-            </a:ln>
-          </p:spPr>
-          <p:style>
-            <a:lnRef idx="2">
-              <a:schemeClr val="accent1">
-                <a:shade val="50000"/>
-              </a:schemeClr>
-            </a:lnRef>
-            <a:fillRef idx="1">
-              <a:schemeClr val="accent1"/>
-            </a:fillRef>
-            <a:effectRef idx="0">
-              <a:schemeClr val="accent1"/>
-            </a:effectRef>
-            <a:fontRef idx="minor">
-              <a:schemeClr val="lt1"/>
-            </a:fontRef>
-          </p:style>
-          <p:txBody>
-            <a:bodyPr rtlCol="0" anchor="ctr"/>
-            <a:lstStyle/>
-            <a:p>
-              <a:pPr algn="ctr"/>
-              <a:r>
-                <a:rPr lang="en-US" sz="1013" dirty="0">
-                  <a:solidFill>
-                    <a:sysClr val="windowText" lastClr="000000"/>
-                  </a:solidFill>
-                </a:rPr>
-                <a:t>1</a:t>
-              </a:r>
-            </a:p>
-          </p:txBody>
-        </p:sp>
-        <p:sp>
-          <p:nvSpPr>
-            <p:cNvPr id="10" name="Oval 9">
-              <a:extLst>
-                <a:ext uri="{FF2B5EF4-FFF2-40B4-BE49-F238E27FC236}">
-                  <a16:creationId xmlns:a16="http://schemas.microsoft.com/office/drawing/2014/main" id="{AA48970A-3B82-4716-93EA-E97FE3398020}"/>
-                </a:ext>
-              </a:extLst>
-            </p:cNvPr>
-            <p:cNvSpPr/>
-            <p:nvPr/>
-          </p:nvSpPr>
-          <p:spPr>
-            <a:xfrm>
-              <a:off x="6885452" y="2154470"/>
-              <a:ext cx="226030" cy="226030"/>
-            </a:xfrm>
-            <a:prstGeom prst="ellipse">
-              <a:avLst/>
-            </a:prstGeom>
-            <a:solidFill>
-              <a:schemeClr val="accent3">
-                <a:lumMod val="20000"/>
-                <a:lumOff val="80000"/>
-              </a:schemeClr>
-            </a:solidFill>
-            <a:ln w="38100">
-              <a:solidFill>
-                <a:schemeClr val="tx1"/>
-              </a:solidFill>
-            </a:ln>
-          </p:spPr>
-          <p:style>
-            <a:lnRef idx="2">
-              <a:schemeClr val="accent1">
-                <a:shade val="50000"/>
-              </a:schemeClr>
-            </a:lnRef>
-            <a:fillRef idx="1">
-              <a:schemeClr val="accent1"/>
-            </a:fillRef>
-            <a:effectRef idx="0">
-              <a:schemeClr val="accent1"/>
-            </a:effectRef>
-            <a:fontRef idx="minor">
-              <a:schemeClr val="lt1"/>
-            </a:fontRef>
-          </p:style>
-          <p:txBody>
-            <a:bodyPr rtlCol="0" anchor="ctr"/>
-            <a:lstStyle/>
-            <a:p>
-              <a:pPr algn="ctr"/>
-              <a:r>
-                <a:rPr lang="en-US" sz="1013" dirty="0">
-                  <a:solidFill>
-                    <a:sysClr val="windowText" lastClr="000000"/>
-                  </a:solidFill>
-                </a:rPr>
-                <a:t>5</a:t>
-              </a:r>
-            </a:p>
-          </p:txBody>
-        </p:sp>
-        <p:sp>
-          <p:nvSpPr>
-            <p:cNvPr id="11" name="Oval 10">
-              <a:extLst>
-                <a:ext uri="{FF2B5EF4-FFF2-40B4-BE49-F238E27FC236}">
-                  <a16:creationId xmlns:a16="http://schemas.microsoft.com/office/drawing/2014/main" id="{2632F335-537B-4384-905D-8FE20FE2535B}"/>
-                </a:ext>
-              </a:extLst>
-            </p:cNvPr>
-            <p:cNvSpPr/>
-            <p:nvPr/>
-          </p:nvSpPr>
-          <p:spPr>
-            <a:xfrm>
-              <a:off x="6885452" y="4060326"/>
-              <a:ext cx="226030" cy="226030"/>
-            </a:xfrm>
-            <a:prstGeom prst="ellipse">
-              <a:avLst/>
-            </a:prstGeom>
-            <a:solidFill>
-              <a:schemeClr val="accent3">
-                <a:lumMod val="20000"/>
-                <a:lumOff val="80000"/>
-              </a:schemeClr>
-            </a:solidFill>
-            <a:ln w="38100">
-              <a:solidFill>
-                <a:schemeClr val="tx1"/>
-              </a:solidFill>
-            </a:ln>
-          </p:spPr>
-          <p:style>
-            <a:lnRef idx="2">
-              <a:schemeClr val="accent1">
-                <a:shade val="50000"/>
-              </a:schemeClr>
-            </a:lnRef>
-            <a:fillRef idx="1">
-              <a:schemeClr val="accent1"/>
-            </a:fillRef>
-            <a:effectRef idx="0">
-              <a:schemeClr val="accent1"/>
-            </a:effectRef>
-            <a:fontRef idx="minor">
-              <a:schemeClr val="lt1"/>
-            </a:fontRef>
-          </p:style>
-          <p:txBody>
-            <a:bodyPr rtlCol="0" anchor="ctr"/>
-            <a:lstStyle/>
-            <a:p>
-              <a:pPr algn="ctr"/>
-              <a:r>
-                <a:rPr lang="en-US" sz="1013" dirty="0">
-                  <a:solidFill>
-                    <a:sysClr val="windowText" lastClr="000000"/>
-                  </a:solidFill>
-                </a:rPr>
-                <a:t>2</a:t>
-              </a:r>
-            </a:p>
-          </p:txBody>
-        </p:sp>
-        <p:sp>
-          <p:nvSpPr>
-            <p:cNvPr id="15" name="TextBox 14">
-              <a:extLst>
-                <a:ext uri="{FF2B5EF4-FFF2-40B4-BE49-F238E27FC236}">
-                  <a16:creationId xmlns:a16="http://schemas.microsoft.com/office/drawing/2014/main" id="{48DBA49F-80E4-48A3-BEA1-59B2A376867E}"/>
-                </a:ext>
-              </a:extLst>
-            </p:cNvPr>
-            <p:cNvSpPr txBox="1"/>
-            <p:nvPr/>
-          </p:nvSpPr>
-          <p:spPr>
-            <a:xfrm>
-              <a:off x="5878584" y="3035747"/>
-              <a:ext cx="333909" cy="441260"/>
-            </a:xfrm>
-            <a:prstGeom prst="rect">
-              <a:avLst/>
-            </a:prstGeom>
-            <a:noFill/>
-          </p:spPr>
-          <p:txBody>
-            <a:bodyPr wrap="square" rtlCol="0">
-              <a:spAutoFit/>
-            </a:bodyPr>
-            <a:lstStyle/>
-            <a:p>
-              <a:r>
-                <a:rPr lang="en-US" sz="1013" dirty="0"/>
-                <a:t>1</a:t>
-              </a:r>
-            </a:p>
-          </p:txBody>
-        </p:sp>
-        <p:grpSp>
-          <p:nvGrpSpPr>
-            <p:cNvPr id="19" name="Group 18">
-              <a:extLst>
-                <a:ext uri="{FF2B5EF4-FFF2-40B4-BE49-F238E27FC236}">
-                  <a16:creationId xmlns:a16="http://schemas.microsoft.com/office/drawing/2014/main" id="{7A9A4795-A344-455F-9ADF-F70B5FB3C210}"/>
-                </a:ext>
-              </a:extLst>
-            </p:cNvPr>
-            <p:cNvGrpSpPr/>
-            <p:nvPr/>
-          </p:nvGrpSpPr>
-          <p:grpSpPr>
-            <a:xfrm>
-              <a:off x="5498440" y="2714411"/>
-              <a:ext cx="1096766" cy="1022279"/>
-              <a:chOff x="4083978" y="3981236"/>
-              <a:chExt cx="1096766" cy="1022279"/>
-            </a:xfrm>
-          </p:grpSpPr>
-          <p:sp>
-            <p:nvSpPr>
-              <p:cNvPr id="20" name="Rectangle 19">
-                <a:extLst>
-                  <a:ext uri="{FF2B5EF4-FFF2-40B4-BE49-F238E27FC236}">
-                    <a16:creationId xmlns:a16="http://schemas.microsoft.com/office/drawing/2014/main" id="{144AA257-76A2-4A12-A5B9-6B513651F523}"/>
-                  </a:ext>
-                </a:extLst>
-              </p:cNvPr>
-              <p:cNvSpPr/>
-              <p:nvPr/>
-            </p:nvSpPr>
-            <p:spPr>
-              <a:xfrm>
-                <a:off x="4083978" y="4715839"/>
-                <a:ext cx="287676" cy="287676"/>
-              </a:xfrm>
-              <a:prstGeom prst="rect">
-                <a:avLst/>
-              </a:prstGeom>
-            </p:spPr>
-            <p:style>
-              <a:lnRef idx="2">
-                <a:schemeClr val="dk1">
-                  <a:shade val="50000"/>
-                </a:schemeClr>
-              </a:lnRef>
-              <a:fillRef idx="1">
-                <a:schemeClr val="dk1"/>
-              </a:fillRef>
-              <a:effectRef idx="0">
-                <a:schemeClr val="dk1"/>
-              </a:effectRef>
-              <a:fontRef idx="minor">
-                <a:schemeClr val="lt1"/>
-              </a:fontRef>
-            </p:style>
-            <p:txBody>
-              <a:bodyPr rtlCol="0" anchor="ctr"/>
-              <a:lstStyle/>
-              <a:p>
-                <a:pPr algn="ctr"/>
-                <a:r>
-                  <a:rPr lang="en-US" sz="1013" dirty="0"/>
-                  <a:t>1</a:t>
-                </a:r>
-              </a:p>
-            </p:txBody>
-          </p:sp>
-          <p:sp>
-            <p:nvSpPr>
-              <p:cNvPr id="21" name="Rectangle 20">
-                <a:extLst>
-                  <a:ext uri="{FF2B5EF4-FFF2-40B4-BE49-F238E27FC236}">
-                    <a16:creationId xmlns:a16="http://schemas.microsoft.com/office/drawing/2014/main" id="{6CB96A72-7A63-4A9A-8F59-FD644E15F7D2}"/>
-                  </a:ext>
-                </a:extLst>
-              </p:cNvPr>
-              <p:cNvSpPr/>
-              <p:nvPr/>
-            </p:nvSpPr>
-            <p:spPr>
-              <a:xfrm>
-                <a:off x="4893068" y="4715839"/>
-                <a:ext cx="287676" cy="287676"/>
-              </a:xfrm>
-              <a:prstGeom prst="rect">
-                <a:avLst/>
-              </a:prstGeom>
-            </p:spPr>
-            <p:style>
-              <a:lnRef idx="2">
-                <a:schemeClr val="dk1">
-                  <a:shade val="50000"/>
-                </a:schemeClr>
-              </a:lnRef>
-              <a:fillRef idx="1">
-                <a:schemeClr val="dk1"/>
-              </a:fillRef>
-              <a:effectRef idx="0">
-                <a:schemeClr val="dk1"/>
-              </a:effectRef>
-              <a:fontRef idx="minor">
-                <a:schemeClr val="lt1"/>
-              </a:fontRef>
-            </p:style>
-            <p:txBody>
-              <a:bodyPr rtlCol="0" anchor="ctr"/>
-              <a:lstStyle/>
-              <a:p>
-                <a:pPr algn="ctr"/>
-                <a:r>
-                  <a:rPr lang="en-US" sz="1013" dirty="0"/>
-                  <a:t>2</a:t>
-                </a:r>
-              </a:p>
-            </p:txBody>
-          </p:sp>
-          <p:sp>
-            <p:nvSpPr>
-              <p:cNvPr id="22" name="Rectangle 21">
-                <a:extLst>
-                  <a:ext uri="{FF2B5EF4-FFF2-40B4-BE49-F238E27FC236}">
-                    <a16:creationId xmlns:a16="http://schemas.microsoft.com/office/drawing/2014/main" id="{87F8323E-C44C-403F-98E1-DC0E4560A804}"/>
-                  </a:ext>
-                </a:extLst>
-              </p:cNvPr>
-              <p:cNvSpPr/>
-              <p:nvPr/>
-            </p:nvSpPr>
-            <p:spPr>
-              <a:xfrm>
-                <a:off x="4893068" y="3981236"/>
-                <a:ext cx="287676" cy="287676"/>
-              </a:xfrm>
-              <a:prstGeom prst="rect">
-                <a:avLst/>
-              </a:prstGeom>
-            </p:spPr>
-            <p:style>
-              <a:lnRef idx="2">
-                <a:schemeClr val="dk1">
-                  <a:shade val="50000"/>
-                </a:schemeClr>
-              </a:lnRef>
-              <a:fillRef idx="1">
-                <a:schemeClr val="dk1"/>
-              </a:fillRef>
-              <a:effectRef idx="0">
-                <a:schemeClr val="dk1"/>
-              </a:effectRef>
-              <a:fontRef idx="minor">
-                <a:schemeClr val="lt1"/>
-              </a:fontRef>
-            </p:style>
-            <p:txBody>
-              <a:bodyPr rtlCol="0" anchor="ctr"/>
-              <a:lstStyle/>
-              <a:p>
-                <a:pPr algn="ctr"/>
-                <a:r>
-                  <a:rPr lang="en-US" sz="1013" dirty="0"/>
-                  <a:t>4</a:t>
-                </a:r>
-              </a:p>
-            </p:txBody>
-          </p:sp>
-          <p:sp>
-            <p:nvSpPr>
-              <p:cNvPr id="23" name="Rectangle 22">
-                <a:extLst>
-                  <a:ext uri="{FF2B5EF4-FFF2-40B4-BE49-F238E27FC236}">
-                    <a16:creationId xmlns:a16="http://schemas.microsoft.com/office/drawing/2014/main" id="{FE8CD873-B487-4296-82B5-81B121C79017}"/>
-                  </a:ext>
-                </a:extLst>
-              </p:cNvPr>
-              <p:cNvSpPr/>
-              <p:nvPr/>
-            </p:nvSpPr>
-            <p:spPr>
-              <a:xfrm>
-                <a:off x="4083978" y="3981236"/>
-                <a:ext cx="287676" cy="287676"/>
-              </a:xfrm>
-              <a:prstGeom prst="rect">
-                <a:avLst/>
-              </a:prstGeom>
-            </p:spPr>
-            <p:style>
-              <a:lnRef idx="2">
-                <a:schemeClr val="dk1">
-                  <a:shade val="50000"/>
-                </a:schemeClr>
-              </a:lnRef>
-              <a:fillRef idx="1">
-                <a:schemeClr val="dk1"/>
-              </a:fillRef>
-              <a:effectRef idx="0">
-                <a:schemeClr val="dk1"/>
-              </a:effectRef>
-              <a:fontRef idx="minor">
-                <a:schemeClr val="lt1"/>
-              </a:fontRef>
-            </p:style>
-            <p:txBody>
-              <a:bodyPr rtlCol="0" anchor="ctr"/>
-              <a:lstStyle/>
-              <a:p>
-                <a:pPr algn="ctr"/>
-                <a:r>
-                  <a:rPr lang="en-US" sz="1013" dirty="0"/>
-                  <a:t>3</a:t>
-                </a:r>
-              </a:p>
-            </p:txBody>
-          </p:sp>
-        </p:grpSp>
-        <p:sp>
-          <p:nvSpPr>
-            <p:cNvPr id="39" name="Isosceles Triangle 38">
-              <a:extLst>
-                <a:ext uri="{FF2B5EF4-FFF2-40B4-BE49-F238E27FC236}">
-                  <a16:creationId xmlns:a16="http://schemas.microsoft.com/office/drawing/2014/main" id="{ADD835C1-15FE-4A8C-97A6-BDB6C919A809}"/>
-                </a:ext>
-              </a:extLst>
-            </p:cNvPr>
-            <p:cNvSpPr/>
-            <p:nvPr/>
-          </p:nvSpPr>
-          <p:spPr>
-            <a:xfrm>
-              <a:off x="5492224" y="4013834"/>
-              <a:ext cx="292608" cy="287677"/>
-            </a:xfrm>
-            <a:prstGeom prst="triangle">
               <a:avLst/>
             </a:prstGeom>
           </p:spPr>
@@ -6796,12 +6621,12 @@
             </a:fontRef>
           </p:style>
           <p:txBody>
-            <a:bodyPr tIns="0" rtlCol="0" anchor="ctr"/>
+            <a:bodyPr rtlCol="0" anchor="ctr"/>
             <a:lstStyle/>
             <a:p>
               <a:pPr algn="ctr"/>
               <a:r>
-                <a:rPr lang="en-US" sz="1013" dirty="0"/>
+                <a:rPr lang="en-US" sz="1801" dirty="0"/>
                 <a:t>1</a:t>
               </a:r>
             </a:p>
@@ -6809,10 +6634,10 @@
         </p:sp>
         <p:sp>
           <p:nvSpPr>
-            <p:cNvPr id="40" name="Isosceles Triangle 39">
+            <p:cNvPr id="21" name="Rectangle 20">
               <a:extLst>
                 <a:ext uri="{FF2B5EF4-FFF2-40B4-BE49-F238E27FC236}">
-                  <a16:creationId xmlns:a16="http://schemas.microsoft.com/office/drawing/2014/main" id="{C1D71A48-7FCD-4B30-81E1-7C04FF6D7E2E}"/>
+                  <a16:creationId xmlns:a16="http://schemas.microsoft.com/office/drawing/2014/main" id="{6CB96A72-7A63-4A9A-8F59-FD644E15F7D2}"/>
                 </a:ext>
               </a:extLst>
             </p:cNvPr>
@@ -6821,10 +6646,10 @@
           </p:nvSpPr>
           <p:spPr>
             <a:xfrm>
-              <a:off x="6303780" y="4013834"/>
-              <a:ext cx="292608" cy="287677"/>
+              <a:off x="4893068" y="4715839"/>
+              <a:ext cx="287676" cy="287676"/>
             </a:xfrm>
-            <a:prstGeom prst="triangle">
+            <a:prstGeom prst="rect">
               <a:avLst/>
             </a:prstGeom>
           </p:spPr>
@@ -6845,12 +6670,12 @@
             </a:fontRef>
           </p:style>
           <p:txBody>
-            <a:bodyPr tIns="0" rtlCol="0" anchor="ctr"/>
+            <a:bodyPr rtlCol="0" anchor="ctr"/>
             <a:lstStyle/>
             <a:p>
               <a:pPr algn="ctr"/>
               <a:r>
-                <a:rPr lang="en-US" sz="1013" dirty="0"/>
+                <a:rPr lang="en-US" sz="1801" dirty="0"/>
                 <a:t>2</a:t>
               </a:r>
             </a:p>
@@ -6858,10 +6683,10 @@
         </p:sp>
         <p:sp>
           <p:nvSpPr>
-            <p:cNvPr id="41" name="Isosceles Triangle 40">
+            <p:cNvPr id="22" name="Rectangle 21">
               <a:extLst>
                 <a:ext uri="{FF2B5EF4-FFF2-40B4-BE49-F238E27FC236}">
-                  <a16:creationId xmlns:a16="http://schemas.microsoft.com/office/drawing/2014/main" id="{27ACFC04-1603-4086-9FD5-202A64E09762}"/>
+                  <a16:creationId xmlns:a16="http://schemas.microsoft.com/office/drawing/2014/main" id="{87F8323E-C44C-403F-98E1-DC0E4560A804}"/>
                 </a:ext>
               </a:extLst>
             </p:cNvPr>
@@ -6870,10 +6695,10 @@
           </p:nvSpPr>
           <p:spPr>
             <a:xfrm>
-              <a:off x="4945125" y="3443876"/>
-              <a:ext cx="292608" cy="287677"/>
+              <a:off x="4893068" y="3981236"/>
+              <a:ext cx="287676" cy="287676"/>
             </a:xfrm>
-            <a:prstGeom prst="triangle">
+            <a:prstGeom prst="rect">
               <a:avLst/>
             </a:prstGeom>
           </p:spPr>
@@ -6894,23 +6719,23 @@
             </a:fontRef>
           </p:style>
           <p:txBody>
-            <a:bodyPr tIns="0" rtlCol="0" anchor="ctr"/>
+            <a:bodyPr rtlCol="0" anchor="ctr"/>
             <a:lstStyle/>
             <a:p>
               <a:pPr algn="ctr"/>
               <a:r>
-                <a:rPr lang="en-US" sz="1013" dirty="0"/>
-                <a:t>1</a:t>
+                <a:rPr lang="en-US" sz="1801" dirty="0"/>
+                <a:t>4</a:t>
               </a:r>
             </a:p>
           </p:txBody>
         </p:sp>
         <p:sp>
           <p:nvSpPr>
-            <p:cNvPr id="42" name="Isosceles Triangle 41">
+            <p:cNvPr id="23" name="Rectangle 22">
               <a:extLst>
                 <a:ext uri="{FF2B5EF4-FFF2-40B4-BE49-F238E27FC236}">
-                  <a16:creationId xmlns:a16="http://schemas.microsoft.com/office/drawing/2014/main" id="{60750704-090D-44C5-9865-2EA246683B19}"/>
+                  <a16:creationId xmlns:a16="http://schemas.microsoft.com/office/drawing/2014/main" id="{FE8CD873-B487-4296-82B5-81B121C79017}"/>
                 </a:ext>
               </a:extLst>
             </p:cNvPr>
@@ -6919,10 +6744,10 @@
           </p:nvSpPr>
           <p:spPr>
             <a:xfrm>
-              <a:off x="4945125" y="2714410"/>
-              <a:ext cx="292608" cy="287677"/>
+              <a:off x="4083978" y="3981236"/>
+              <a:ext cx="287676" cy="287676"/>
             </a:xfrm>
-            <a:prstGeom prst="triangle">
+            <a:prstGeom prst="rect">
               <a:avLst/>
             </a:prstGeom>
           </p:spPr>
@@ -6943,214 +6768,410 @@
             </a:fontRef>
           </p:style>
           <p:txBody>
-            <a:bodyPr tIns="0" rtlCol="0" anchor="ctr"/>
+            <a:bodyPr rtlCol="0" anchor="ctr"/>
             <a:lstStyle/>
             <a:p>
               <a:pPr algn="ctr"/>
               <a:r>
-                <a:rPr lang="en-US" sz="1013" dirty="0"/>
-                <a:t>2</a:t>
-              </a:r>
-            </a:p>
-          </p:txBody>
-        </p:sp>
-        <p:sp>
-          <p:nvSpPr>
-            <p:cNvPr id="56" name="Isosceles Triangle 55">
-              <a:extLst>
-                <a:ext uri="{FF2B5EF4-FFF2-40B4-BE49-F238E27FC236}">
-                  <a16:creationId xmlns:a16="http://schemas.microsoft.com/office/drawing/2014/main" id="{D057BC14-2A67-49CD-8424-E3A1D3F770BF}"/>
-                </a:ext>
-              </a:extLst>
-            </p:cNvPr>
-            <p:cNvSpPr/>
-            <p:nvPr/>
-          </p:nvSpPr>
-          <p:spPr>
-            <a:xfrm>
-              <a:off x="6818874" y="3443876"/>
-              <a:ext cx="292608" cy="287677"/>
-            </a:xfrm>
-            <a:prstGeom prst="triangle">
-              <a:avLst/>
-            </a:prstGeom>
-          </p:spPr>
-          <p:style>
-            <a:lnRef idx="2">
-              <a:schemeClr val="dk1">
-                <a:shade val="50000"/>
-              </a:schemeClr>
-            </a:lnRef>
-            <a:fillRef idx="1">
-              <a:schemeClr val="dk1"/>
-            </a:fillRef>
-            <a:effectRef idx="0">
-              <a:schemeClr val="dk1"/>
-            </a:effectRef>
-            <a:fontRef idx="minor">
-              <a:schemeClr val="lt1"/>
-            </a:fontRef>
-          </p:style>
-          <p:txBody>
-            <a:bodyPr tIns="0" rtlCol="0" anchor="ctr"/>
-            <a:lstStyle/>
-            <a:p>
-              <a:pPr algn="ctr"/>
-              <a:r>
-                <a:rPr lang="en-US" sz="1013" dirty="0"/>
-                <a:t>1</a:t>
-              </a:r>
-            </a:p>
-          </p:txBody>
-        </p:sp>
-        <p:sp>
-          <p:nvSpPr>
-            <p:cNvPr id="57" name="Isosceles Triangle 56">
-              <a:extLst>
-                <a:ext uri="{FF2B5EF4-FFF2-40B4-BE49-F238E27FC236}">
-                  <a16:creationId xmlns:a16="http://schemas.microsoft.com/office/drawing/2014/main" id="{05BDF995-5062-48CF-AAD7-B8BD024BF540}"/>
-                </a:ext>
-              </a:extLst>
-            </p:cNvPr>
-            <p:cNvSpPr/>
-            <p:nvPr/>
-          </p:nvSpPr>
-          <p:spPr>
-            <a:xfrm>
-              <a:off x="6818874" y="2714410"/>
-              <a:ext cx="292608" cy="287677"/>
-            </a:xfrm>
-            <a:prstGeom prst="triangle">
-              <a:avLst/>
-            </a:prstGeom>
-          </p:spPr>
-          <p:style>
-            <a:lnRef idx="2">
-              <a:schemeClr val="dk1">
-                <a:shade val="50000"/>
-              </a:schemeClr>
-            </a:lnRef>
-            <a:fillRef idx="1">
-              <a:schemeClr val="dk1"/>
-            </a:fillRef>
-            <a:effectRef idx="0">
-              <a:schemeClr val="dk1"/>
-            </a:effectRef>
-            <a:fontRef idx="minor">
-              <a:schemeClr val="lt1"/>
-            </a:fontRef>
-          </p:style>
-          <p:txBody>
-            <a:bodyPr tIns="0" rtlCol="0" anchor="ctr"/>
-            <a:lstStyle/>
-            <a:p>
-              <a:pPr algn="ctr"/>
-              <a:r>
-                <a:rPr lang="en-US" sz="1013" dirty="0"/>
-                <a:t>2</a:t>
-              </a:r>
-            </a:p>
-          </p:txBody>
-        </p:sp>
-        <p:sp>
-          <p:nvSpPr>
-            <p:cNvPr id="58" name="Isosceles Triangle 57">
-              <a:extLst>
-                <a:ext uri="{FF2B5EF4-FFF2-40B4-BE49-F238E27FC236}">
-                  <a16:creationId xmlns:a16="http://schemas.microsoft.com/office/drawing/2014/main" id="{6AB83361-9471-4141-8FA3-5DC438A4A0C8}"/>
-                </a:ext>
-              </a:extLst>
-            </p:cNvPr>
-            <p:cNvSpPr/>
-            <p:nvPr/>
-          </p:nvSpPr>
-          <p:spPr>
-            <a:xfrm>
-              <a:off x="5492224" y="2092823"/>
-              <a:ext cx="292608" cy="287677"/>
-            </a:xfrm>
-            <a:prstGeom prst="triangle">
-              <a:avLst/>
-            </a:prstGeom>
-          </p:spPr>
-          <p:style>
-            <a:lnRef idx="2">
-              <a:schemeClr val="dk1">
-                <a:shade val="50000"/>
-              </a:schemeClr>
-            </a:lnRef>
-            <a:fillRef idx="1">
-              <a:schemeClr val="dk1"/>
-            </a:fillRef>
-            <a:effectRef idx="0">
-              <a:schemeClr val="dk1"/>
-            </a:effectRef>
-            <a:fontRef idx="minor">
-              <a:schemeClr val="lt1"/>
-            </a:fontRef>
-          </p:style>
-          <p:txBody>
-            <a:bodyPr tIns="0" rtlCol="0" anchor="ctr"/>
-            <a:lstStyle/>
-            <a:p>
-              <a:pPr algn="ctr"/>
-              <a:r>
-                <a:rPr lang="en-US" sz="1013" dirty="0"/>
-                <a:t>1</a:t>
-              </a:r>
-            </a:p>
-          </p:txBody>
-        </p:sp>
-        <p:sp>
-          <p:nvSpPr>
-            <p:cNvPr id="59" name="Isosceles Triangle 58">
-              <a:extLst>
-                <a:ext uri="{FF2B5EF4-FFF2-40B4-BE49-F238E27FC236}">
-                  <a16:creationId xmlns:a16="http://schemas.microsoft.com/office/drawing/2014/main" id="{ACE87C00-4035-4457-8664-B27740BBBA80}"/>
-                </a:ext>
-              </a:extLst>
-            </p:cNvPr>
-            <p:cNvSpPr/>
-            <p:nvPr/>
-          </p:nvSpPr>
-          <p:spPr>
-            <a:xfrm>
-              <a:off x="6303780" y="2092823"/>
-              <a:ext cx="292608" cy="287677"/>
-            </a:xfrm>
-            <a:prstGeom prst="triangle">
-              <a:avLst/>
-            </a:prstGeom>
-          </p:spPr>
-          <p:style>
-            <a:lnRef idx="2">
-              <a:schemeClr val="dk1">
-                <a:shade val="50000"/>
-              </a:schemeClr>
-            </a:lnRef>
-            <a:fillRef idx="1">
-              <a:schemeClr val="dk1"/>
-            </a:fillRef>
-            <a:effectRef idx="0">
-              <a:schemeClr val="dk1"/>
-            </a:effectRef>
-            <a:fontRef idx="minor">
-              <a:schemeClr val="lt1"/>
-            </a:fontRef>
-          </p:style>
-          <p:txBody>
-            <a:bodyPr tIns="0" rtlCol="0" anchor="ctr"/>
-            <a:lstStyle/>
-            <a:p>
-              <a:pPr algn="ctr"/>
-              <a:r>
-                <a:rPr lang="en-US" sz="1013" dirty="0"/>
-                <a:t>2</a:t>
+                <a:rPr lang="en-US" sz="1801" dirty="0"/>
+                <a:t>3</a:t>
               </a:r>
             </a:p>
           </p:txBody>
         </p:sp>
       </p:grpSp>
+      <p:sp>
+        <p:nvSpPr>
+          <p:cNvPr id="39" name="Isosceles Triangle 38">
+            <a:extLst>
+              <a:ext uri="{FF2B5EF4-FFF2-40B4-BE49-F238E27FC236}">
+                <a16:creationId xmlns:a16="http://schemas.microsoft.com/office/drawing/2014/main" id="{ADD835C1-15FE-4A8C-97A6-BDB6C919A809}"/>
+              </a:ext>
+            </a:extLst>
+          </p:cNvPr>
+          <p:cNvSpPr/>
+          <p:nvPr/>
+        </p:nvSpPr>
+        <p:spPr>
+          <a:xfrm>
+            <a:off x="4722850" y="6328907"/>
+            <a:ext cx="712556" cy="700549"/>
+          </a:xfrm>
+          <a:prstGeom prst="triangle">
+            <a:avLst/>
+          </a:prstGeom>
+        </p:spPr>
+        <p:style>
+          <a:lnRef idx="2">
+            <a:schemeClr val="dk1">
+              <a:shade val="50000"/>
+            </a:schemeClr>
+          </a:lnRef>
+          <a:fillRef idx="1">
+            <a:schemeClr val="dk1"/>
+          </a:fillRef>
+          <a:effectRef idx="0">
+            <a:schemeClr val="dk1"/>
+          </a:effectRef>
+          <a:fontRef idx="minor">
+            <a:schemeClr val="lt1"/>
+          </a:fontRef>
+        </p:style>
+        <p:txBody>
+          <a:bodyPr tIns="0" rtlCol="0" anchor="ctr"/>
+          <a:lstStyle/>
+          <a:p>
+            <a:pPr algn="ctr"/>
+            <a:r>
+              <a:rPr lang="en-US" sz="1801" dirty="0"/>
+              <a:t>1</a:t>
+            </a:r>
+          </a:p>
+        </p:txBody>
+      </p:sp>
+      <p:sp>
+        <p:nvSpPr>
+          <p:cNvPr id="40" name="Isosceles Triangle 39">
+            <a:extLst>
+              <a:ext uri="{FF2B5EF4-FFF2-40B4-BE49-F238E27FC236}">
+                <a16:creationId xmlns:a16="http://schemas.microsoft.com/office/drawing/2014/main" id="{C1D71A48-7FCD-4B30-81E1-7C04FF6D7E2E}"/>
+              </a:ext>
+            </a:extLst>
+          </p:cNvPr>
+          <p:cNvSpPr/>
+          <p:nvPr/>
+        </p:nvSpPr>
+        <p:spPr>
+          <a:xfrm>
+            <a:off x="6699144" y="6328907"/>
+            <a:ext cx="712556" cy="700549"/>
+          </a:xfrm>
+          <a:prstGeom prst="triangle">
+            <a:avLst/>
+          </a:prstGeom>
+        </p:spPr>
+        <p:style>
+          <a:lnRef idx="2">
+            <a:schemeClr val="dk1">
+              <a:shade val="50000"/>
+            </a:schemeClr>
+          </a:lnRef>
+          <a:fillRef idx="1">
+            <a:schemeClr val="dk1"/>
+          </a:fillRef>
+          <a:effectRef idx="0">
+            <a:schemeClr val="dk1"/>
+          </a:effectRef>
+          <a:fontRef idx="minor">
+            <a:schemeClr val="lt1"/>
+          </a:fontRef>
+        </p:style>
+        <p:txBody>
+          <a:bodyPr tIns="0" rtlCol="0" anchor="ctr"/>
+          <a:lstStyle/>
+          <a:p>
+            <a:pPr algn="ctr"/>
+            <a:r>
+              <a:rPr lang="en-US" sz="1801" dirty="0"/>
+              <a:t>2</a:t>
+            </a:r>
+          </a:p>
+        </p:txBody>
+      </p:sp>
+      <p:sp>
+        <p:nvSpPr>
+          <p:cNvPr id="41" name="Isosceles Triangle 40">
+            <a:extLst>
+              <a:ext uri="{FF2B5EF4-FFF2-40B4-BE49-F238E27FC236}">
+                <a16:creationId xmlns:a16="http://schemas.microsoft.com/office/drawing/2014/main" id="{27ACFC04-1603-4086-9FD5-202A64E09762}"/>
+              </a:ext>
+            </a:extLst>
+          </p:cNvPr>
+          <p:cNvSpPr/>
+          <p:nvPr/>
+        </p:nvSpPr>
+        <p:spPr>
+          <a:xfrm>
+            <a:off x="3390560" y="4940951"/>
+            <a:ext cx="712556" cy="700549"/>
+          </a:xfrm>
+          <a:prstGeom prst="triangle">
+            <a:avLst/>
+          </a:prstGeom>
+        </p:spPr>
+        <p:style>
+          <a:lnRef idx="2">
+            <a:schemeClr val="dk1">
+              <a:shade val="50000"/>
+            </a:schemeClr>
+          </a:lnRef>
+          <a:fillRef idx="1">
+            <a:schemeClr val="dk1"/>
+          </a:fillRef>
+          <a:effectRef idx="0">
+            <a:schemeClr val="dk1"/>
+          </a:effectRef>
+          <a:fontRef idx="minor">
+            <a:schemeClr val="lt1"/>
+          </a:fontRef>
+        </p:style>
+        <p:txBody>
+          <a:bodyPr tIns="0" rtlCol="0" anchor="ctr"/>
+          <a:lstStyle/>
+          <a:p>
+            <a:pPr algn="ctr"/>
+            <a:r>
+              <a:rPr lang="en-US" sz="1801" dirty="0"/>
+              <a:t>1</a:t>
+            </a:r>
+          </a:p>
+        </p:txBody>
+      </p:sp>
+      <p:sp>
+        <p:nvSpPr>
+          <p:cNvPr id="42" name="Isosceles Triangle 41">
+            <a:extLst>
+              <a:ext uri="{FF2B5EF4-FFF2-40B4-BE49-F238E27FC236}">
+                <a16:creationId xmlns:a16="http://schemas.microsoft.com/office/drawing/2014/main" id="{60750704-090D-44C5-9865-2EA246683B19}"/>
+              </a:ext>
+            </a:extLst>
+          </p:cNvPr>
+          <p:cNvSpPr/>
+          <p:nvPr/>
+        </p:nvSpPr>
+        <p:spPr>
+          <a:xfrm>
+            <a:off x="3390560" y="3164561"/>
+            <a:ext cx="712556" cy="700549"/>
+          </a:xfrm>
+          <a:prstGeom prst="triangle">
+            <a:avLst/>
+          </a:prstGeom>
+        </p:spPr>
+        <p:style>
+          <a:lnRef idx="2">
+            <a:schemeClr val="dk1">
+              <a:shade val="50000"/>
+            </a:schemeClr>
+          </a:lnRef>
+          <a:fillRef idx="1">
+            <a:schemeClr val="dk1"/>
+          </a:fillRef>
+          <a:effectRef idx="0">
+            <a:schemeClr val="dk1"/>
+          </a:effectRef>
+          <a:fontRef idx="minor">
+            <a:schemeClr val="lt1"/>
+          </a:fontRef>
+        </p:style>
+        <p:txBody>
+          <a:bodyPr tIns="0" rtlCol="0" anchor="ctr"/>
+          <a:lstStyle/>
+          <a:p>
+            <a:pPr algn="ctr"/>
+            <a:r>
+              <a:rPr lang="en-US" sz="1801" dirty="0"/>
+              <a:t>2</a:t>
+            </a:r>
+          </a:p>
+        </p:txBody>
+      </p:sp>
+      <p:sp>
+        <p:nvSpPr>
+          <p:cNvPr id="56" name="Isosceles Triangle 55">
+            <a:extLst>
+              <a:ext uri="{FF2B5EF4-FFF2-40B4-BE49-F238E27FC236}">
+                <a16:creationId xmlns:a16="http://schemas.microsoft.com/office/drawing/2014/main" id="{D057BC14-2A67-49CD-8424-E3A1D3F770BF}"/>
+              </a:ext>
+            </a:extLst>
+          </p:cNvPr>
+          <p:cNvSpPr/>
+          <p:nvPr/>
+        </p:nvSpPr>
+        <p:spPr>
+          <a:xfrm>
+            <a:off x="7953496" y="4940951"/>
+            <a:ext cx="712556" cy="700549"/>
+          </a:xfrm>
+          <a:prstGeom prst="triangle">
+            <a:avLst/>
+          </a:prstGeom>
+        </p:spPr>
+        <p:style>
+          <a:lnRef idx="2">
+            <a:schemeClr val="dk1">
+              <a:shade val="50000"/>
+            </a:schemeClr>
+          </a:lnRef>
+          <a:fillRef idx="1">
+            <a:schemeClr val="dk1"/>
+          </a:fillRef>
+          <a:effectRef idx="0">
+            <a:schemeClr val="dk1"/>
+          </a:effectRef>
+          <a:fontRef idx="minor">
+            <a:schemeClr val="lt1"/>
+          </a:fontRef>
+        </p:style>
+        <p:txBody>
+          <a:bodyPr tIns="0" rtlCol="0" anchor="ctr"/>
+          <a:lstStyle/>
+          <a:p>
+            <a:pPr algn="ctr"/>
+            <a:r>
+              <a:rPr lang="en-US" sz="1801" dirty="0"/>
+              <a:t>1</a:t>
+            </a:r>
+          </a:p>
+        </p:txBody>
+      </p:sp>
+      <p:sp>
+        <p:nvSpPr>
+          <p:cNvPr id="57" name="Isosceles Triangle 56">
+            <a:extLst>
+              <a:ext uri="{FF2B5EF4-FFF2-40B4-BE49-F238E27FC236}">
+                <a16:creationId xmlns:a16="http://schemas.microsoft.com/office/drawing/2014/main" id="{05BDF995-5062-48CF-AAD7-B8BD024BF540}"/>
+              </a:ext>
+            </a:extLst>
+          </p:cNvPr>
+          <p:cNvSpPr/>
+          <p:nvPr/>
+        </p:nvSpPr>
+        <p:spPr>
+          <a:xfrm>
+            <a:off x="7953496" y="3164561"/>
+            <a:ext cx="712556" cy="700549"/>
+          </a:xfrm>
+          <a:prstGeom prst="triangle">
+            <a:avLst/>
+          </a:prstGeom>
+        </p:spPr>
+        <p:style>
+          <a:lnRef idx="2">
+            <a:schemeClr val="dk1">
+              <a:shade val="50000"/>
+            </a:schemeClr>
+          </a:lnRef>
+          <a:fillRef idx="1">
+            <a:schemeClr val="dk1"/>
+          </a:fillRef>
+          <a:effectRef idx="0">
+            <a:schemeClr val="dk1"/>
+          </a:effectRef>
+          <a:fontRef idx="minor">
+            <a:schemeClr val="lt1"/>
+          </a:fontRef>
+        </p:style>
+        <p:txBody>
+          <a:bodyPr tIns="0" rtlCol="0" anchor="ctr"/>
+          <a:lstStyle/>
+          <a:p>
+            <a:pPr algn="ctr"/>
+            <a:r>
+              <a:rPr lang="en-US" sz="1801" dirty="0"/>
+              <a:t>2</a:t>
+            </a:r>
+          </a:p>
+        </p:txBody>
+      </p:sp>
+      <p:sp>
+        <p:nvSpPr>
+          <p:cNvPr id="58" name="Isosceles Triangle 57">
+            <a:extLst>
+              <a:ext uri="{FF2B5EF4-FFF2-40B4-BE49-F238E27FC236}">
+                <a16:creationId xmlns:a16="http://schemas.microsoft.com/office/drawing/2014/main" id="{6AB83361-9471-4141-8FA3-5DC438A4A0C8}"/>
+              </a:ext>
+            </a:extLst>
+          </p:cNvPr>
+          <p:cNvSpPr/>
+          <p:nvPr/>
+        </p:nvSpPr>
+        <p:spPr>
+          <a:xfrm>
+            <a:off x="4722850" y="1650878"/>
+            <a:ext cx="712556" cy="700549"/>
+          </a:xfrm>
+          <a:prstGeom prst="triangle">
+            <a:avLst/>
+          </a:prstGeom>
+        </p:spPr>
+        <p:style>
+          <a:lnRef idx="2">
+            <a:schemeClr val="dk1">
+              <a:shade val="50000"/>
+            </a:schemeClr>
+          </a:lnRef>
+          <a:fillRef idx="1">
+            <a:schemeClr val="dk1"/>
+          </a:fillRef>
+          <a:effectRef idx="0">
+            <a:schemeClr val="dk1"/>
+          </a:effectRef>
+          <a:fontRef idx="minor">
+            <a:schemeClr val="lt1"/>
+          </a:fontRef>
+        </p:style>
+        <p:txBody>
+          <a:bodyPr tIns="0" rtlCol="0" anchor="ctr"/>
+          <a:lstStyle/>
+          <a:p>
+            <a:pPr algn="ctr"/>
+            <a:r>
+              <a:rPr lang="en-US" sz="1801" dirty="0"/>
+              <a:t>1</a:t>
+            </a:r>
+          </a:p>
+        </p:txBody>
+      </p:sp>
+      <p:sp>
+        <p:nvSpPr>
+          <p:cNvPr id="59" name="Isosceles Triangle 58">
+            <a:extLst>
+              <a:ext uri="{FF2B5EF4-FFF2-40B4-BE49-F238E27FC236}">
+                <a16:creationId xmlns:a16="http://schemas.microsoft.com/office/drawing/2014/main" id="{ACE87C00-4035-4457-8664-B27740BBBA80}"/>
+              </a:ext>
+            </a:extLst>
+          </p:cNvPr>
+          <p:cNvSpPr/>
+          <p:nvPr/>
+        </p:nvSpPr>
+        <p:spPr>
+          <a:xfrm>
+            <a:off x="6699144" y="1650878"/>
+            <a:ext cx="712556" cy="700549"/>
+          </a:xfrm>
+          <a:prstGeom prst="triangle">
+            <a:avLst/>
+          </a:prstGeom>
+        </p:spPr>
+        <p:style>
+          <a:lnRef idx="2">
+            <a:schemeClr val="dk1">
+              <a:shade val="50000"/>
+            </a:schemeClr>
+          </a:lnRef>
+          <a:fillRef idx="1">
+            <a:schemeClr val="dk1"/>
+          </a:fillRef>
+          <a:effectRef idx="0">
+            <a:schemeClr val="dk1"/>
+          </a:effectRef>
+          <a:fontRef idx="minor">
+            <a:schemeClr val="lt1"/>
+          </a:fontRef>
+        </p:style>
+        <p:txBody>
+          <a:bodyPr tIns="0" rtlCol="0" anchor="ctr"/>
+          <a:lstStyle/>
+          <a:p>
+            <a:pPr algn="ctr"/>
+            <a:r>
+              <a:rPr lang="en-US" sz="1801" dirty="0"/>
+              <a:t>2</a:t>
+            </a:r>
+          </a:p>
+        </p:txBody>
+      </p:sp>
     </p:spTree>
     <p:extLst>
       <p:ext uri="{BB962C8B-B14F-4D97-AF65-F5344CB8AC3E}">
@@ -7183,6 +7204,4961 @@
       </p:grpSpPr>
       <p:grpSp>
         <p:nvGrpSpPr>
+          <p:cNvPr id="50" name="Group 49">
+            <a:extLst>
+              <a:ext uri="{FF2B5EF4-FFF2-40B4-BE49-F238E27FC236}">
+                <a16:creationId xmlns:a16="http://schemas.microsoft.com/office/drawing/2014/main" id="{57387D7F-135C-42E5-9309-E630D1C8BFDC}"/>
+              </a:ext>
+            </a:extLst>
+          </p:cNvPr>
+          <p:cNvGrpSpPr/>
+          <p:nvPr/>
+        </p:nvGrpSpPr>
+        <p:grpSpPr>
+          <a:xfrm>
+            <a:off x="2559050" y="577851"/>
+            <a:ext cx="7480300" cy="7988298"/>
+            <a:chOff x="2559050" y="577851"/>
+            <a:chExt cx="7480300" cy="7988298"/>
+          </a:xfrm>
+        </p:grpSpPr>
+        <p:sp>
+          <p:nvSpPr>
+            <p:cNvPr id="4" name="Rectangle 3">
+              <a:extLst>
+                <a:ext uri="{FF2B5EF4-FFF2-40B4-BE49-F238E27FC236}">
+                  <a16:creationId xmlns:a16="http://schemas.microsoft.com/office/drawing/2014/main" id="{5D087758-49A8-437C-B251-29399386155F}"/>
+                </a:ext>
+              </a:extLst>
+            </p:cNvPr>
+            <p:cNvSpPr/>
+            <p:nvPr/>
+          </p:nvSpPr>
+          <p:spPr>
+            <a:xfrm>
+              <a:off x="2559050" y="577851"/>
+              <a:ext cx="1035975" cy="7988298"/>
+            </a:xfrm>
+            <a:prstGeom prst="rect">
+              <a:avLst/>
+            </a:prstGeom>
+            <a:pattFill prst="horzBrick">
+              <a:fgClr>
+                <a:schemeClr val="tx1"/>
+              </a:fgClr>
+              <a:bgClr>
+                <a:schemeClr val="bg1"/>
+              </a:bgClr>
+            </a:pattFill>
+            <a:ln>
+              <a:noFill/>
+            </a:ln>
+          </p:spPr>
+          <p:style>
+            <a:lnRef idx="2">
+              <a:schemeClr val="accent1">
+                <a:shade val="50000"/>
+              </a:schemeClr>
+            </a:lnRef>
+            <a:fillRef idx="1">
+              <a:schemeClr val="accent1"/>
+            </a:fillRef>
+            <a:effectRef idx="0">
+              <a:schemeClr val="accent1"/>
+            </a:effectRef>
+            <a:fontRef idx="minor">
+              <a:schemeClr val="lt1"/>
+            </a:fontRef>
+          </p:style>
+          <p:txBody>
+            <a:bodyPr rtlCol="0" anchor="ctr"/>
+            <a:lstStyle/>
+            <a:p>
+              <a:pPr algn="ctr"/>
+              <a:endParaRPr lang="en-US"/>
+            </a:p>
+          </p:txBody>
+        </p:sp>
+        <p:sp>
+          <p:nvSpPr>
+            <p:cNvPr id="2" name="Rectangle 1">
+              <a:extLst>
+                <a:ext uri="{FF2B5EF4-FFF2-40B4-BE49-F238E27FC236}">
+                  <a16:creationId xmlns:a16="http://schemas.microsoft.com/office/drawing/2014/main" id="{0CFDFB95-8DFC-4F73-8FFD-729D9B3AAC88}"/>
+                </a:ext>
+              </a:extLst>
+            </p:cNvPr>
+            <p:cNvSpPr/>
+            <p:nvPr/>
+          </p:nvSpPr>
+          <p:spPr>
+            <a:xfrm>
+              <a:off x="3595025" y="2071025"/>
+              <a:ext cx="5001949" cy="5001949"/>
+            </a:xfrm>
+            <a:prstGeom prst="rect">
+              <a:avLst/>
+            </a:prstGeom>
+            <a:solidFill>
+              <a:schemeClr val="bg1">
+                <a:lumMod val="65000"/>
+              </a:schemeClr>
+            </a:solidFill>
+            <a:ln w="57150">
+              <a:solidFill>
+                <a:schemeClr val="tx1"/>
+              </a:solidFill>
+              <a:extLst>
+                <a:ext uri="{C807C97D-BFC1-408E-A445-0C87EB9F89A2}">
+                  <ask:lineSketchStyleProps xmlns:ask="http://schemas.microsoft.com/office/drawing/2018/sketchyshapes">
+                    <ask:type>
+                      <ask:lineSketchNone/>
+                    </ask:type>
+                  </ask:lineSketchStyleProps>
+                </a:ext>
+              </a:extLst>
+            </a:ln>
+          </p:spPr>
+          <p:style>
+            <a:lnRef idx="2">
+              <a:schemeClr val="accent1">
+                <a:shade val="50000"/>
+              </a:schemeClr>
+            </a:lnRef>
+            <a:fillRef idx="1">
+              <a:schemeClr val="accent1"/>
+            </a:fillRef>
+            <a:effectRef idx="0">
+              <a:schemeClr val="accent1"/>
+            </a:effectRef>
+            <a:fontRef idx="minor">
+              <a:schemeClr val="lt1"/>
+            </a:fontRef>
+          </p:style>
+          <p:txBody>
+            <a:bodyPr rtlCol="0" anchor="ctr"/>
+            <a:lstStyle/>
+            <a:p>
+              <a:pPr algn="ctr"/>
+              <a:endParaRPr lang="en-US" dirty="0"/>
+            </a:p>
+          </p:txBody>
+        </p:sp>
+        <p:sp>
+          <p:nvSpPr>
+            <p:cNvPr id="6" name="Rectangle 5">
+              <a:extLst>
+                <a:ext uri="{FF2B5EF4-FFF2-40B4-BE49-F238E27FC236}">
+                  <a16:creationId xmlns:a16="http://schemas.microsoft.com/office/drawing/2014/main" id="{E1B10EBD-F2D1-42C8-BC41-C8181C5ECCBE}"/>
+                </a:ext>
+              </a:extLst>
+            </p:cNvPr>
+            <p:cNvSpPr/>
+            <p:nvPr/>
+          </p:nvSpPr>
+          <p:spPr>
+            <a:xfrm>
+              <a:off x="3595024" y="2071025"/>
+              <a:ext cx="6444326" cy="5001949"/>
+            </a:xfrm>
+            <a:prstGeom prst="rect">
+              <a:avLst/>
+            </a:prstGeom>
+            <a:noFill/>
+            <a:ln w="57150">
+              <a:solidFill>
+                <a:schemeClr val="tx1"/>
+              </a:solidFill>
+              <a:prstDash val="sysDot"/>
+              <a:extLst>
+                <a:ext uri="{C807C97D-BFC1-408E-A445-0C87EB9F89A2}">
+                  <ask:lineSketchStyleProps xmlns:ask="http://schemas.microsoft.com/office/drawing/2018/sketchyshapes">
+                    <ask:type>
+                      <ask:lineSketchNone/>
+                    </ask:type>
+                  </ask:lineSketchStyleProps>
+                </a:ext>
+              </a:extLst>
+            </a:ln>
+          </p:spPr>
+          <p:style>
+            <a:lnRef idx="2">
+              <a:schemeClr val="accent1">
+                <a:shade val="50000"/>
+              </a:schemeClr>
+            </a:lnRef>
+            <a:fillRef idx="1">
+              <a:schemeClr val="accent1"/>
+            </a:fillRef>
+            <a:effectRef idx="0">
+              <a:schemeClr val="accent1"/>
+            </a:effectRef>
+            <a:fontRef idx="minor">
+              <a:schemeClr val="lt1"/>
+            </a:fontRef>
+          </p:style>
+          <p:txBody>
+            <a:bodyPr rtlCol="0" anchor="ctr"/>
+            <a:lstStyle/>
+            <a:p>
+              <a:pPr algn="ctr"/>
+              <a:endParaRPr lang="en-US"/>
+            </a:p>
+          </p:txBody>
+        </p:sp>
+        <p:sp>
+          <p:nvSpPr>
+            <p:cNvPr id="9" name="Left Bracket 8">
+              <a:extLst>
+                <a:ext uri="{FF2B5EF4-FFF2-40B4-BE49-F238E27FC236}">
+                  <a16:creationId xmlns:a16="http://schemas.microsoft.com/office/drawing/2014/main" id="{C5B781B5-0827-4529-82F8-345EFEB88581}"/>
+                </a:ext>
+              </a:extLst>
+            </p:cNvPr>
+            <p:cNvSpPr/>
+            <p:nvPr/>
+          </p:nvSpPr>
+          <p:spPr>
+            <a:xfrm rot="5400000">
+              <a:off x="9070512" y="962487"/>
+              <a:ext cx="495300" cy="1442376"/>
+            </a:xfrm>
+            <a:prstGeom prst="leftBracket">
+              <a:avLst>
+                <a:gd name="adj" fmla="val 55769"/>
+              </a:avLst>
+            </a:prstGeom>
+            <a:ln w="57150">
+              <a:solidFill>
+                <a:schemeClr val="tx1"/>
+              </a:solidFill>
+            </a:ln>
+          </p:spPr>
+          <p:style>
+            <a:lnRef idx="1">
+              <a:schemeClr val="accent1"/>
+            </a:lnRef>
+            <a:fillRef idx="0">
+              <a:schemeClr val="accent1"/>
+            </a:fillRef>
+            <a:effectRef idx="0">
+              <a:schemeClr val="accent1"/>
+            </a:effectRef>
+            <a:fontRef idx="minor">
+              <a:schemeClr val="tx1"/>
+            </a:fontRef>
+          </p:style>
+          <p:txBody>
+            <a:bodyPr vert="vert270" rtlCol="0" anchor="ctr"/>
+            <a:lstStyle/>
+            <a:p>
+              <a:pPr algn="ctr"/>
+              <a:r>
+                <a:rPr lang="en-US" sz="2800" b="1" dirty="0"/>
+                <a:t>0.1</a:t>
+              </a:r>
+            </a:p>
+          </p:txBody>
+        </p:sp>
+        <p:cxnSp>
+          <p:nvCxnSpPr>
+            <p:cNvPr id="12" name="Straight Arrow Connector 11">
+              <a:extLst>
+                <a:ext uri="{FF2B5EF4-FFF2-40B4-BE49-F238E27FC236}">
+                  <a16:creationId xmlns:a16="http://schemas.microsoft.com/office/drawing/2014/main" id="{46B424C7-B67E-4F2C-AB79-E83004C1166B}"/>
+                </a:ext>
+              </a:extLst>
+            </p:cNvPr>
+            <p:cNvCxnSpPr>
+              <a:cxnSpLocks/>
+            </p:cNvCxnSpPr>
+            <p:nvPr/>
+          </p:nvCxnSpPr>
+          <p:spPr>
+            <a:xfrm>
+              <a:off x="3595025" y="3346450"/>
+              <a:ext cx="5001949" cy="0"/>
+            </a:xfrm>
+            <a:prstGeom prst="straightConnector1">
+              <a:avLst/>
+            </a:prstGeom>
+            <a:ln w="57150">
+              <a:solidFill>
+                <a:schemeClr val="tx1"/>
+              </a:solidFill>
+              <a:headEnd type="triangle"/>
+              <a:tailEnd type="triangle"/>
+            </a:ln>
+          </p:spPr>
+          <p:style>
+            <a:lnRef idx="1">
+              <a:schemeClr val="accent1"/>
+            </a:lnRef>
+            <a:fillRef idx="0">
+              <a:schemeClr val="accent1"/>
+            </a:fillRef>
+            <a:effectRef idx="0">
+              <a:schemeClr val="accent1"/>
+            </a:effectRef>
+            <a:fontRef idx="minor">
+              <a:schemeClr val="tx1"/>
+            </a:fontRef>
+          </p:style>
+        </p:cxnSp>
+        <p:cxnSp>
+          <p:nvCxnSpPr>
+            <p:cNvPr id="13" name="Straight Arrow Connector 12">
+              <a:extLst>
+                <a:ext uri="{FF2B5EF4-FFF2-40B4-BE49-F238E27FC236}">
+                  <a16:creationId xmlns:a16="http://schemas.microsoft.com/office/drawing/2014/main" id="{2AC3CD5D-5F66-4382-8EAB-0ED63ECFC3A6}"/>
+                </a:ext>
+              </a:extLst>
+            </p:cNvPr>
+            <p:cNvCxnSpPr>
+              <a:cxnSpLocks/>
+            </p:cNvCxnSpPr>
+            <p:nvPr/>
+          </p:nvCxnSpPr>
+          <p:spPr>
+            <a:xfrm flipV="1">
+              <a:off x="7327900" y="2071025"/>
+              <a:ext cx="0" cy="5001949"/>
+            </a:xfrm>
+            <a:prstGeom prst="straightConnector1">
+              <a:avLst/>
+            </a:prstGeom>
+            <a:ln w="57150">
+              <a:solidFill>
+                <a:schemeClr val="tx1"/>
+              </a:solidFill>
+              <a:headEnd type="triangle"/>
+              <a:tailEnd type="triangle"/>
+            </a:ln>
+          </p:spPr>
+          <p:style>
+            <a:lnRef idx="1">
+              <a:schemeClr val="accent1"/>
+            </a:lnRef>
+            <a:fillRef idx="0">
+              <a:schemeClr val="accent1"/>
+            </a:fillRef>
+            <a:effectRef idx="0">
+              <a:schemeClr val="accent1"/>
+            </a:effectRef>
+            <a:fontRef idx="minor">
+              <a:schemeClr val="tx1"/>
+            </a:fontRef>
+          </p:style>
+        </p:cxnSp>
+        <p:sp>
+          <p:nvSpPr>
+            <p:cNvPr id="19" name="TextBox 18">
+              <a:extLst>
+                <a:ext uri="{FF2B5EF4-FFF2-40B4-BE49-F238E27FC236}">
+                  <a16:creationId xmlns:a16="http://schemas.microsoft.com/office/drawing/2014/main" id="{65DCA1E3-4FCF-4437-BC70-0F14BC35572C}"/>
+                </a:ext>
+              </a:extLst>
+            </p:cNvPr>
+            <p:cNvSpPr txBox="1"/>
+            <p:nvPr/>
+          </p:nvSpPr>
+          <p:spPr>
+            <a:xfrm>
+              <a:off x="7277100" y="4858324"/>
+              <a:ext cx="679442" cy="584775"/>
+            </a:xfrm>
+            <a:prstGeom prst="rect">
+              <a:avLst/>
+            </a:prstGeom>
+            <a:noFill/>
+          </p:spPr>
+          <p:txBody>
+            <a:bodyPr wrap="square" rtlCol="0" anchor="ctr">
+              <a:spAutoFit/>
+            </a:bodyPr>
+            <a:lstStyle/>
+            <a:p>
+              <a:pPr algn="ctr"/>
+              <a:r>
+                <a:rPr lang="en-US" sz="3200" b="1" dirty="0"/>
+                <a:t>1</a:t>
+              </a:r>
+            </a:p>
+          </p:txBody>
+        </p:sp>
+        <p:sp>
+          <p:nvSpPr>
+            <p:cNvPr id="20" name="TextBox 19">
+              <a:extLst>
+                <a:ext uri="{FF2B5EF4-FFF2-40B4-BE49-F238E27FC236}">
+                  <a16:creationId xmlns:a16="http://schemas.microsoft.com/office/drawing/2014/main" id="{E0EACDFB-E0FF-4AE6-ADE5-024CBE63DF65}"/>
+                </a:ext>
+              </a:extLst>
+            </p:cNvPr>
+            <p:cNvSpPr txBox="1"/>
+            <p:nvPr/>
+          </p:nvSpPr>
+          <p:spPr>
+            <a:xfrm>
+              <a:off x="5545803" y="2761675"/>
+              <a:ext cx="679442" cy="584775"/>
+            </a:xfrm>
+            <a:prstGeom prst="rect">
+              <a:avLst/>
+            </a:prstGeom>
+            <a:noFill/>
+          </p:spPr>
+          <p:txBody>
+            <a:bodyPr wrap="square" rtlCol="0" anchor="ctr">
+              <a:spAutoFit/>
+            </a:bodyPr>
+            <a:lstStyle/>
+            <a:p>
+              <a:pPr algn="ctr"/>
+              <a:r>
+                <a:rPr lang="en-US" sz="3200" b="1" dirty="0"/>
+                <a:t>1</a:t>
+              </a:r>
+            </a:p>
+          </p:txBody>
+        </p:sp>
+        <mc:AlternateContent xmlns:mc="http://schemas.openxmlformats.org/markup-compatibility/2006" xmlns:a14="http://schemas.microsoft.com/office/drawing/2010/main">
+          <mc:Choice Requires="a14">
+            <p:sp>
+              <p:nvSpPr>
+                <p:cNvPr id="22" name="TextBox 21">
+                  <a:extLst>
+                    <a:ext uri="{FF2B5EF4-FFF2-40B4-BE49-F238E27FC236}">
+                      <a16:creationId xmlns:a16="http://schemas.microsoft.com/office/drawing/2014/main" id="{FA5217EA-2028-4C38-8912-FDD69A37176D}"/>
+                    </a:ext>
+                  </a:extLst>
+                </p:cNvPr>
+                <p:cNvSpPr txBox="1"/>
+                <p:nvPr/>
+              </p:nvSpPr>
+              <p:spPr>
+                <a:xfrm>
+                  <a:off x="3439912" y="6549754"/>
+                  <a:ext cx="1301750" cy="523220"/>
+                </a:xfrm>
+                <a:prstGeom prst="rect">
+                  <a:avLst/>
+                </a:prstGeom>
+                <a:noFill/>
+              </p:spPr>
+              <p:txBody>
+                <a:bodyPr wrap="square" rtlCol="0">
+                  <a:spAutoFit/>
+                </a:bodyPr>
+                <a:lstStyle/>
+                <a:p>
+                  <a:pPr/>
+                  <a14:m>
+                    <m:oMathPara xmlns:m="http://schemas.openxmlformats.org/officeDocument/2006/math">
+                      <m:oMathParaPr>
+                        <m:jc m:val="centerGroup"/>
+                      </m:oMathParaPr>
+                      <m:oMath xmlns:m="http://schemas.openxmlformats.org/officeDocument/2006/math">
+                        <m:d>
+                          <m:dPr>
+                            <m:ctrlPr>
+                              <a:rPr lang="en-US" sz="2800" b="1" i="1" smtClean="0">
+                                <a:latin typeface="Cambria Math" panose="02040503050406030204" pitchFamily="18" charset="0"/>
+                              </a:rPr>
+                            </m:ctrlPr>
+                          </m:dPr>
+                          <m:e>
+                            <m:r>
+                              <a:rPr lang="en-US" sz="2800" b="1" i="1">
+                                <a:latin typeface="Cambria Math" panose="02040503050406030204" pitchFamily="18" charset="0"/>
+                              </a:rPr>
+                              <m:t>𝟎</m:t>
+                            </m:r>
+                            <m:r>
+                              <a:rPr lang="en-US" sz="2800" b="1" i="1">
+                                <a:latin typeface="Cambria Math" panose="02040503050406030204" pitchFamily="18" charset="0"/>
+                              </a:rPr>
+                              <m:t>,</m:t>
+                            </m:r>
+                            <m:r>
+                              <a:rPr lang="en-US" sz="2800" b="1" i="1">
+                                <a:latin typeface="Cambria Math" panose="02040503050406030204" pitchFamily="18" charset="0"/>
+                              </a:rPr>
+                              <m:t>𝟎</m:t>
+                            </m:r>
+                          </m:e>
+                        </m:d>
+                      </m:oMath>
+                    </m:oMathPara>
+                  </a14:m>
+                  <a:endParaRPr lang="en-US" sz="2800" b="1" dirty="0"/>
+                </a:p>
+              </p:txBody>
+            </p:sp>
+          </mc:Choice>
+          <mc:Fallback xmlns="">
+            <p:sp>
+              <p:nvSpPr>
+                <p:cNvPr id="22" name="TextBox 21">
+                  <a:extLst>
+                    <a:ext uri="{FF2B5EF4-FFF2-40B4-BE49-F238E27FC236}">
+                      <a16:creationId xmlns:a16="http://schemas.microsoft.com/office/drawing/2014/main" id="{FA5217EA-2028-4C38-8912-FDD69A37176D}"/>
+                    </a:ext>
+                  </a:extLst>
+                </p:cNvPr>
+                <p:cNvSpPr txBox="1">
+                  <a:spLocks noRot="1" noChangeAspect="1" noMove="1" noResize="1" noEditPoints="1" noAdjustHandles="1" noChangeArrowheads="1" noChangeShapeType="1" noTextEdit="1"/>
+                </p:cNvSpPr>
+                <p:nvPr/>
+              </p:nvSpPr>
+              <p:spPr>
+                <a:xfrm>
+                  <a:off x="3439912" y="6549754"/>
+                  <a:ext cx="1301750" cy="523220"/>
+                </a:xfrm>
+                <a:prstGeom prst="rect">
+                  <a:avLst/>
+                </a:prstGeom>
+                <a:blipFill>
+                  <a:blip r:embed="rId2"/>
+                  <a:stretch>
+                    <a:fillRect/>
+                  </a:stretch>
+                </a:blipFill>
+              </p:spPr>
+              <p:txBody>
+                <a:bodyPr/>
+                <a:lstStyle/>
+                <a:p>
+                  <a:r>
+                    <a:rPr lang="en-US">
+                      <a:noFill/>
+                    </a:rPr>
+                    <a:t> </a:t>
+                  </a:r>
+                </a:p>
+              </p:txBody>
+            </p:sp>
+          </mc:Fallback>
+        </mc:AlternateContent>
+        <mc:AlternateContent xmlns:mc="http://schemas.openxmlformats.org/markup-compatibility/2006" xmlns:a14="http://schemas.microsoft.com/office/drawing/2010/main">
+          <mc:Choice Requires="a14">
+            <p:sp>
+              <p:nvSpPr>
+                <p:cNvPr id="24" name="TextBox 23">
+                  <a:extLst>
+                    <a:ext uri="{FF2B5EF4-FFF2-40B4-BE49-F238E27FC236}">
+                      <a16:creationId xmlns:a16="http://schemas.microsoft.com/office/drawing/2014/main" id="{E1C70314-EF0A-46D0-BEF0-ECF94EE005A4}"/>
+                    </a:ext>
+                  </a:extLst>
+                </p:cNvPr>
+                <p:cNvSpPr txBox="1"/>
+                <p:nvPr/>
+              </p:nvSpPr>
+              <p:spPr>
+                <a:xfrm>
+                  <a:off x="5856638" y="7131050"/>
+                  <a:ext cx="513987" cy="492443"/>
+                </a:xfrm>
+                <a:prstGeom prst="rect">
+                  <a:avLst/>
+                </a:prstGeom>
+                <a:noFill/>
+              </p:spPr>
+              <p:txBody>
+                <a:bodyPr wrap="none" lIns="0" tIns="0" rIns="0" bIns="0" rtlCol="0">
+                  <a:spAutoFit/>
+                </a:bodyPr>
+                <a:lstStyle/>
+                <a:p>
+                  <a:pPr/>
+                  <a14:m>
+                    <m:oMathPara xmlns:m="http://schemas.openxmlformats.org/officeDocument/2006/math">
+                      <m:oMathParaPr>
+                        <m:jc m:val="centerGroup"/>
+                      </m:oMathParaPr>
+                      <m:oMath xmlns:m="http://schemas.openxmlformats.org/officeDocument/2006/math">
+                        <m:sSub>
+                          <m:sSubPr>
+                            <m:ctrlPr>
+                              <a:rPr lang="en-US" sz="3200" b="1" i="1" smtClean="0">
+                                <a:latin typeface="Cambria Math" panose="02040503050406030204" pitchFamily="18" charset="0"/>
+                              </a:rPr>
+                            </m:ctrlPr>
+                          </m:sSubPr>
+                          <m:e>
+                            <m:r>
+                              <a:rPr lang="en-US" sz="3200" b="1" i="0" smtClean="0">
+                                <a:latin typeface="Cambria Math" panose="02040503050406030204" pitchFamily="18" charset="0"/>
+                              </a:rPr>
+                              <m:t>𝚪</m:t>
+                            </m:r>
+                          </m:e>
+                          <m:sub>
+                            <m:r>
+                              <a:rPr lang="en-US" sz="3200" b="1" i="1" smtClean="0">
+                                <a:latin typeface="Cambria Math" panose="02040503050406030204" pitchFamily="18" charset="0"/>
+                              </a:rPr>
+                              <m:t>𝑩</m:t>
+                            </m:r>
+                          </m:sub>
+                        </m:sSub>
+                      </m:oMath>
+                    </m:oMathPara>
+                  </a14:m>
+                  <a:endParaRPr lang="en-US" sz="3200" b="1" dirty="0"/>
+                </a:p>
+              </p:txBody>
+            </p:sp>
+          </mc:Choice>
+          <mc:Fallback xmlns="">
+            <p:sp>
+              <p:nvSpPr>
+                <p:cNvPr id="24" name="TextBox 23">
+                  <a:extLst>
+                    <a:ext uri="{FF2B5EF4-FFF2-40B4-BE49-F238E27FC236}">
+                      <a16:creationId xmlns:a16="http://schemas.microsoft.com/office/drawing/2014/main" id="{E1C70314-EF0A-46D0-BEF0-ECF94EE005A4}"/>
+                    </a:ext>
+                  </a:extLst>
+                </p:cNvPr>
+                <p:cNvSpPr txBox="1">
+                  <a:spLocks noRot="1" noChangeAspect="1" noMove="1" noResize="1" noEditPoints="1" noAdjustHandles="1" noChangeArrowheads="1" noChangeShapeType="1" noTextEdit="1"/>
+                </p:cNvSpPr>
+                <p:nvPr/>
+              </p:nvSpPr>
+              <p:spPr>
+                <a:xfrm>
+                  <a:off x="5856638" y="7131050"/>
+                  <a:ext cx="513987" cy="492443"/>
+                </a:xfrm>
+                <a:prstGeom prst="rect">
+                  <a:avLst/>
+                </a:prstGeom>
+                <a:blipFill>
+                  <a:blip r:embed="rId3"/>
+                  <a:stretch>
+                    <a:fillRect/>
+                  </a:stretch>
+                </a:blipFill>
+              </p:spPr>
+              <p:txBody>
+                <a:bodyPr/>
+                <a:lstStyle/>
+                <a:p>
+                  <a:r>
+                    <a:rPr lang="en-US">
+                      <a:noFill/>
+                    </a:rPr>
+                    <a:t> </a:t>
+                  </a:r>
+                </a:p>
+              </p:txBody>
+            </p:sp>
+          </mc:Fallback>
+        </mc:AlternateContent>
+        <mc:AlternateContent xmlns:mc="http://schemas.openxmlformats.org/markup-compatibility/2006" xmlns:a14="http://schemas.microsoft.com/office/drawing/2010/main">
+          <mc:Choice Requires="a14">
+            <p:sp>
+              <p:nvSpPr>
+                <p:cNvPr id="25" name="TextBox 24">
+                  <a:extLst>
+                    <a:ext uri="{FF2B5EF4-FFF2-40B4-BE49-F238E27FC236}">
+                      <a16:creationId xmlns:a16="http://schemas.microsoft.com/office/drawing/2014/main" id="{4D045E7D-D7FF-4D67-8DB0-398EA3A52344}"/>
+                    </a:ext>
+                  </a:extLst>
+                </p:cNvPr>
+                <p:cNvSpPr txBox="1"/>
+                <p:nvPr/>
+              </p:nvSpPr>
+              <p:spPr>
+                <a:xfrm>
+                  <a:off x="8600080" y="4325777"/>
+                  <a:ext cx="505972" cy="492443"/>
+                </a:xfrm>
+                <a:prstGeom prst="rect">
+                  <a:avLst/>
+                </a:prstGeom>
+                <a:noFill/>
+              </p:spPr>
+              <p:txBody>
+                <a:bodyPr wrap="none" lIns="0" tIns="0" rIns="0" bIns="0" rtlCol="0">
+                  <a:spAutoFit/>
+                </a:bodyPr>
+                <a:lstStyle/>
+                <a:p>
+                  <a:pPr/>
+                  <a14:m>
+                    <m:oMathPara xmlns:m="http://schemas.openxmlformats.org/officeDocument/2006/math">
+                      <m:oMathParaPr>
+                        <m:jc m:val="centerGroup"/>
+                      </m:oMathParaPr>
+                      <m:oMath xmlns:m="http://schemas.openxmlformats.org/officeDocument/2006/math">
+                        <m:sSub>
+                          <m:sSubPr>
+                            <m:ctrlPr>
+                              <a:rPr lang="en-US" sz="3200" b="1" i="1" smtClean="0">
+                                <a:latin typeface="Cambria Math" panose="02040503050406030204" pitchFamily="18" charset="0"/>
+                              </a:rPr>
+                            </m:ctrlPr>
+                          </m:sSubPr>
+                          <m:e>
+                            <m:r>
+                              <a:rPr lang="en-US" sz="3200" b="1" i="0" smtClean="0">
+                                <a:latin typeface="Cambria Math" panose="02040503050406030204" pitchFamily="18" charset="0"/>
+                              </a:rPr>
+                              <m:t>𝚪</m:t>
+                            </m:r>
+                          </m:e>
+                          <m:sub>
+                            <m:r>
+                              <a:rPr lang="en-US" sz="3200" b="1" i="1" smtClean="0">
+                                <a:latin typeface="Cambria Math" panose="02040503050406030204" pitchFamily="18" charset="0"/>
+                              </a:rPr>
+                              <m:t>𝑹</m:t>
+                            </m:r>
+                          </m:sub>
+                        </m:sSub>
+                      </m:oMath>
+                    </m:oMathPara>
+                  </a14:m>
+                  <a:endParaRPr lang="en-US" sz="3200" b="1" dirty="0"/>
+                </a:p>
+              </p:txBody>
+            </p:sp>
+          </mc:Choice>
+          <mc:Fallback xmlns="">
+            <p:sp>
+              <p:nvSpPr>
+                <p:cNvPr id="25" name="TextBox 24">
+                  <a:extLst>
+                    <a:ext uri="{FF2B5EF4-FFF2-40B4-BE49-F238E27FC236}">
+                      <a16:creationId xmlns:a16="http://schemas.microsoft.com/office/drawing/2014/main" id="{4D045E7D-D7FF-4D67-8DB0-398EA3A52344}"/>
+                    </a:ext>
+                  </a:extLst>
+                </p:cNvPr>
+                <p:cNvSpPr txBox="1">
+                  <a:spLocks noRot="1" noChangeAspect="1" noMove="1" noResize="1" noEditPoints="1" noAdjustHandles="1" noChangeArrowheads="1" noChangeShapeType="1" noTextEdit="1"/>
+                </p:cNvSpPr>
+                <p:nvPr/>
+              </p:nvSpPr>
+              <p:spPr>
+                <a:xfrm>
+                  <a:off x="8600080" y="4325777"/>
+                  <a:ext cx="505972" cy="492443"/>
+                </a:xfrm>
+                <a:prstGeom prst="rect">
+                  <a:avLst/>
+                </a:prstGeom>
+                <a:blipFill>
+                  <a:blip r:embed="rId4"/>
+                  <a:stretch>
+                    <a:fillRect/>
+                  </a:stretch>
+                </a:blipFill>
+              </p:spPr>
+              <p:txBody>
+                <a:bodyPr/>
+                <a:lstStyle/>
+                <a:p>
+                  <a:r>
+                    <a:rPr lang="en-US">
+                      <a:noFill/>
+                    </a:rPr>
+                    <a:t> </a:t>
+                  </a:r>
+                </a:p>
+              </p:txBody>
+            </p:sp>
+          </mc:Fallback>
+        </mc:AlternateContent>
+        <mc:AlternateContent xmlns:mc="http://schemas.openxmlformats.org/markup-compatibility/2006" xmlns:a14="http://schemas.microsoft.com/office/drawing/2010/main">
+          <mc:Choice Requires="a14">
+            <p:sp>
+              <p:nvSpPr>
+                <p:cNvPr id="26" name="TextBox 25">
+                  <a:extLst>
+                    <a:ext uri="{FF2B5EF4-FFF2-40B4-BE49-F238E27FC236}">
+                      <a16:creationId xmlns:a16="http://schemas.microsoft.com/office/drawing/2014/main" id="{39644A57-4EAA-4BCF-B25F-BDC7DEF21A73}"/>
+                    </a:ext>
+                  </a:extLst>
+                </p:cNvPr>
+                <p:cNvSpPr txBox="1"/>
+                <p:nvPr/>
+              </p:nvSpPr>
+              <p:spPr>
+                <a:xfrm>
+                  <a:off x="5856637" y="1549544"/>
+                  <a:ext cx="485133" cy="492443"/>
+                </a:xfrm>
+                <a:prstGeom prst="rect">
+                  <a:avLst/>
+                </a:prstGeom>
+                <a:noFill/>
+              </p:spPr>
+              <p:txBody>
+                <a:bodyPr wrap="none" lIns="0" tIns="0" rIns="0" bIns="0" rtlCol="0">
+                  <a:spAutoFit/>
+                </a:bodyPr>
+                <a:lstStyle/>
+                <a:p>
+                  <a:pPr/>
+                  <a14:m>
+                    <m:oMathPara xmlns:m="http://schemas.openxmlformats.org/officeDocument/2006/math">
+                      <m:oMathParaPr>
+                        <m:jc m:val="centerGroup"/>
+                      </m:oMathParaPr>
+                      <m:oMath xmlns:m="http://schemas.openxmlformats.org/officeDocument/2006/math">
+                        <m:sSub>
+                          <m:sSubPr>
+                            <m:ctrlPr>
+                              <a:rPr lang="en-US" sz="3200" b="1" i="1" smtClean="0">
+                                <a:latin typeface="Cambria Math" panose="02040503050406030204" pitchFamily="18" charset="0"/>
+                              </a:rPr>
+                            </m:ctrlPr>
+                          </m:sSubPr>
+                          <m:e>
+                            <m:r>
+                              <a:rPr lang="en-US" sz="3200" b="1" i="0" smtClean="0">
+                                <a:latin typeface="Cambria Math" panose="02040503050406030204" pitchFamily="18" charset="0"/>
+                              </a:rPr>
+                              <m:t>𝚪</m:t>
+                            </m:r>
+                          </m:e>
+                          <m:sub>
+                            <m:r>
+                              <a:rPr lang="en-US" sz="3200" b="1" i="1" smtClean="0">
+                                <a:latin typeface="Cambria Math" panose="02040503050406030204" pitchFamily="18" charset="0"/>
+                              </a:rPr>
+                              <m:t>𝑻</m:t>
+                            </m:r>
+                          </m:sub>
+                        </m:sSub>
+                      </m:oMath>
+                    </m:oMathPara>
+                  </a14:m>
+                  <a:endParaRPr lang="en-US" sz="3200" b="1" dirty="0"/>
+                </a:p>
+              </p:txBody>
+            </p:sp>
+          </mc:Choice>
+          <mc:Fallback xmlns="">
+            <p:sp>
+              <p:nvSpPr>
+                <p:cNvPr id="26" name="TextBox 25">
+                  <a:extLst>
+                    <a:ext uri="{FF2B5EF4-FFF2-40B4-BE49-F238E27FC236}">
+                      <a16:creationId xmlns:a16="http://schemas.microsoft.com/office/drawing/2014/main" id="{39644A57-4EAA-4BCF-B25F-BDC7DEF21A73}"/>
+                    </a:ext>
+                  </a:extLst>
+                </p:cNvPr>
+                <p:cNvSpPr txBox="1">
+                  <a:spLocks noRot="1" noChangeAspect="1" noMove="1" noResize="1" noEditPoints="1" noAdjustHandles="1" noChangeArrowheads="1" noChangeShapeType="1" noTextEdit="1"/>
+                </p:cNvSpPr>
+                <p:nvPr/>
+              </p:nvSpPr>
+              <p:spPr>
+                <a:xfrm>
+                  <a:off x="5856637" y="1549544"/>
+                  <a:ext cx="485133" cy="492443"/>
+                </a:xfrm>
+                <a:prstGeom prst="rect">
+                  <a:avLst/>
+                </a:prstGeom>
+                <a:blipFill>
+                  <a:blip r:embed="rId5"/>
+                  <a:stretch>
+                    <a:fillRect/>
+                  </a:stretch>
+                </a:blipFill>
+              </p:spPr>
+              <p:txBody>
+                <a:bodyPr/>
+                <a:lstStyle/>
+                <a:p>
+                  <a:r>
+                    <a:rPr lang="en-US">
+                      <a:noFill/>
+                    </a:rPr>
+                    <a:t> </a:t>
+                  </a:r>
+                </a:p>
+              </p:txBody>
+            </p:sp>
+          </mc:Fallback>
+        </mc:AlternateContent>
+        <mc:AlternateContent xmlns:mc="http://schemas.openxmlformats.org/markup-compatibility/2006" xmlns:a14="http://schemas.microsoft.com/office/drawing/2010/main">
+          <mc:Choice Requires="a14">
+            <p:sp>
+              <p:nvSpPr>
+                <p:cNvPr id="49" name="TextBox 48">
+                  <a:extLst>
+                    <a:ext uri="{FF2B5EF4-FFF2-40B4-BE49-F238E27FC236}">
+                      <a16:creationId xmlns:a16="http://schemas.microsoft.com/office/drawing/2014/main" id="{7591EC50-6229-4C00-AEA0-2BADCD353B68}"/>
+                    </a:ext>
+                  </a:extLst>
+                </p:cNvPr>
+                <p:cNvSpPr txBox="1"/>
+                <p:nvPr/>
+              </p:nvSpPr>
+              <p:spPr>
+                <a:xfrm>
+                  <a:off x="3645825" y="4325776"/>
+                  <a:ext cx="467500" cy="492443"/>
+                </a:xfrm>
+                <a:prstGeom prst="rect">
+                  <a:avLst/>
+                </a:prstGeom>
+                <a:noFill/>
+              </p:spPr>
+              <p:txBody>
+                <a:bodyPr wrap="none" lIns="0" tIns="0" rIns="0" bIns="0" rtlCol="0">
+                  <a:spAutoFit/>
+                </a:bodyPr>
+                <a:lstStyle/>
+                <a:p>
+                  <a:pPr/>
+                  <a14:m>
+                    <m:oMathPara xmlns:m="http://schemas.openxmlformats.org/officeDocument/2006/math">
+                      <m:oMathParaPr>
+                        <m:jc m:val="centerGroup"/>
+                      </m:oMathParaPr>
+                      <m:oMath xmlns:m="http://schemas.openxmlformats.org/officeDocument/2006/math">
+                        <m:sSub>
+                          <m:sSubPr>
+                            <m:ctrlPr>
+                              <a:rPr lang="en-US" sz="3200" b="1" i="1" smtClean="0">
+                                <a:latin typeface="Cambria Math" panose="02040503050406030204" pitchFamily="18" charset="0"/>
+                              </a:rPr>
+                            </m:ctrlPr>
+                          </m:sSubPr>
+                          <m:e>
+                            <m:r>
+                              <a:rPr lang="en-US" sz="3200" b="1" i="0" smtClean="0">
+                                <a:latin typeface="Cambria Math" panose="02040503050406030204" pitchFamily="18" charset="0"/>
+                              </a:rPr>
+                              <m:t>𝚪</m:t>
+                            </m:r>
+                          </m:e>
+                          <m:sub>
+                            <m:r>
+                              <a:rPr lang="en-US" sz="3200" b="1" i="1" smtClean="0">
+                                <a:latin typeface="Cambria Math" panose="02040503050406030204" pitchFamily="18" charset="0"/>
+                              </a:rPr>
+                              <m:t>𝑳</m:t>
+                            </m:r>
+                          </m:sub>
+                        </m:sSub>
+                      </m:oMath>
+                    </m:oMathPara>
+                  </a14:m>
+                  <a:endParaRPr lang="en-US" sz="3200" b="1" dirty="0"/>
+                </a:p>
+              </p:txBody>
+            </p:sp>
+          </mc:Choice>
+          <mc:Fallback xmlns="">
+            <p:sp>
+              <p:nvSpPr>
+                <p:cNvPr id="49" name="TextBox 48">
+                  <a:extLst>
+                    <a:ext uri="{FF2B5EF4-FFF2-40B4-BE49-F238E27FC236}">
+                      <a16:creationId xmlns:a16="http://schemas.microsoft.com/office/drawing/2014/main" id="{7591EC50-6229-4C00-AEA0-2BADCD353B68}"/>
+                    </a:ext>
+                  </a:extLst>
+                </p:cNvPr>
+                <p:cNvSpPr txBox="1">
+                  <a:spLocks noRot="1" noChangeAspect="1" noMove="1" noResize="1" noEditPoints="1" noAdjustHandles="1" noChangeArrowheads="1" noChangeShapeType="1" noTextEdit="1"/>
+                </p:cNvSpPr>
+                <p:nvPr/>
+              </p:nvSpPr>
+              <p:spPr>
+                <a:xfrm>
+                  <a:off x="3645825" y="4325776"/>
+                  <a:ext cx="467500" cy="492443"/>
+                </a:xfrm>
+                <a:prstGeom prst="rect">
+                  <a:avLst/>
+                </a:prstGeom>
+                <a:blipFill>
+                  <a:blip r:embed="rId6"/>
+                  <a:stretch>
+                    <a:fillRect/>
+                  </a:stretch>
+                </a:blipFill>
+              </p:spPr>
+              <p:txBody>
+                <a:bodyPr/>
+                <a:lstStyle/>
+                <a:p>
+                  <a:r>
+                    <a:rPr lang="en-US">
+                      <a:noFill/>
+                    </a:rPr>
+                    <a:t> </a:t>
+                  </a:r>
+                </a:p>
+              </p:txBody>
+            </p:sp>
+          </mc:Fallback>
+        </mc:AlternateContent>
+      </p:grpSp>
+    </p:spTree>
+    <p:extLst>
+      <p:ext uri="{BB962C8B-B14F-4D97-AF65-F5344CB8AC3E}">
+        <p14:creationId xmlns:p14="http://schemas.microsoft.com/office/powerpoint/2010/main" val="2896469318"/>
+      </p:ext>
+    </p:extLst>
+  </p:cSld>
+  <p:clrMapOvr>
+    <a:masterClrMapping/>
+  </p:clrMapOvr>
+</p:sld>
+</file>
+
+<file path=ppt/slides/slide4.xml><?xml version="1.0" encoding="utf-8"?>
+<p:sld xmlns:a="http://schemas.openxmlformats.org/drawingml/2006/main" xmlns:r="http://schemas.openxmlformats.org/officeDocument/2006/relationships" xmlns:p="http://schemas.openxmlformats.org/presentationml/2006/main">
+  <p:cSld>
+    <p:spTree>
+      <p:nvGrpSpPr>
+        <p:cNvPr id="1" name=""/>
+        <p:cNvGrpSpPr/>
+        <p:nvPr/>
+      </p:nvGrpSpPr>
+      <p:grpSpPr>
+        <a:xfrm>
+          <a:off x="0" y="0"/>
+          <a:ext cx="0" cy="0"/>
+          <a:chOff x="0" y="0"/>
+          <a:chExt cx="0" cy="0"/>
+        </a:xfrm>
+      </p:grpSpPr>
+      <p:grpSp>
+        <p:nvGrpSpPr>
+          <p:cNvPr id="19" name="Group 18">
+            <a:extLst>
+              <a:ext uri="{FF2B5EF4-FFF2-40B4-BE49-F238E27FC236}">
+                <a16:creationId xmlns:a16="http://schemas.microsoft.com/office/drawing/2014/main" id="{EF4B07F6-3C5E-4575-89FC-583FC40FCE2F}"/>
+              </a:ext>
+            </a:extLst>
+          </p:cNvPr>
+          <p:cNvGrpSpPr/>
+          <p:nvPr/>
+        </p:nvGrpSpPr>
+        <p:grpSpPr>
+          <a:xfrm>
+            <a:off x="2559050" y="577851"/>
+            <a:ext cx="6547002" cy="7988298"/>
+            <a:chOff x="2559050" y="577851"/>
+            <a:chExt cx="6547002" cy="7988298"/>
+          </a:xfrm>
+        </p:grpSpPr>
+        <p:sp>
+          <p:nvSpPr>
+            <p:cNvPr id="3" name="Rectangle 2">
+              <a:extLst>
+                <a:ext uri="{FF2B5EF4-FFF2-40B4-BE49-F238E27FC236}">
+                  <a16:creationId xmlns:a16="http://schemas.microsoft.com/office/drawing/2014/main" id="{3A66D757-26A1-475A-8F29-1EF6F561C279}"/>
+                </a:ext>
+              </a:extLst>
+            </p:cNvPr>
+            <p:cNvSpPr/>
+            <p:nvPr/>
+          </p:nvSpPr>
+          <p:spPr>
+            <a:xfrm>
+              <a:off x="2559050" y="577851"/>
+              <a:ext cx="1035975" cy="7988298"/>
+            </a:xfrm>
+            <a:prstGeom prst="rect">
+              <a:avLst/>
+            </a:prstGeom>
+            <a:pattFill prst="horzBrick">
+              <a:fgClr>
+                <a:schemeClr val="tx1"/>
+              </a:fgClr>
+              <a:bgClr>
+                <a:schemeClr val="bg1"/>
+              </a:bgClr>
+            </a:pattFill>
+            <a:ln>
+              <a:noFill/>
+            </a:ln>
+          </p:spPr>
+          <p:style>
+            <a:lnRef idx="2">
+              <a:schemeClr val="accent1">
+                <a:shade val="50000"/>
+              </a:schemeClr>
+            </a:lnRef>
+            <a:fillRef idx="1">
+              <a:schemeClr val="accent1"/>
+            </a:fillRef>
+            <a:effectRef idx="0">
+              <a:schemeClr val="accent1"/>
+            </a:effectRef>
+            <a:fontRef idx="minor">
+              <a:schemeClr val="lt1"/>
+            </a:fontRef>
+          </p:style>
+          <p:txBody>
+            <a:bodyPr rtlCol="0" anchor="ctr"/>
+            <a:lstStyle/>
+            <a:p>
+              <a:pPr algn="ctr"/>
+              <a:endParaRPr lang="en-US"/>
+            </a:p>
+          </p:txBody>
+        </p:sp>
+        <p:sp>
+          <p:nvSpPr>
+            <p:cNvPr id="4" name="Rectangle 3">
+              <a:extLst>
+                <a:ext uri="{FF2B5EF4-FFF2-40B4-BE49-F238E27FC236}">
+                  <a16:creationId xmlns:a16="http://schemas.microsoft.com/office/drawing/2014/main" id="{120BEC31-BC4D-4506-A205-B7E09CFA217F}"/>
+                </a:ext>
+              </a:extLst>
+            </p:cNvPr>
+            <p:cNvSpPr/>
+            <p:nvPr/>
+          </p:nvSpPr>
+          <p:spPr>
+            <a:xfrm>
+              <a:off x="3595025" y="2071025"/>
+              <a:ext cx="5001949" cy="5001949"/>
+            </a:xfrm>
+            <a:prstGeom prst="rect">
+              <a:avLst/>
+            </a:prstGeom>
+            <a:solidFill>
+              <a:schemeClr val="bg1">
+                <a:lumMod val="65000"/>
+              </a:schemeClr>
+            </a:solidFill>
+            <a:ln w="57150">
+              <a:solidFill>
+                <a:schemeClr val="tx1"/>
+              </a:solidFill>
+              <a:extLst>
+                <a:ext uri="{C807C97D-BFC1-408E-A445-0C87EB9F89A2}">
+                  <ask:lineSketchStyleProps xmlns:ask="http://schemas.microsoft.com/office/drawing/2018/sketchyshapes">
+                    <ask:type>
+                      <ask:lineSketchNone/>
+                    </ask:type>
+                  </ask:lineSketchStyleProps>
+                </a:ext>
+              </a:extLst>
+            </a:ln>
+          </p:spPr>
+          <p:style>
+            <a:lnRef idx="2">
+              <a:schemeClr val="accent1">
+                <a:shade val="50000"/>
+              </a:schemeClr>
+            </a:lnRef>
+            <a:fillRef idx="1">
+              <a:schemeClr val="accent1"/>
+            </a:fillRef>
+            <a:effectRef idx="0">
+              <a:schemeClr val="accent1"/>
+            </a:effectRef>
+            <a:fontRef idx="minor">
+              <a:schemeClr val="lt1"/>
+            </a:fontRef>
+          </p:style>
+          <p:txBody>
+            <a:bodyPr rtlCol="0" anchor="ctr"/>
+            <a:lstStyle/>
+            <a:p>
+              <a:pPr algn="ctr"/>
+              <a:endParaRPr lang="en-US" dirty="0"/>
+            </a:p>
+          </p:txBody>
+        </p:sp>
+        <p:cxnSp>
+          <p:nvCxnSpPr>
+            <p:cNvPr id="7" name="Straight Arrow Connector 6">
+              <a:extLst>
+                <a:ext uri="{FF2B5EF4-FFF2-40B4-BE49-F238E27FC236}">
+                  <a16:creationId xmlns:a16="http://schemas.microsoft.com/office/drawing/2014/main" id="{A7FFE9BB-385C-4E74-B3ED-081925149B7F}"/>
+                </a:ext>
+              </a:extLst>
+            </p:cNvPr>
+            <p:cNvCxnSpPr>
+              <a:cxnSpLocks/>
+            </p:cNvCxnSpPr>
+            <p:nvPr/>
+          </p:nvCxnSpPr>
+          <p:spPr>
+            <a:xfrm>
+              <a:off x="3595025" y="3346450"/>
+              <a:ext cx="5001949" cy="0"/>
+            </a:xfrm>
+            <a:prstGeom prst="straightConnector1">
+              <a:avLst/>
+            </a:prstGeom>
+            <a:ln w="57150">
+              <a:solidFill>
+                <a:schemeClr val="tx1"/>
+              </a:solidFill>
+              <a:headEnd type="triangle"/>
+              <a:tailEnd type="triangle"/>
+            </a:ln>
+          </p:spPr>
+          <p:style>
+            <a:lnRef idx="1">
+              <a:schemeClr val="accent1"/>
+            </a:lnRef>
+            <a:fillRef idx="0">
+              <a:schemeClr val="accent1"/>
+            </a:fillRef>
+            <a:effectRef idx="0">
+              <a:schemeClr val="accent1"/>
+            </a:effectRef>
+            <a:fontRef idx="minor">
+              <a:schemeClr val="tx1"/>
+            </a:fontRef>
+          </p:style>
+        </p:cxnSp>
+        <p:cxnSp>
+          <p:nvCxnSpPr>
+            <p:cNvPr id="8" name="Straight Arrow Connector 7">
+              <a:extLst>
+                <a:ext uri="{FF2B5EF4-FFF2-40B4-BE49-F238E27FC236}">
+                  <a16:creationId xmlns:a16="http://schemas.microsoft.com/office/drawing/2014/main" id="{CE54A457-817E-4E6C-B3E9-2C18AA47BC9D}"/>
+                </a:ext>
+              </a:extLst>
+            </p:cNvPr>
+            <p:cNvCxnSpPr>
+              <a:cxnSpLocks/>
+            </p:cNvCxnSpPr>
+            <p:nvPr/>
+          </p:nvCxnSpPr>
+          <p:spPr>
+            <a:xfrm flipV="1">
+              <a:off x="7327900" y="2071025"/>
+              <a:ext cx="0" cy="5001949"/>
+            </a:xfrm>
+            <a:prstGeom prst="straightConnector1">
+              <a:avLst/>
+            </a:prstGeom>
+            <a:ln w="57150">
+              <a:solidFill>
+                <a:schemeClr val="tx1"/>
+              </a:solidFill>
+              <a:headEnd type="triangle"/>
+              <a:tailEnd type="triangle"/>
+            </a:ln>
+          </p:spPr>
+          <p:style>
+            <a:lnRef idx="1">
+              <a:schemeClr val="accent1"/>
+            </a:lnRef>
+            <a:fillRef idx="0">
+              <a:schemeClr val="accent1"/>
+            </a:fillRef>
+            <a:effectRef idx="0">
+              <a:schemeClr val="accent1"/>
+            </a:effectRef>
+            <a:fontRef idx="minor">
+              <a:schemeClr val="tx1"/>
+            </a:fontRef>
+          </p:style>
+        </p:cxnSp>
+        <p:sp>
+          <p:nvSpPr>
+            <p:cNvPr id="9" name="TextBox 8">
+              <a:extLst>
+                <a:ext uri="{FF2B5EF4-FFF2-40B4-BE49-F238E27FC236}">
+                  <a16:creationId xmlns:a16="http://schemas.microsoft.com/office/drawing/2014/main" id="{9C6C8491-8E6A-4A14-8A08-45077FD47B41}"/>
+                </a:ext>
+              </a:extLst>
+            </p:cNvPr>
+            <p:cNvSpPr txBox="1"/>
+            <p:nvPr/>
+          </p:nvSpPr>
+          <p:spPr>
+            <a:xfrm>
+              <a:off x="7277100" y="4858324"/>
+              <a:ext cx="679442" cy="584775"/>
+            </a:xfrm>
+            <a:prstGeom prst="rect">
+              <a:avLst/>
+            </a:prstGeom>
+            <a:noFill/>
+          </p:spPr>
+          <p:txBody>
+            <a:bodyPr wrap="square" rtlCol="0" anchor="ctr">
+              <a:spAutoFit/>
+            </a:bodyPr>
+            <a:lstStyle/>
+            <a:p>
+              <a:pPr algn="ctr"/>
+              <a:r>
+                <a:rPr lang="en-US" sz="3200" b="1" dirty="0"/>
+                <a:t>1</a:t>
+              </a:r>
+            </a:p>
+          </p:txBody>
+        </p:sp>
+        <p:sp>
+          <p:nvSpPr>
+            <p:cNvPr id="10" name="TextBox 9">
+              <a:extLst>
+                <a:ext uri="{FF2B5EF4-FFF2-40B4-BE49-F238E27FC236}">
+                  <a16:creationId xmlns:a16="http://schemas.microsoft.com/office/drawing/2014/main" id="{355CFBE3-A6A7-4CE8-B7D7-2B80A56504D9}"/>
+                </a:ext>
+              </a:extLst>
+            </p:cNvPr>
+            <p:cNvSpPr txBox="1"/>
+            <p:nvPr/>
+          </p:nvSpPr>
+          <p:spPr>
+            <a:xfrm>
+              <a:off x="5545803" y="2761675"/>
+              <a:ext cx="679442" cy="584775"/>
+            </a:xfrm>
+            <a:prstGeom prst="rect">
+              <a:avLst/>
+            </a:prstGeom>
+            <a:noFill/>
+          </p:spPr>
+          <p:txBody>
+            <a:bodyPr wrap="square" rtlCol="0" anchor="ctr">
+              <a:spAutoFit/>
+            </a:bodyPr>
+            <a:lstStyle/>
+            <a:p>
+              <a:pPr algn="ctr"/>
+              <a:r>
+                <a:rPr lang="en-US" sz="3200" b="1" dirty="0"/>
+                <a:t>1</a:t>
+              </a:r>
+            </a:p>
+          </p:txBody>
+        </p:sp>
+        <mc:AlternateContent xmlns:mc="http://schemas.openxmlformats.org/markup-compatibility/2006" xmlns:a14="http://schemas.microsoft.com/office/drawing/2010/main">
+          <mc:Choice Requires="a14">
+            <p:sp>
+              <p:nvSpPr>
+                <p:cNvPr id="11" name="TextBox 10">
+                  <a:extLst>
+                    <a:ext uri="{FF2B5EF4-FFF2-40B4-BE49-F238E27FC236}">
+                      <a16:creationId xmlns:a16="http://schemas.microsoft.com/office/drawing/2014/main" id="{B43BE290-694D-4F74-9FFE-2CBB427ADB3F}"/>
+                    </a:ext>
+                  </a:extLst>
+                </p:cNvPr>
+                <p:cNvSpPr txBox="1"/>
+                <p:nvPr/>
+              </p:nvSpPr>
+              <p:spPr>
+                <a:xfrm>
+                  <a:off x="3439912" y="6549754"/>
+                  <a:ext cx="1301750" cy="523220"/>
+                </a:xfrm>
+                <a:prstGeom prst="rect">
+                  <a:avLst/>
+                </a:prstGeom>
+                <a:noFill/>
+              </p:spPr>
+              <p:txBody>
+                <a:bodyPr wrap="square" rtlCol="0">
+                  <a:spAutoFit/>
+                </a:bodyPr>
+                <a:lstStyle/>
+                <a:p>
+                  <a:pPr/>
+                  <a14:m>
+                    <m:oMathPara xmlns:m="http://schemas.openxmlformats.org/officeDocument/2006/math">
+                      <m:oMathParaPr>
+                        <m:jc m:val="centerGroup"/>
+                      </m:oMathParaPr>
+                      <m:oMath xmlns:m="http://schemas.openxmlformats.org/officeDocument/2006/math">
+                        <m:d>
+                          <m:dPr>
+                            <m:ctrlPr>
+                              <a:rPr lang="en-US" sz="2800" b="1" i="1" smtClean="0">
+                                <a:latin typeface="Cambria Math" panose="02040503050406030204" pitchFamily="18" charset="0"/>
+                              </a:rPr>
+                            </m:ctrlPr>
+                          </m:dPr>
+                          <m:e>
+                            <m:r>
+                              <a:rPr lang="en-US" sz="2800" b="1" i="1">
+                                <a:latin typeface="Cambria Math" panose="02040503050406030204" pitchFamily="18" charset="0"/>
+                              </a:rPr>
+                              <m:t>𝟎</m:t>
+                            </m:r>
+                            <m:r>
+                              <a:rPr lang="en-US" sz="2800" b="1" i="1">
+                                <a:latin typeface="Cambria Math" panose="02040503050406030204" pitchFamily="18" charset="0"/>
+                              </a:rPr>
+                              <m:t>,</m:t>
+                            </m:r>
+                            <m:r>
+                              <a:rPr lang="en-US" sz="2800" b="1" i="1">
+                                <a:latin typeface="Cambria Math" panose="02040503050406030204" pitchFamily="18" charset="0"/>
+                              </a:rPr>
+                              <m:t>𝟎</m:t>
+                            </m:r>
+                          </m:e>
+                        </m:d>
+                      </m:oMath>
+                    </m:oMathPara>
+                  </a14:m>
+                  <a:endParaRPr lang="en-US" sz="2800" b="1" dirty="0"/>
+                </a:p>
+              </p:txBody>
+            </p:sp>
+          </mc:Choice>
+          <mc:Fallback xmlns="">
+            <p:sp>
+              <p:nvSpPr>
+                <p:cNvPr id="11" name="TextBox 10">
+                  <a:extLst>
+                    <a:ext uri="{FF2B5EF4-FFF2-40B4-BE49-F238E27FC236}">
+                      <a16:creationId xmlns:a16="http://schemas.microsoft.com/office/drawing/2014/main" id="{B43BE290-694D-4F74-9FFE-2CBB427ADB3F}"/>
+                    </a:ext>
+                  </a:extLst>
+                </p:cNvPr>
+                <p:cNvSpPr txBox="1">
+                  <a:spLocks noRot="1" noChangeAspect="1" noMove="1" noResize="1" noEditPoints="1" noAdjustHandles="1" noChangeArrowheads="1" noChangeShapeType="1" noTextEdit="1"/>
+                </p:cNvSpPr>
+                <p:nvPr/>
+              </p:nvSpPr>
+              <p:spPr>
+                <a:xfrm>
+                  <a:off x="3439912" y="6549754"/>
+                  <a:ext cx="1301750" cy="523220"/>
+                </a:xfrm>
+                <a:prstGeom prst="rect">
+                  <a:avLst/>
+                </a:prstGeom>
+                <a:blipFill>
+                  <a:blip r:embed="rId2"/>
+                  <a:stretch>
+                    <a:fillRect/>
+                  </a:stretch>
+                </a:blipFill>
+              </p:spPr>
+              <p:txBody>
+                <a:bodyPr/>
+                <a:lstStyle/>
+                <a:p>
+                  <a:r>
+                    <a:rPr lang="en-US">
+                      <a:noFill/>
+                    </a:rPr>
+                    <a:t> </a:t>
+                  </a:r>
+                </a:p>
+              </p:txBody>
+            </p:sp>
+          </mc:Fallback>
+        </mc:AlternateContent>
+        <mc:AlternateContent xmlns:mc="http://schemas.openxmlformats.org/markup-compatibility/2006" xmlns:a14="http://schemas.microsoft.com/office/drawing/2010/main">
+          <mc:Choice Requires="a14">
+            <p:sp>
+              <p:nvSpPr>
+                <p:cNvPr id="12" name="TextBox 11">
+                  <a:extLst>
+                    <a:ext uri="{FF2B5EF4-FFF2-40B4-BE49-F238E27FC236}">
+                      <a16:creationId xmlns:a16="http://schemas.microsoft.com/office/drawing/2014/main" id="{1585141B-F9A1-48C4-B220-CD18E1161228}"/>
+                    </a:ext>
+                  </a:extLst>
+                </p:cNvPr>
+                <p:cNvSpPr txBox="1"/>
+                <p:nvPr/>
+              </p:nvSpPr>
+              <p:spPr>
+                <a:xfrm>
+                  <a:off x="5856638" y="7131050"/>
+                  <a:ext cx="513987" cy="492443"/>
+                </a:xfrm>
+                <a:prstGeom prst="rect">
+                  <a:avLst/>
+                </a:prstGeom>
+                <a:noFill/>
+              </p:spPr>
+              <p:txBody>
+                <a:bodyPr wrap="none" lIns="0" tIns="0" rIns="0" bIns="0" rtlCol="0">
+                  <a:spAutoFit/>
+                </a:bodyPr>
+                <a:lstStyle/>
+                <a:p>
+                  <a:pPr/>
+                  <a14:m>
+                    <m:oMathPara xmlns:m="http://schemas.openxmlformats.org/officeDocument/2006/math">
+                      <m:oMathParaPr>
+                        <m:jc m:val="centerGroup"/>
+                      </m:oMathParaPr>
+                      <m:oMath xmlns:m="http://schemas.openxmlformats.org/officeDocument/2006/math">
+                        <m:sSub>
+                          <m:sSubPr>
+                            <m:ctrlPr>
+                              <a:rPr lang="en-US" sz="3200" b="1" i="1" smtClean="0">
+                                <a:latin typeface="Cambria Math" panose="02040503050406030204" pitchFamily="18" charset="0"/>
+                              </a:rPr>
+                            </m:ctrlPr>
+                          </m:sSubPr>
+                          <m:e>
+                            <m:r>
+                              <a:rPr lang="en-US" sz="3200" b="1" i="0" smtClean="0">
+                                <a:latin typeface="Cambria Math" panose="02040503050406030204" pitchFamily="18" charset="0"/>
+                              </a:rPr>
+                              <m:t>𝚪</m:t>
+                            </m:r>
+                          </m:e>
+                          <m:sub>
+                            <m:r>
+                              <a:rPr lang="en-US" sz="3200" b="1" i="1" smtClean="0">
+                                <a:latin typeface="Cambria Math" panose="02040503050406030204" pitchFamily="18" charset="0"/>
+                              </a:rPr>
+                              <m:t>𝑩</m:t>
+                            </m:r>
+                          </m:sub>
+                        </m:sSub>
+                      </m:oMath>
+                    </m:oMathPara>
+                  </a14:m>
+                  <a:endParaRPr lang="en-US" sz="3200" b="1" dirty="0"/>
+                </a:p>
+              </p:txBody>
+            </p:sp>
+          </mc:Choice>
+          <mc:Fallback xmlns="">
+            <p:sp>
+              <p:nvSpPr>
+                <p:cNvPr id="12" name="TextBox 11">
+                  <a:extLst>
+                    <a:ext uri="{FF2B5EF4-FFF2-40B4-BE49-F238E27FC236}">
+                      <a16:creationId xmlns:a16="http://schemas.microsoft.com/office/drawing/2014/main" id="{1585141B-F9A1-48C4-B220-CD18E1161228}"/>
+                    </a:ext>
+                  </a:extLst>
+                </p:cNvPr>
+                <p:cNvSpPr txBox="1">
+                  <a:spLocks noRot="1" noChangeAspect="1" noMove="1" noResize="1" noEditPoints="1" noAdjustHandles="1" noChangeArrowheads="1" noChangeShapeType="1" noTextEdit="1"/>
+                </p:cNvSpPr>
+                <p:nvPr/>
+              </p:nvSpPr>
+              <p:spPr>
+                <a:xfrm>
+                  <a:off x="5856638" y="7131050"/>
+                  <a:ext cx="513987" cy="492443"/>
+                </a:xfrm>
+                <a:prstGeom prst="rect">
+                  <a:avLst/>
+                </a:prstGeom>
+                <a:blipFill>
+                  <a:blip r:embed="rId3"/>
+                  <a:stretch>
+                    <a:fillRect/>
+                  </a:stretch>
+                </a:blipFill>
+              </p:spPr>
+              <p:txBody>
+                <a:bodyPr/>
+                <a:lstStyle/>
+                <a:p>
+                  <a:r>
+                    <a:rPr lang="en-US">
+                      <a:noFill/>
+                    </a:rPr>
+                    <a:t> </a:t>
+                  </a:r>
+                </a:p>
+              </p:txBody>
+            </p:sp>
+          </mc:Fallback>
+        </mc:AlternateContent>
+        <mc:AlternateContent xmlns:mc="http://schemas.openxmlformats.org/markup-compatibility/2006" xmlns:a14="http://schemas.microsoft.com/office/drawing/2010/main">
+          <mc:Choice Requires="a14">
+            <p:sp>
+              <p:nvSpPr>
+                <p:cNvPr id="13" name="TextBox 12">
+                  <a:extLst>
+                    <a:ext uri="{FF2B5EF4-FFF2-40B4-BE49-F238E27FC236}">
+                      <a16:creationId xmlns:a16="http://schemas.microsoft.com/office/drawing/2014/main" id="{9E5AAE25-9D81-4D1C-AD95-329D7C8A854C}"/>
+                    </a:ext>
+                  </a:extLst>
+                </p:cNvPr>
+                <p:cNvSpPr txBox="1"/>
+                <p:nvPr/>
+              </p:nvSpPr>
+              <p:spPr>
+                <a:xfrm>
+                  <a:off x="8600080" y="4325777"/>
+                  <a:ext cx="505972" cy="492443"/>
+                </a:xfrm>
+                <a:prstGeom prst="rect">
+                  <a:avLst/>
+                </a:prstGeom>
+                <a:noFill/>
+              </p:spPr>
+              <p:txBody>
+                <a:bodyPr wrap="none" lIns="0" tIns="0" rIns="0" bIns="0" rtlCol="0">
+                  <a:spAutoFit/>
+                </a:bodyPr>
+                <a:lstStyle/>
+                <a:p>
+                  <a:pPr/>
+                  <a14:m>
+                    <m:oMathPara xmlns:m="http://schemas.openxmlformats.org/officeDocument/2006/math">
+                      <m:oMathParaPr>
+                        <m:jc m:val="centerGroup"/>
+                      </m:oMathParaPr>
+                      <m:oMath xmlns:m="http://schemas.openxmlformats.org/officeDocument/2006/math">
+                        <m:sSub>
+                          <m:sSubPr>
+                            <m:ctrlPr>
+                              <a:rPr lang="en-US" sz="3200" b="1" i="1" smtClean="0">
+                                <a:latin typeface="Cambria Math" panose="02040503050406030204" pitchFamily="18" charset="0"/>
+                              </a:rPr>
+                            </m:ctrlPr>
+                          </m:sSubPr>
+                          <m:e>
+                            <m:r>
+                              <a:rPr lang="en-US" sz="3200" b="1" i="0" smtClean="0">
+                                <a:latin typeface="Cambria Math" panose="02040503050406030204" pitchFamily="18" charset="0"/>
+                              </a:rPr>
+                              <m:t>𝚪</m:t>
+                            </m:r>
+                          </m:e>
+                          <m:sub>
+                            <m:r>
+                              <a:rPr lang="en-US" sz="3200" b="1" i="1" smtClean="0">
+                                <a:latin typeface="Cambria Math" panose="02040503050406030204" pitchFamily="18" charset="0"/>
+                              </a:rPr>
+                              <m:t>𝑹</m:t>
+                            </m:r>
+                          </m:sub>
+                        </m:sSub>
+                      </m:oMath>
+                    </m:oMathPara>
+                  </a14:m>
+                  <a:endParaRPr lang="en-US" sz="3200" b="1" dirty="0"/>
+                </a:p>
+              </p:txBody>
+            </p:sp>
+          </mc:Choice>
+          <mc:Fallback xmlns="">
+            <p:sp>
+              <p:nvSpPr>
+                <p:cNvPr id="13" name="TextBox 12">
+                  <a:extLst>
+                    <a:ext uri="{FF2B5EF4-FFF2-40B4-BE49-F238E27FC236}">
+                      <a16:creationId xmlns:a16="http://schemas.microsoft.com/office/drawing/2014/main" id="{9E5AAE25-9D81-4D1C-AD95-329D7C8A854C}"/>
+                    </a:ext>
+                  </a:extLst>
+                </p:cNvPr>
+                <p:cNvSpPr txBox="1">
+                  <a:spLocks noRot="1" noChangeAspect="1" noMove="1" noResize="1" noEditPoints="1" noAdjustHandles="1" noChangeArrowheads="1" noChangeShapeType="1" noTextEdit="1"/>
+                </p:cNvSpPr>
+                <p:nvPr/>
+              </p:nvSpPr>
+              <p:spPr>
+                <a:xfrm>
+                  <a:off x="8600080" y="4325777"/>
+                  <a:ext cx="505972" cy="492443"/>
+                </a:xfrm>
+                <a:prstGeom prst="rect">
+                  <a:avLst/>
+                </a:prstGeom>
+                <a:blipFill>
+                  <a:blip r:embed="rId4"/>
+                  <a:stretch>
+                    <a:fillRect/>
+                  </a:stretch>
+                </a:blipFill>
+              </p:spPr>
+              <p:txBody>
+                <a:bodyPr/>
+                <a:lstStyle/>
+                <a:p>
+                  <a:r>
+                    <a:rPr lang="en-US">
+                      <a:noFill/>
+                    </a:rPr>
+                    <a:t> </a:t>
+                  </a:r>
+                </a:p>
+              </p:txBody>
+            </p:sp>
+          </mc:Fallback>
+        </mc:AlternateContent>
+        <mc:AlternateContent xmlns:mc="http://schemas.openxmlformats.org/markup-compatibility/2006" xmlns:a14="http://schemas.microsoft.com/office/drawing/2010/main">
+          <mc:Choice Requires="a14">
+            <p:sp>
+              <p:nvSpPr>
+                <p:cNvPr id="14" name="TextBox 13">
+                  <a:extLst>
+                    <a:ext uri="{FF2B5EF4-FFF2-40B4-BE49-F238E27FC236}">
+                      <a16:creationId xmlns:a16="http://schemas.microsoft.com/office/drawing/2014/main" id="{23905058-47AF-4EF1-8628-F94D5BDAAA6B}"/>
+                    </a:ext>
+                  </a:extLst>
+                </p:cNvPr>
+                <p:cNvSpPr txBox="1"/>
+                <p:nvPr/>
+              </p:nvSpPr>
+              <p:spPr>
+                <a:xfrm>
+                  <a:off x="5856637" y="1549544"/>
+                  <a:ext cx="485133" cy="492443"/>
+                </a:xfrm>
+                <a:prstGeom prst="rect">
+                  <a:avLst/>
+                </a:prstGeom>
+                <a:noFill/>
+              </p:spPr>
+              <p:txBody>
+                <a:bodyPr wrap="none" lIns="0" tIns="0" rIns="0" bIns="0" rtlCol="0">
+                  <a:spAutoFit/>
+                </a:bodyPr>
+                <a:lstStyle/>
+                <a:p>
+                  <a:pPr/>
+                  <a14:m>
+                    <m:oMathPara xmlns:m="http://schemas.openxmlformats.org/officeDocument/2006/math">
+                      <m:oMathParaPr>
+                        <m:jc m:val="centerGroup"/>
+                      </m:oMathParaPr>
+                      <m:oMath xmlns:m="http://schemas.openxmlformats.org/officeDocument/2006/math">
+                        <m:sSub>
+                          <m:sSubPr>
+                            <m:ctrlPr>
+                              <a:rPr lang="en-US" sz="3200" b="1" i="1" smtClean="0">
+                                <a:latin typeface="Cambria Math" panose="02040503050406030204" pitchFamily="18" charset="0"/>
+                              </a:rPr>
+                            </m:ctrlPr>
+                          </m:sSubPr>
+                          <m:e>
+                            <m:r>
+                              <a:rPr lang="en-US" sz="3200" b="1" i="0" smtClean="0">
+                                <a:latin typeface="Cambria Math" panose="02040503050406030204" pitchFamily="18" charset="0"/>
+                              </a:rPr>
+                              <m:t>𝚪</m:t>
+                            </m:r>
+                          </m:e>
+                          <m:sub>
+                            <m:r>
+                              <a:rPr lang="en-US" sz="3200" b="1" i="1" smtClean="0">
+                                <a:latin typeface="Cambria Math" panose="02040503050406030204" pitchFamily="18" charset="0"/>
+                              </a:rPr>
+                              <m:t>𝑻</m:t>
+                            </m:r>
+                          </m:sub>
+                        </m:sSub>
+                      </m:oMath>
+                    </m:oMathPara>
+                  </a14:m>
+                  <a:endParaRPr lang="en-US" sz="3200" b="1" dirty="0"/>
+                </a:p>
+              </p:txBody>
+            </p:sp>
+          </mc:Choice>
+          <mc:Fallback xmlns="">
+            <p:sp>
+              <p:nvSpPr>
+                <p:cNvPr id="14" name="TextBox 13">
+                  <a:extLst>
+                    <a:ext uri="{FF2B5EF4-FFF2-40B4-BE49-F238E27FC236}">
+                      <a16:creationId xmlns:a16="http://schemas.microsoft.com/office/drawing/2014/main" id="{23905058-47AF-4EF1-8628-F94D5BDAAA6B}"/>
+                    </a:ext>
+                  </a:extLst>
+                </p:cNvPr>
+                <p:cNvSpPr txBox="1">
+                  <a:spLocks noRot="1" noChangeAspect="1" noMove="1" noResize="1" noEditPoints="1" noAdjustHandles="1" noChangeArrowheads="1" noChangeShapeType="1" noTextEdit="1"/>
+                </p:cNvSpPr>
+                <p:nvPr/>
+              </p:nvSpPr>
+              <p:spPr>
+                <a:xfrm>
+                  <a:off x="5856637" y="1549544"/>
+                  <a:ext cx="485133" cy="492443"/>
+                </a:xfrm>
+                <a:prstGeom prst="rect">
+                  <a:avLst/>
+                </a:prstGeom>
+                <a:blipFill>
+                  <a:blip r:embed="rId5"/>
+                  <a:stretch>
+                    <a:fillRect/>
+                  </a:stretch>
+                </a:blipFill>
+              </p:spPr>
+              <p:txBody>
+                <a:bodyPr/>
+                <a:lstStyle/>
+                <a:p>
+                  <a:r>
+                    <a:rPr lang="en-US">
+                      <a:noFill/>
+                    </a:rPr>
+                    <a:t> </a:t>
+                  </a:r>
+                </a:p>
+              </p:txBody>
+            </p:sp>
+          </mc:Fallback>
+        </mc:AlternateContent>
+        <mc:AlternateContent xmlns:mc="http://schemas.openxmlformats.org/markup-compatibility/2006" xmlns:a14="http://schemas.microsoft.com/office/drawing/2010/main">
+          <mc:Choice Requires="a14">
+            <p:sp>
+              <p:nvSpPr>
+                <p:cNvPr id="15" name="TextBox 14">
+                  <a:extLst>
+                    <a:ext uri="{FF2B5EF4-FFF2-40B4-BE49-F238E27FC236}">
+                      <a16:creationId xmlns:a16="http://schemas.microsoft.com/office/drawing/2014/main" id="{A89DD07A-185D-4B82-859E-242B3CD3D106}"/>
+                    </a:ext>
+                  </a:extLst>
+                </p:cNvPr>
+                <p:cNvSpPr txBox="1"/>
+                <p:nvPr/>
+              </p:nvSpPr>
+              <p:spPr>
+                <a:xfrm>
+                  <a:off x="3645825" y="4325776"/>
+                  <a:ext cx="467500" cy="492443"/>
+                </a:xfrm>
+                <a:prstGeom prst="rect">
+                  <a:avLst/>
+                </a:prstGeom>
+                <a:noFill/>
+              </p:spPr>
+              <p:txBody>
+                <a:bodyPr wrap="none" lIns="0" tIns="0" rIns="0" bIns="0" rtlCol="0">
+                  <a:spAutoFit/>
+                </a:bodyPr>
+                <a:lstStyle/>
+                <a:p>
+                  <a:pPr/>
+                  <a14:m>
+                    <m:oMathPara xmlns:m="http://schemas.openxmlformats.org/officeDocument/2006/math">
+                      <m:oMathParaPr>
+                        <m:jc m:val="centerGroup"/>
+                      </m:oMathParaPr>
+                      <m:oMath xmlns:m="http://schemas.openxmlformats.org/officeDocument/2006/math">
+                        <m:sSub>
+                          <m:sSubPr>
+                            <m:ctrlPr>
+                              <a:rPr lang="en-US" sz="3200" b="1" i="1" smtClean="0">
+                                <a:latin typeface="Cambria Math" panose="02040503050406030204" pitchFamily="18" charset="0"/>
+                              </a:rPr>
+                            </m:ctrlPr>
+                          </m:sSubPr>
+                          <m:e>
+                            <m:r>
+                              <a:rPr lang="en-US" sz="3200" b="1" i="0" smtClean="0">
+                                <a:latin typeface="Cambria Math" panose="02040503050406030204" pitchFamily="18" charset="0"/>
+                              </a:rPr>
+                              <m:t>𝚪</m:t>
+                            </m:r>
+                          </m:e>
+                          <m:sub>
+                            <m:r>
+                              <a:rPr lang="en-US" sz="3200" b="1" i="1" smtClean="0">
+                                <a:latin typeface="Cambria Math" panose="02040503050406030204" pitchFamily="18" charset="0"/>
+                              </a:rPr>
+                              <m:t>𝑳</m:t>
+                            </m:r>
+                          </m:sub>
+                        </m:sSub>
+                      </m:oMath>
+                    </m:oMathPara>
+                  </a14:m>
+                  <a:endParaRPr lang="en-US" sz="3200" b="1" dirty="0"/>
+                </a:p>
+              </p:txBody>
+            </p:sp>
+          </mc:Choice>
+          <mc:Fallback xmlns="">
+            <p:sp>
+              <p:nvSpPr>
+                <p:cNvPr id="15" name="TextBox 14">
+                  <a:extLst>
+                    <a:ext uri="{FF2B5EF4-FFF2-40B4-BE49-F238E27FC236}">
+                      <a16:creationId xmlns:a16="http://schemas.microsoft.com/office/drawing/2014/main" id="{A89DD07A-185D-4B82-859E-242B3CD3D106}"/>
+                    </a:ext>
+                  </a:extLst>
+                </p:cNvPr>
+                <p:cNvSpPr txBox="1">
+                  <a:spLocks noRot="1" noChangeAspect="1" noMove="1" noResize="1" noEditPoints="1" noAdjustHandles="1" noChangeArrowheads="1" noChangeShapeType="1" noTextEdit="1"/>
+                </p:cNvSpPr>
+                <p:nvPr/>
+              </p:nvSpPr>
+              <p:spPr>
+                <a:xfrm>
+                  <a:off x="3645825" y="4325776"/>
+                  <a:ext cx="467500" cy="492443"/>
+                </a:xfrm>
+                <a:prstGeom prst="rect">
+                  <a:avLst/>
+                </a:prstGeom>
+                <a:blipFill>
+                  <a:blip r:embed="rId6"/>
+                  <a:stretch>
+                    <a:fillRect/>
+                  </a:stretch>
+                </a:blipFill>
+              </p:spPr>
+              <p:txBody>
+                <a:bodyPr/>
+                <a:lstStyle/>
+                <a:p>
+                  <a:r>
+                    <a:rPr lang="en-US">
+                      <a:noFill/>
+                    </a:rPr>
+                    <a:t> </a:t>
+                  </a:r>
+                </a:p>
+              </p:txBody>
+            </p:sp>
+          </mc:Fallback>
+        </mc:AlternateContent>
+        <p:sp>
+          <p:nvSpPr>
+            <p:cNvPr id="16" name="Arrow: Right 15">
+              <a:extLst>
+                <a:ext uri="{FF2B5EF4-FFF2-40B4-BE49-F238E27FC236}">
+                  <a16:creationId xmlns:a16="http://schemas.microsoft.com/office/drawing/2014/main" id="{E71760EE-A057-451C-BBC7-D0CA291E2DD3}"/>
+                </a:ext>
+              </a:extLst>
+            </p:cNvPr>
+            <p:cNvSpPr/>
+            <p:nvPr/>
+          </p:nvSpPr>
+          <p:spPr>
+            <a:xfrm rot="5400000">
+              <a:off x="4664276" y="4215967"/>
+              <a:ext cx="2741010" cy="1552138"/>
+            </a:xfrm>
+            <a:prstGeom prst="rightArrow">
+              <a:avLst/>
+            </a:prstGeom>
+            <a:pattFill prst="pct75">
+              <a:fgClr>
+                <a:schemeClr val="bg1">
+                  <a:lumMod val="75000"/>
+                </a:schemeClr>
+              </a:fgClr>
+              <a:bgClr>
+                <a:schemeClr val="bg1"/>
+              </a:bgClr>
+            </a:pattFill>
+            <a:ln>
+              <a:solidFill>
+                <a:schemeClr val="tx1"/>
+              </a:solidFill>
+            </a:ln>
+          </p:spPr>
+          <p:style>
+            <a:lnRef idx="2">
+              <a:schemeClr val="accent1">
+                <a:shade val="50000"/>
+              </a:schemeClr>
+            </a:lnRef>
+            <a:fillRef idx="1">
+              <a:schemeClr val="accent1"/>
+            </a:fillRef>
+            <a:effectRef idx="0">
+              <a:schemeClr val="accent1"/>
+            </a:effectRef>
+            <a:fontRef idx="minor">
+              <a:schemeClr val="lt1"/>
+            </a:fontRef>
+          </p:style>
+          <p:txBody>
+            <a:bodyPr vert="vert270" rtlCol="0" anchor="ctr"/>
+            <a:lstStyle/>
+            <a:p>
+              <a:pPr algn="ctr"/>
+              <a:endParaRPr lang="en-US" dirty="0">
+                <a:solidFill>
+                  <a:schemeClr val="tx1"/>
+                </a:solidFill>
+              </a:endParaRPr>
+            </a:p>
+          </p:txBody>
+        </p:sp>
+        <mc:AlternateContent xmlns:mc="http://schemas.openxmlformats.org/markup-compatibility/2006" xmlns:a14="http://schemas.microsoft.com/office/drawing/2010/main">
+          <mc:Choice Requires="a14">
+            <p:sp>
+              <p:nvSpPr>
+                <p:cNvPr id="18" name="Rectangle 17">
+                  <a:extLst>
+                    <a:ext uri="{FF2B5EF4-FFF2-40B4-BE49-F238E27FC236}">
+                      <a16:creationId xmlns:a16="http://schemas.microsoft.com/office/drawing/2014/main" id="{161C1D08-DDFE-423A-AFAC-A17B1CFAD88A}"/>
+                    </a:ext>
+                  </a:extLst>
+                </p:cNvPr>
+                <p:cNvSpPr/>
+                <p:nvPr/>
+              </p:nvSpPr>
+              <p:spPr>
+                <a:xfrm>
+                  <a:off x="4975356" y="3597265"/>
+                  <a:ext cx="2118850" cy="489878"/>
+                </a:xfrm>
+                <a:prstGeom prst="rect">
+                  <a:avLst/>
+                </a:prstGeom>
+                <a:solidFill>
+                  <a:schemeClr val="tx1"/>
+                </a:solidFill>
+              </p:spPr>
+              <p:txBody>
+                <a:bodyPr wrap="none">
+                  <a:spAutoFit/>
+                </a:bodyPr>
+                <a:lstStyle/>
+                <a:p>
+                  <a:pPr algn="ctr"/>
+                  <a14:m>
+                    <m:oMathPara xmlns:m="http://schemas.openxmlformats.org/officeDocument/2006/math">
+                      <m:oMathParaPr>
+                        <m:jc m:val="centerGroup"/>
+                      </m:oMathParaPr>
+                      <m:oMath xmlns:m="http://schemas.openxmlformats.org/officeDocument/2006/math">
+                        <m:sSub>
+                          <m:sSubPr>
+                            <m:ctrlPr>
+                              <a:rPr lang="en-US" sz="2400" b="1" i="1" smtClean="0">
+                                <a:solidFill>
+                                  <a:schemeClr val="bg1"/>
+                                </a:solidFill>
+                                <a:latin typeface="Cambria Math" panose="02040503050406030204" pitchFamily="18" charset="0"/>
+                              </a:rPr>
+                            </m:ctrlPr>
+                          </m:sSubPr>
+                          <m:e>
+                            <m:r>
+                              <m:rPr>
+                                <m:nor/>
+                              </m:rPr>
+                              <a:rPr lang="en-US" sz="2400" b="1" i="0" smtClean="0">
+                                <a:solidFill>
+                                  <a:schemeClr val="bg1"/>
+                                </a:solidFill>
+                                <a:latin typeface="Cambria Math" panose="02040503050406030204" pitchFamily="18" charset="0"/>
+                              </a:rPr>
+                              <m:t>f</m:t>
+                            </m:r>
+                          </m:e>
+                          <m:sub>
+                            <m:r>
+                              <m:rPr>
+                                <m:nor/>
+                              </m:rPr>
+                              <a:rPr lang="en-US" sz="2400" i="0" smtClean="0">
+                                <a:solidFill>
+                                  <a:schemeClr val="bg1"/>
+                                </a:solidFill>
+                                <a:latin typeface="Cambria Math" panose="02040503050406030204" pitchFamily="18" charset="0"/>
+                              </a:rPr>
+                              <m:t>b</m:t>
+                            </m:r>
+                          </m:sub>
+                        </m:sSub>
+                        <m:r>
+                          <a:rPr lang="en-US" sz="2400" b="1" i="1">
+                            <a:solidFill>
+                              <a:schemeClr val="bg1"/>
+                            </a:solidFill>
+                            <a:latin typeface="Cambria Math" panose="02040503050406030204" pitchFamily="18" charset="0"/>
+                          </a:rPr>
+                          <m:t>=(</m:t>
+                        </m:r>
+                        <m:r>
+                          <a:rPr lang="en-US" sz="2400" b="1" i="1">
+                            <a:solidFill>
+                              <a:schemeClr val="bg1"/>
+                            </a:solidFill>
+                            <a:latin typeface="Cambria Math" panose="02040503050406030204" pitchFamily="18" charset="0"/>
+                          </a:rPr>
+                          <m:t>𝟎</m:t>
+                        </m:r>
+                        <m:r>
+                          <a:rPr lang="en-US" sz="2400" b="1" i="1">
+                            <a:solidFill>
+                              <a:schemeClr val="bg1"/>
+                            </a:solidFill>
+                            <a:latin typeface="Cambria Math" panose="02040503050406030204" pitchFamily="18" charset="0"/>
+                          </a:rPr>
+                          <m:t>., −</m:t>
+                        </m:r>
+                        <m:r>
+                          <a:rPr lang="en-US" sz="2400" b="1" i="1">
+                            <a:solidFill>
+                              <a:schemeClr val="bg1"/>
+                            </a:solidFill>
+                            <a:latin typeface="Cambria Math" panose="02040503050406030204" pitchFamily="18" charset="0"/>
+                          </a:rPr>
+                          <m:t>𝟏</m:t>
+                        </m:r>
+                        <m:r>
+                          <a:rPr lang="en-US" sz="2400" b="1" i="1">
+                            <a:solidFill>
+                              <a:schemeClr val="bg1"/>
+                            </a:solidFill>
+                            <a:latin typeface="Cambria Math" panose="02040503050406030204" pitchFamily="18" charset="0"/>
+                          </a:rPr>
+                          <m:t>.)</m:t>
+                        </m:r>
+                      </m:oMath>
+                    </m:oMathPara>
+                  </a14:m>
+                  <a:endParaRPr lang="en-US" sz="2400" b="1" dirty="0">
+                    <a:solidFill>
+                      <a:schemeClr val="bg1"/>
+                    </a:solidFill>
+                  </a:endParaRPr>
+                </a:p>
+              </p:txBody>
+            </p:sp>
+          </mc:Choice>
+          <mc:Fallback xmlns="">
+            <p:sp>
+              <p:nvSpPr>
+                <p:cNvPr id="18" name="Rectangle 17">
+                  <a:extLst>
+                    <a:ext uri="{FF2B5EF4-FFF2-40B4-BE49-F238E27FC236}">
+                      <a16:creationId xmlns:a16="http://schemas.microsoft.com/office/drawing/2014/main" id="{161C1D08-DDFE-423A-AFAC-A17B1CFAD88A}"/>
+                    </a:ext>
+                  </a:extLst>
+                </p:cNvPr>
+                <p:cNvSpPr>
+                  <a:spLocks noRot="1" noChangeAspect="1" noMove="1" noResize="1" noEditPoints="1" noAdjustHandles="1" noChangeArrowheads="1" noChangeShapeType="1" noTextEdit="1"/>
+                </p:cNvSpPr>
+                <p:nvPr/>
+              </p:nvSpPr>
+              <p:spPr>
+                <a:xfrm>
+                  <a:off x="4975356" y="3597265"/>
+                  <a:ext cx="2118850" cy="489878"/>
+                </a:xfrm>
+                <a:prstGeom prst="rect">
+                  <a:avLst/>
+                </a:prstGeom>
+                <a:blipFill>
+                  <a:blip r:embed="rId7"/>
+                  <a:stretch>
+                    <a:fillRect l="-287" b="-12500"/>
+                  </a:stretch>
+                </a:blipFill>
+              </p:spPr>
+              <p:txBody>
+                <a:bodyPr/>
+                <a:lstStyle/>
+                <a:p>
+                  <a:r>
+                    <a:rPr lang="en-US">
+                      <a:noFill/>
+                    </a:rPr>
+                    <a:t> </a:t>
+                  </a:r>
+                </a:p>
+              </p:txBody>
+            </p:sp>
+          </mc:Fallback>
+        </mc:AlternateContent>
+      </p:grpSp>
+    </p:spTree>
+    <p:extLst>
+      <p:ext uri="{BB962C8B-B14F-4D97-AF65-F5344CB8AC3E}">
+        <p14:creationId xmlns:p14="http://schemas.microsoft.com/office/powerpoint/2010/main" val="3347037081"/>
+      </p:ext>
+    </p:extLst>
+  </p:cSld>
+  <p:clrMapOvr>
+    <a:masterClrMapping/>
+  </p:clrMapOvr>
+</p:sld>
+</file>
+
+<file path=ppt/slides/slide5.xml><?xml version="1.0" encoding="utf-8"?>
+<p:sld xmlns:a="http://schemas.openxmlformats.org/drawingml/2006/main" xmlns:r="http://schemas.openxmlformats.org/officeDocument/2006/relationships" xmlns:p="http://schemas.openxmlformats.org/presentationml/2006/main">
+  <p:cSld>
+    <p:spTree>
+      <p:nvGrpSpPr>
+        <p:cNvPr id="1" name=""/>
+        <p:cNvGrpSpPr/>
+        <p:nvPr/>
+      </p:nvGrpSpPr>
+      <p:grpSpPr>
+        <a:xfrm>
+          <a:off x="0" y="0"/>
+          <a:ext cx="0" cy="0"/>
+          <a:chOff x="0" y="0"/>
+          <a:chExt cx="0" cy="0"/>
+        </a:xfrm>
+      </p:grpSpPr>
+      <p:grpSp>
+        <p:nvGrpSpPr>
+          <p:cNvPr id="24" name="Group 23">
+            <a:extLst>
+              <a:ext uri="{FF2B5EF4-FFF2-40B4-BE49-F238E27FC236}">
+                <a16:creationId xmlns:a16="http://schemas.microsoft.com/office/drawing/2014/main" id="{CAFC2CBF-4375-47C1-96F1-5FFC2C76015A}"/>
+              </a:ext>
+            </a:extLst>
+          </p:cNvPr>
+          <p:cNvGrpSpPr/>
+          <p:nvPr/>
+        </p:nvGrpSpPr>
+        <p:grpSpPr>
+          <a:xfrm>
+            <a:off x="2559050" y="577851"/>
+            <a:ext cx="7762879" cy="7988298"/>
+            <a:chOff x="2559050" y="577851"/>
+            <a:chExt cx="7762879" cy="7988298"/>
+          </a:xfrm>
+        </p:grpSpPr>
+        <p:sp>
+          <p:nvSpPr>
+            <p:cNvPr id="3" name="Rectangle 2">
+              <a:extLst>
+                <a:ext uri="{FF2B5EF4-FFF2-40B4-BE49-F238E27FC236}">
+                  <a16:creationId xmlns:a16="http://schemas.microsoft.com/office/drawing/2014/main" id="{C00C3923-28F6-4400-AFB0-275788E0B819}"/>
+                </a:ext>
+              </a:extLst>
+            </p:cNvPr>
+            <p:cNvSpPr/>
+            <p:nvPr/>
+          </p:nvSpPr>
+          <p:spPr>
+            <a:xfrm>
+              <a:off x="2559050" y="577851"/>
+              <a:ext cx="1035975" cy="7988298"/>
+            </a:xfrm>
+            <a:prstGeom prst="rect">
+              <a:avLst/>
+            </a:prstGeom>
+            <a:pattFill prst="horzBrick">
+              <a:fgClr>
+                <a:schemeClr val="tx1"/>
+              </a:fgClr>
+              <a:bgClr>
+                <a:schemeClr val="bg1"/>
+              </a:bgClr>
+            </a:pattFill>
+            <a:ln>
+              <a:noFill/>
+            </a:ln>
+          </p:spPr>
+          <p:style>
+            <a:lnRef idx="2">
+              <a:schemeClr val="accent1">
+                <a:shade val="50000"/>
+              </a:schemeClr>
+            </a:lnRef>
+            <a:fillRef idx="1">
+              <a:schemeClr val="accent1"/>
+            </a:fillRef>
+            <a:effectRef idx="0">
+              <a:schemeClr val="accent1"/>
+            </a:effectRef>
+            <a:fontRef idx="minor">
+              <a:schemeClr val="lt1"/>
+            </a:fontRef>
+          </p:style>
+          <p:txBody>
+            <a:bodyPr rtlCol="0" anchor="ctr"/>
+            <a:lstStyle/>
+            <a:p>
+              <a:pPr algn="ctr"/>
+              <a:endParaRPr lang="en-US"/>
+            </a:p>
+          </p:txBody>
+        </p:sp>
+        <p:sp>
+          <p:nvSpPr>
+            <p:cNvPr id="4" name="Rectangle 3">
+              <a:extLst>
+                <a:ext uri="{FF2B5EF4-FFF2-40B4-BE49-F238E27FC236}">
+                  <a16:creationId xmlns:a16="http://schemas.microsoft.com/office/drawing/2014/main" id="{AF399403-0EA6-43A1-BBC6-1F32EA297AD6}"/>
+                </a:ext>
+              </a:extLst>
+            </p:cNvPr>
+            <p:cNvSpPr/>
+            <p:nvPr/>
+          </p:nvSpPr>
+          <p:spPr>
+            <a:xfrm>
+              <a:off x="3595025" y="2071025"/>
+              <a:ext cx="5001949" cy="5001949"/>
+            </a:xfrm>
+            <a:prstGeom prst="rect">
+              <a:avLst/>
+            </a:prstGeom>
+            <a:solidFill>
+              <a:schemeClr val="bg1">
+                <a:lumMod val="65000"/>
+              </a:schemeClr>
+            </a:solidFill>
+            <a:ln w="57150">
+              <a:solidFill>
+                <a:schemeClr val="tx1"/>
+              </a:solidFill>
+              <a:extLst>
+                <a:ext uri="{C807C97D-BFC1-408E-A445-0C87EB9F89A2}">
+                  <ask:lineSketchStyleProps xmlns:ask="http://schemas.microsoft.com/office/drawing/2018/sketchyshapes">
+                    <ask:type>
+                      <ask:lineSketchNone/>
+                    </ask:type>
+                  </ask:lineSketchStyleProps>
+                </a:ext>
+              </a:extLst>
+            </a:ln>
+          </p:spPr>
+          <p:style>
+            <a:lnRef idx="2">
+              <a:schemeClr val="accent1">
+                <a:shade val="50000"/>
+              </a:schemeClr>
+            </a:lnRef>
+            <a:fillRef idx="1">
+              <a:schemeClr val="accent1"/>
+            </a:fillRef>
+            <a:effectRef idx="0">
+              <a:schemeClr val="accent1"/>
+            </a:effectRef>
+            <a:fontRef idx="minor">
+              <a:schemeClr val="lt1"/>
+            </a:fontRef>
+          </p:style>
+          <p:txBody>
+            <a:bodyPr rtlCol="0" anchor="ctr"/>
+            <a:lstStyle/>
+            <a:p>
+              <a:pPr algn="ctr"/>
+              <a:endParaRPr lang="en-US" dirty="0"/>
+            </a:p>
+          </p:txBody>
+        </p:sp>
+        <p:cxnSp>
+          <p:nvCxnSpPr>
+            <p:cNvPr id="7" name="Straight Arrow Connector 6">
+              <a:extLst>
+                <a:ext uri="{FF2B5EF4-FFF2-40B4-BE49-F238E27FC236}">
+                  <a16:creationId xmlns:a16="http://schemas.microsoft.com/office/drawing/2014/main" id="{5020291B-D97E-42D2-8A81-B43251C7D498}"/>
+                </a:ext>
+              </a:extLst>
+            </p:cNvPr>
+            <p:cNvCxnSpPr>
+              <a:cxnSpLocks/>
+            </p:cNvCxnSpPr>
+            <p:nvPr/>
+          </p:nvCxnSpPr>
+          <p:spPr>
+            <a:xfrm>
+              <a:off x="3595025" y="3346450"/>
+              <a:ext cx="5001949" cy="0"/>
+            </a:xfrm>
+            <a:prstGeom prst="straightConnector1">
+              <a:avLst/>
+            </a:prstGeom>
+            <a:ln w="57150">
+              <a:solidFill>
+                <a:schemeClr val="tx1"/>
+              </a:solidFill>
+              <a:headEnd type="triangle"/>
+              <a:tailEnd type="triangle"/>
+            </a:ln>
+          </p:spPr>
+          <p:style>
+            <a:lnRef idx="1">
+              <a:schemeClr val="accent1"/>
+            </a:lnRef>
+            <a:fillRef idx="0">
+              <a:schemeClr val="accent1"/>
+            </a:fillRef>
+            <a:effectRef idx="0">
+              <a:schemeClr val="accent1"/>
+            </a:effectRef>
+            <a:fontRef idx="minor">
+              <a:schemeClr val="tx1"/>
+            </a:fontRef>
+          </p:style>
+        </p:cxnSp>
+        <p:cxnSp>
+          <p:nvCxnSpPr>
+            <p:cNvPr id="8" name="Straight Arrow Connector 7">
+              <a:extLst>
+                <a:ext uri="{FF2B5EF4-FFF2-40B4-BE49-F238E27FC236}">
+                  <a16:creationId xmlns:a16="http://schemas.microsoft.com/office/drawing/2014/main" id="{9C3DB8D8-C1B0-45BC-886A-6B51AECD3626}"/>
+                </a:ext>
+              </a:extLst>
+            </p:cNvPr>
+            <p:cNvCxnSpPr>
+              <a:cxnSpLocks/>
+            </p:cNvCxnSpPr>
+            <p:nvPr/>
+          </p:nvCxnSpPr>
+          <p:spPr>
+            <a:xfrm flipV="1">
+              <a:off x="7327900" y="2071025"/>
+              <a:ext cx="0" cy="5001949"/>
+            </a:xfrm>
+            <a:prstGeom prst="straightConnector1">
+              <a:avLst/>
+            </a:prstGeom>
+            <a:ln w="57150">
+              <a:solidFill>
+                <a:schemeClr val="tx1"/>
+              </a:solidFill>
+              <a:headEnd type="triangle"/>
+              <a:tailEnd type="triangle"/>
+            </a:ln>
+          </p:spPr>
+          <p:style>
+            <a:lnRef idx="1">
+              <a:schemeClr val="accent1"/>
+            </a:lnRef>
+            <a:fillRef idx="0">
+              <a:schemeClr val="accent1"/>
+            </a:fillRef>
+            <a:effectRef idx="0">
+              <a:schemeClr val="accent1"/>
+            </a:effectRef>
+            <a:fontRef idx="minor">
+              <a:schemeClr val="tx1"/>
+            </a:fontRef>
+          </p:style>
+        </p:cxnSp>
+        <p:sp>
+          <p:nvSpPr>
+            <p:cNvPr id="9" name="TextBox 8">
+              <a:extLst>
+                <a:ext uri="{FF2B5EF4-FFF2-40B4-BE49-F238E27FC236}">
+                  <a16:creationId xmlns:a16="http://schemas.microsoft.com/office/drawing/2014/main" id="{62331446-0F68-4F17-8E86-B08A75133181}"/>
+                </a:ext>
+              </a:extLst>
+            </p:cNvPr>
+            <p:cNvSpPr txBox="1"/>
+            <p:nvPr/>
+          </p:nvSpPr>
+          <p:spPr>
+            <a:xfrm>
+              <a:off x="7277100" y="4858324"/>
+              <a:ext cx="679442" cy="584775"/>
+            </a:xfrm>
+            <a:prstGeom prst="rect">
+              <a:avLst/>
+            </a:prstGeom>
+            <a:noFill/>
+          </p:spPr>
+          <p:txBody>
+            <a:bodyPr wrap="square" rtlCol="0" anchor="ctr">
+              <a:spAutoFit/>
+            </a:bodyPr>
+            <a:lstStyle/>
+            <a:p>
+              <a:pPr algn="ctr"/>
+              <a:r>
+                <a:rPr lang="en-US" sz="3200" b="1" dirty="0"/>
+                <a:t>1</a:t>
+              </a:r>
+            </a:p>
+          </p:txBody>
+        </p:sp>
+        <p:sp>
+          <p:nvSpPr>
+            <p:cNvPr id="10" name="TextBox 9">
+              <a:extLst>
+                <a:ext uri="{FF2B5EF4-FFF2-40B4-BE49-F238E27FC236}">
+                  <a16:creationId xmlns:a16="http://schemas.microsoft.com/office/drawing/2014/main" id="{1682BBBF-1333-4641-BAEB-3C3C0AC43469}"/>
+                </a:ext>
+              </a:extLst>
+            </p:cNvPr>
+            <p:cNvSpPr txBox="1"/>
+            <p:nvPr/>
+          </p:nvSpPr>
+          <p:spPr>
+            <a:xfrm>
+              <a:off x="5545803" y="2761675"/>
+              <a:ext cx="679442" cy="584775"/>
+            </a:xfrm>
+            <a:prstGeom prst="rect">
+              <a:avLst/>
+            </a:prstGeom>
+            <a:noFill/>
+          </p:spPr>
+          <p:txBody>
+            <a:bodyPr wrap="square" rtlCol="0" anchor="ctr">
+              <a:spAutoFit/>
+            </a:bodyPr>
+            <a:lstStyle/>
+            <a:p>
+              <a:pPr algn="ctr"/>
+              <a:r>
+                <a:rPr lang="en-US" sz="3200" b="1" dirty="0"/>
+                <a:t>1</a:t>
+              </a:r>
+            </a:p>
+          </p:txBody>
+        </p:sp>
+        <mc:AlternateContent xmlns:mc="http://schemas.openxmlformats.org/markup-compatibility/2006">
+          <mc:Choice xmlns:a14="http://schemas.microsoft.com/office/drawing/2010/main" Requires="a14">
+            <p:sp>
+              <p:nvSpPr>
+                <p:cNvPr id="11" name="TextBox 10">
+                  <a:extLst>
+                    <a:ext uri="{FF2B5EF4-FFF2-40B4-BE49-F238E27FC236}">
+                      <a16:creationId xmlns:a16="http://schemas.microsoft.com/office/drawing/2014/main" id="{6BDB4AB9-580C-41AC-B272-789B074E6489}"/>
+                    </a:ext>
+                  </a:extLst>
+                </p:cNvPr>
+                <p:cNvSpPr txBox="1"/>
+                <p:nvPr/>
+              </p:nvSpPr>
+              <p:spPr>
+                <a:xfrm>
+                  <a:off x="3439912" y="6549754"/>
+                  <a:ext cx="1301750" cy="523220"/>
+                </a:xfrm>
+                <a:prstGeom prst="rect">
+                  <a:avLst/>
+                </a:prstGeom>
+                <a:noFill/>
+              </p:spPr>
+              <p:txBody>
+                <a:bodyPr wrap="square" rtlCol="0">
+                  <a:spAutoFit/>
+                </a:bodyPr>
+                <a:lstStyle/>
+                <a:p>
+                  <a:pPr/>
+                  <a14:m>
+                    <m:oMathPara xmlns:m="http://schemas.openxmlformats.org/officeDocument/2006/math">
+                      <m:oMathParaPr>
+                        <m:jc m:val="centerGroup"/>
+                      </m:oMathParaPr>
+                      <m:oMath xmlns:m="http://schemas.openxmlformats.org/officeDocument/2006/math">
+                        <m:d>
+                          <m:dPr>
+                            <m:ctrlPr>
+                              <a:rPr lang="en-US" sz="2800" b="1" i="1" smtClean="0">
+                                <a:latin typeface="Cambria Math" panose="02040503050406030204" pitchFamily="18" charset="0"/>
+                              </a:rPr>
+                            </m:ctrlPr>
+                          </m:dPr>
+                          <m:e>
+                            <m:r>
+                              <a:rPr lang="en-US" sz="2800" b="1" i="1">
+                                <a:latin typeface="Cambria Math" panose="02040503050406030204" pitchFamily="18" charset="0"/>
+                              </a:rPr>
+                              <m:t>𝟎</m:t>
+                            </m:r>
+                            <m:r>
+                              <a:rPr lang="en-US" sz="2800" b="1" i="1">
+                                <a:latin typeface="Cambria Math" panose="02040503050406030204" pitchFamily="18" charset="0"/>
+                              </a:rPr>
+                              <m:t>,</m:t>
+                            </m:r>
+                            <m:r>
+                              <a:rPr lang="en-US" sz="2800" b="1" i="1">
+                                <a:latin typeface="Cambria Math" panose="02040503050406030204" pitchFamily="18" charset="0"/>
+                              </a:rPr>
+                              <m:t>𝟎</m:t>
+                            </m:r>
+                          </m:e>
+                        </m:d>
+                      </m:oMath>
+                    </m:oMathPara>
+                  </a14:m>
+                  <a:endParaRPr lang="en-US" sz="2800" b="1" dirty="0"/>
+                </a:p>
+              </p:txBody>
+            </p:sp>
+          </mc:Choice>
+          <mc:Fallback>
+            <p:sp>
+              <p:nvSpPr>
+                <p:cNvPr id="11" name="TextBox 10">
+                  <a:extLst>
+                    <a:ext uri="{FF2B5EF4-FFF2-40B4-BE49-F238E27FC236}">
+                      <a16:creationId xmlns:a16="http://schemas.microsoft.com/office/drawing/2014/main" id="{6BDB4AB9-580C-41AC-B272-789B074E6489}"/>
+                    </a:ext>
+                  </a:extLst>
+                </p:cNvPr>
+                <p:cNvSpPr txBox="1">
+                  <a:spLocks noRot="1" noChangeAspect="1" noMove="1" noResize="1" noEditPoints="1" noAdjustHandles="1" noChangeArrowheads="1" noChangeShapeType="1" noTextEdit="1"/>
+                </p:cNvSpPr>
+                <p:nvPr/>
+              </p:nvSpPr>
+              <p:spPr>
+                <a:xfrm>
+                  <a:off x="3439912" y="6549754"/>
+                  <a:ext cx="1301750" cy="523220"/>
+                </a:xfrm>
+                <a:prstGeom prst="rect">
+                  <a:avLst/>
+                </a:prstGeom>
+                <a:blipFill>
+                  <a:blip r:embed="rId2"/>
+                  <a:stretch>
+                    <a:fillRect/>
+                  </a:stretch>
+                </a:blipFill>
+              </p:spPr>
+              <p:txBody>
+                <a:bodyPr/>
+                <a:lstStyle/>
+                <a:p>
+                  <a:r>
+                    <a:rPr lang="en-US">
+                      <a:noFill/>
+                    </a:rPr>
+                    <a:t> </a:t>
+                  </a:r>
+                </a:p>
+              </p:txBody>
+            </p:sp>
+          </mc:Fallback>
+        </mc:AlternateContent>
+        <mc:AlternateContent xmlns:mc="http://schemas.openxmlformats.org/markup-compatibility/2006">
+          <mc:Choice xmlns:a14="http://schemas.microsoft.com/office/drawing/2010/main" Requires="a14">
+            <p:sp>
+              <p:nvSpPr>
+                <p:cNvPr id="12" name="TextBox 11">
+                  <a:extLst>
+                    <a:ext uri="{FF2B5EF4-FFF2-40B4-BE49-F238E27FC236}">
+                      <a16:creationId xmlns:a16="http://schemas.microsoft.com/office/drawing/2014/main" id="{AAED9289-4AC3-4C5E-8376-09CD37766442}"/>
+                    </a:ext>
+                  </a:extLst>
+                </p:cNvPr>
+                <p:cNvSpPr txBox="1"/>
+                <p:nvPr/>
+              </p:nvSpPr>
+              <p:spPr>
+                <a:xfrm>
+                  <a:off x="5856638" y="7131050"/>
+                  <a:ext cx="513987" cy="492443"/>
+                </a:xfrm>
+                <a:prstGeom prst="rect">
+                  <a:avLst/>
+                </a:prstGeom>
+                <a:noFill/>
+              </p:spPr>
+              <p:txBody>
+                <a:bodyPr wrap="none" lIns="0" tIns="0" rIns="0" bIns="0" rtlCol="0">
+                  <a:spAutoFit/>
+                </a:bodyPr>
+                <a:lstStyle/>
+                <a:p>
+                  <a:pPr/>
+                  <a14:m>
+                    <m:oMathPara xmlns:m="http://schemas.openxmlformats.org/officeDocument/2006/math">
+                      <m:oMathParaPr>
+                        <m:jc m:val="centerGroup"/>
+                      </m:oMathParaPr>
+                      <m:oMath xmlns:m="http://schemas.openxmlformats.org/officeDocument/2006/math">
+                        <m:sSub>
+                          <m:sSubPr>
+                            <m:ctrlPr>
+                              <a:rPr lang="en-US" sz="3200" b="1" i="1" smtClean="0">
+                                <a:latin typeface="Cambria Math" panose="02040503050406030204" pitchFamily="18" charset="0"/>
+                              </a:rPr>
+                            </m:ctrlPr>
+                          </m:sSubPr>
+                          <m:e>
+                            <m:r>
+                              <a:rPr lang="en-US" sz="3200" b="1" i="0" smtClean="0">
+                                <a:latin typeface="Cambria Math" panose="02040503050406030204" pitchFamily="18" charset="0"/>
+                              </a:rPr>
+                              <m:t>𝚪</m:t>
+                            </m:r>
+                          </m:e>
+                          <m:sub>
+                            <m:r>
+                              <a:rPr lang="en-US" sz="3200" b="1" i="1" smtClean="0">
+                                <a:latin typeface="Cambria Math" panose="02040503050406030204" pitchFamily="18" charset="0"/>
+                              </a:rPr>
+                              <m:t>𝑩</m:t>
+                            </m:r>
+                          </m:sub>
+                        </m:sSub>
+                      </m:oMath>
+                    </m:oMathPara>
+                  </a14:m>
+                  <a:endParaRPr lang="en-US" sz="3200" b="1" dirty="0"/>
+                </a:p>
+              </p:txBody>
+            </p:sp>
+          </mc:Choice>
+          <mc:Fallback>
+            <p:sp>
+              <p:nvSpPr>
+                <p:cNvPr id="12" name="TextBox 11">
+                  <a:extLst>
+                    <a:ext uri="{FF2B5EF4-FFF2-40B4-BE49-F238E27FC236}">
+                      <a16:creationId xmlns:a16="http://schemas.microsoft.com/office/drawing/2014/main" id="{AAED9289-4AC3-4C5E-8376-09CD37766442}"/>
+                    </a:ext>
+                  </a:extLst>
+                </p:cNvPr>
+                <p:cNvSpPr txBox="1">
+                  <a:spLocks noRot="1" noChangeAspect="1" noMove="1" noResize="1" noEditPoints="1" noAdjustHandles="1" noChangeArrowheads="1" noChangeShapeType="1" noTextEdit="1"/>
+                </p:cNvSpPr>
+                <p:nvPr/>
+              </p:nvSpPr>
+              <p:spPr>
+                <a:xfrm>
+                  <a:off x="5856638" y="7131050"/>
+                  <a:ext cx="513987" cy="492443"/>
+                </a:xfrm>
+                <a:prstGeom prst="rect">
+                  <a:avLst/>
+                </a:prstGeom>
+                <a:blipFill>
+                  <a:blip r:embed="rId3"/>
+                  <a:stretch>
+                    <a:fillRect/>
+                  </a:stretch>
+                </a:blipFill>
+              </p:spPr>
+              <p:txBody>
+                <a:bodyPr/>
+                <a:lstStyle/>
+                <a:p>
+                  <a:r>
+                    <a:rPr lang="en-US">
+                      <a:noFill/>
+                    </a:rPr>
+                    <a:t> </a:t>
+                  </a:r>
+                </a:p>
+              </p:txBody>
+            </p:sp>
+          </mc:Fallback>
+        </mc:AlternateContent>
+        <mc:AlternateContent xmlns:mc="http://schemas.openxmlformats.org/markup-compatibility/2006">
+          <mc:Choice xmlns:a14="http://schemas.microsoft.com/office/drawing/2010/main" Requires="a14">
+            <p:sp>
+              <p:nvSpPr>
+                <p:cNvPr id="13" name="TextBox 12">
+                  <a:extLst>
+                    <a:ext uri="{FF2B5EF4-FFF2-40B4-BE49-F238E27FC236}">
+                      <a16:creationId xmlns:a16="http://schemas.microsoft.com/office/drawing/2014/main" id="{A7256C25-AA2C-4FF1-A795-42212D5FEDCF}"/>
+                    </a:ext>
+                  </a:extLst>
+                </p:cNvPr>
+                <p:cNvSpPr txBox="1"/>
+                <p:nvPr/>
+              </p:nvSpPr>
+              <p:spPr>
+                <a:xfrm>
+                  <a:off x="8600080" y="4325777"/>
+                  <a:ext cx="505972" cy="492443"/>
+                </a:xfrm>
+                <a:prstGeom prst="rect">
+                  <a:avLst/>
+                </a:prstGeom>
+                <a:noFill/>
+              </p:spPr>
+              <p:txBody>
+                <a:bodyPr wrap="none" lIns="0" tIns="0" rIns="0" bIns="0" rtlCol="0">
+                  <a:spAutoFit/>
+                </a:bodyPr>
+                <a:lstStyle/>
+                <a:p>
+                  <a:pPr/>
+                  <a14:m>
+                    <m:oMathPara xmlns:m="http://schemas.openxmlformats.org/officeDocument/2006/math">
+                      <m:oMathParaPr>
+                        <m:jc m:val="centerGroup"/>
+                      </m:oMathParaPr>
+                      <m:oMath xmlns:m="http://schemas.openxmlformats.org/officeDocument/2006/math">
+                        <m:sSub>
+                          <m:sSubPr>
+                            <m:ctrlPr>
+                              <a:rPr lang="en-US" sz="3200" b="1" i="1" smtClean="0">
+                                <a:latin typeface="Cambria Math" panose="02040503050406030204" pitchFamily="18" charset="0"/>
+                              </a:rPr>
+                            </m:ctrlPr>
+                          </m:sSubPr>
+                          <m:e>
+                            <m:r>
+                              <a:rPr lang="en-US" sz="3200" b="1" i="0" smtClean="0">
+                                <a:latin typeface="Cambria Math" panose="02040503050406030204" pitchFamily="18" charset="0"/>
+                              </a:rPr>
+                              <m:t>𝚪</m:t>
+                            </m:r>
+                          </m:e>
+                          <m:sub>
+                            <m:r>
+                              <a:rPr lang="en-US" sz="3200" b="1" i="1" smtClean="0">
+                                <a:latin typeface="Cambria Math" panose="02040503050406030204" pitchFamily="18" charset="0"/>
+                              </a:rPr>
+                              <m:t>𝑹</m:t>
+                            </m:r>
+                          </m:sub>
+                        </m:sSub>
+                      </m:oMath>
+                    </m:oMathPara>
+                  </a14:m>
+                  <a:endParaRPr lang="en-US" sz="3200" b="1" dirty="0"/>
+                </a:p>
+              </p:txBody>
+            </p:sp>
+          </mc:Choice>
+          <mc:Fallback>
+            <p:sp>
+              <p:nvSpPr>
+                <p:cNvPr id="13" name="TextBox 12">
+                  <a:extLst>
+                    <a:ext uri="{FF2B5EF4-FFF2-40B4-BE49-F238E27FC236}">
+                      <a16:creationId xmlns:a16="http://schemas.microsoft.com/office/drawing/2014/main" id="{A7256C25-AA2C-4FF1-A795-42212D5FEDCF}"/>
+                    </a:ext>
+                  </a:extLst>
+                </p:cNvPr>
+                <p:cNvSpPr txBox="1">
+                  <a:spLocks noRot="1" noChangeAspect="1" noMove="1" noResize="1" noEditPoints="1" noAdjustHandles="1" noChangeArrowheads="1" noChangeShapeType="1" noTextEdit="1"/>
+                </p:cNvSpPr>
+                <p:nvPr/>
+              </p:nvSpPr>
+              <p:spPr>
+                <a:xfrm>
+                  <a:off x="8600080" y="4325777"/>
+                  <a:ext cx="505972" cy="492443"/>
+                </a:xfrm>
+                <a:prstGeom prst="rect">
+                  <a:avLst/>
+                </a:prstGeom>
+                <a:blipFill>
+                  <a:blip r:embed="rId4"/>
+                  <a:stretch>
+                    <a:fillRect/>
+                  </a:stretch>
+                </a:blipFill>
+              </p:spPr>
+              <p:txBody>
+                <a:bodyPr/>
+                <a:lstStyle/>
+                <a:p>
+                  <a:r>
+                    <a:rPr lang="en-US">
+                      <a:noFill/>
+                    </a:rPr>
+                    <a:t> </a:t>
+                  </a:r>
+                </a:p>
+              </p:txBody>
+            </p:sp>
+          </mc:Fallback>
+        </mc:AlternateContent>
+        <mc:AlternateContent xmlns:mc="http://schemas.openxmlformats.org/markup-compatibility/2006">
+          <mc:Choice xmlns:a14="http://schemas.microsoft.com/office/drawing/2010/main" Requires="a14">
+            <p:sp>
+              <p:nvSpPr>
+                <p:cNvPr id="14" name="TextBox 13">
+                  <a:extLst>
+                    <a:ext uri="{FF2B5EF4-FFF2-40B4-BE49-F238E27FC236}">
+                      <a16:creationId xmlns:a16="http://schemas.microsoft.com/office/drawing/2014/main" id="{FAAA3FBB-C4CC-4899-9FC8-FCF5BEF5285C}"/>
+                    </a:ext>
+                  </a:extLst>
+                </p:cNvPr>
+                <p:cNvSpPr txBox="1"/>
+                <p:nvPr/>
+              </p:nvSpPr>
+              <p:spPr>
+                <a:xfrm>
+                  <a:off x="5856637" y="1549544"/>
+                  <a:ext cx="485133" cy="492443"/>
+                </a:xfrm>
+                <a:prstGeom prst="rect">
+                  <a:avLst/>
+                </a:prstGeom>
+                <a:noFill/>
+              </p:spPr>
+              <p:txBody>
+                <a:bodyPr wrap="none" lIns="0" tIns="0" rIns="0" bIns="0" rtlCol="0">
+                  <a:spAutoFit/>
+                </a:bodyPr>
+                <a:lstStyle/>
+                <a:p>
+                  <a:pPr/>
+                  <a14:m>
+                    <m:oMathPara xmlns:m="http://schemas.openxmlformats.org/officeDocument/2006/math">
+                      <m:oMathParaPr>
+                        <m:jc m:val="centerGroup"/>
+                      </m:oMathParaPr>
+                      <m:oMath xmlns:m="http://schemas.openxmlformats.org/officeDocument/2006/math">
+                        <m:sSub>
+                          <m:sSubPr>
+                            <m:ctrlPr>
+                              <a:rPr lang="en-US" sz="3200" b="1" i="1" smtClean="0">
+                                <a:latin typeface="Cambria Math" panose="02040503050406030204" pitchFamily="18" charset="0"/>
+                              </a:rPr>
+                            </m:ctrlPr>
+                          </m:sSubPr>
+                          <m:e>
+                            <m:r>
+                              <a:rPr lang="en-US" sz="3200" b="1" i="0" smtClean="0">
+                                <a:latin typeface="Cambria Math" panose="02040503050406030204" pitchFamily="18" charset="0"/>
+                              </a:rPr>
+                              <m:t>𝚪</m:t>
+                            </m:r>
+                          </m:e>
+                          <m:sub>
+                            <m:r>
+                              <a:rPr lang="en-US" sz="3200" b="1" i="1" smtClean="0">
+                                <a:latin typeface="Cambria Math" panose="02040503050406030204" pitchFamily="18" charset="0"/>
+                              </a:rPr>
+                              <m:t>𝑻</m:t>
+                            </m:r>
+                          </m:sub>
+                        </m:sSub>
+                      </m:oMath>
+                    </m:oMathPara>
+                  </a14:m>
+                  <a:endParaRPr lang="en-US" sz="3200" b="1" dirty="0"/>
+                </a:p>
+              </p:txBody>
+            </p:sp>
+          </mc:Choice>
+          <mc:Fallback>
+            <p:sp>
+              <p:nvSpPr>
+                <p:cNvPr id="14" name="TextBox 13">
+                  <a:extLst>
+                    <a:ext uri="{FF2B5EF4-FFF2-40B4-BE49-F238E27FC236}">
+                      <a16:creationId xmlns:a16="http://schemas.microsoft.com/office/drawing/2014/main" id="{FAAA3FBB-C4CC-4899-9FC8-FCF5BEF5285C}"/>
+                    </a:ext>
+                  </a:extLst>
+                </p:cNvPr>
+                <p:cNvSpPr txBox="1">
+                  <a:spLocks noRot="1" noChangeAspect="1" noMove="1" noResize="1" noEditPoints="1" noAdjustHandles="1" noChangeArrowheads="1" noChangeShapeType="1" noTextEdit="1"/>
+                </p:cNvSpPr>
+                <p:nvPr/>
+              </p:nvSpPr>
+              <p:spPr>
+                <a:xfrm>
+                  <a:off x="5856637" y="1549544"/>
+                  <a:ext cx="485133" cy="492443"/>
+                </a:xfrm>
+                <a:prstGeom prst="rect">
+                  <a:avLst/>
+                </a:prstGeom>
+                <a:blipFill>
+                  <a:blip r:embed="rId5"/>
+                  <a:stretch>
+                    <a:fillRect/>
+                  </a:stretch>
+                </a:blipFill>
+              </p:spPr>
+              <p:txBody>
+                <a:bodyPr/>
+                <a:lstStyle/>
+                <a:p>
+                  <a:r>
+                    <a:rPr lang="en-US">
+                      <a:noFill/>
+                    </a:rPr>
+                    <a:t> </a:t>
+                  </a:r>
+                </a:p>
+              </p:txBody>
+            </p:sp>
+          </mc:Fallback>
+        </mc:AlternateContent>
+        <mc:AlternateContent xmlns:mc="http://schemas.openxmlformats.org/markup-compatibility/2006">
+          <mc:Choice xmlns:a14="http://schemas.microsoft.com/office/drawing/2010/main" Requires="a14">
+            <p:sp>
+              <p:nvSpPr>
+                <p:cNvPr id="15" name="TextBox 14">
+                  <a:extLst>
+                    <a:ext uri="{FF2B5EF4-FFF2-40B4-BE49-F238E27FC236}">
+                      <a16:creationId xmlns:a16="http://schemas.microsoft.com/office/drawing/2014/main" id="{060A653A-5F06-4F46-A359-5DA281CB7906}"/>
+                    </a:ext>
+                  </a:extLst>
+                </p:cNvPr>
+                <p:cNvSpPr txBox="1"/>
+                <p:nvPr/>
+              </p:nvSpPr>
+              <p:spPr>
+                <a:xfrm>
+                  <a:off x="3645825" y="4325776"/>
+                  <a:ext cx="467500" cy="492443"/>
+                </a:xfrm>
+                <a:prstGeom prst="rect">
+                  <a:avLst/>
+                </a:prstGeom>
+                <a:noFill/>
+              </p:spPr>
+              <p:txBody>
+                <a:bodyPr wrap="none" lIns="0" tIns="0" rIns="0" bIns="0" rtlCol="0">
+                  <a:spAutoFit/>
+                </a:bodyPr>
+                <a:lstStyle/>
+                <a:p>
+                  <a:pPr/>
+                  <a14:m>
+                    <m:oMathPara xmlns:m="http://schemas.openxmlformats.org/officeDocument/2006/math">
+                      <m:oMathParaPr>
+                        <m:jc m:val="centerGroup"/>
+                      </m:oMathParaPr>
+                      <m:oMath xmlns:m="http://schemas.openxmlformats.org/officeDocument/2006/math">
+                        <m:sSub>
+                          <m:sSubPr>
+                            <m:ctrlPr>
+                              <a:rPr lang="en-US" sz="3200" b="1" i="1" smtClean="0">
+                                <a:latin typeface="Cambria Math" panose="02040503050406030204" pitchFamily="18" charset="0"/>
+                              </a:rPr>
+                            </m:ctrlPr>
+                          </m:sSubPr>
+                          <m:e>
+                            <m:r>
+                              <a:rPr lang="en-US" sz="3200" b="1" i="0" smtClean="0">
+                                <a:latin typeface="Cambria Math" panose="02040503050406030204" pitchFamily="18" charset="0"/>
+                              </a:rPr>
+                              <m:t>𝚪</m:t>
+                            </m:r>
+                          </m:e>
+                          <m:sub>
+                            <m:r>
+                              <a:rPr lang="en-US" sz="3200" b="1" i="1" smtClean="0">
+                                <a:latin typeface="Cambria Math" panose="02040503050406030204" pitchFamily="18" charset="0"/>
+                              </a:rPr>
+                              <m:t>𝑳</m:t>
+                            </m:r>
+                          </m:sub>
+                        </m:sSub>
+                      </m:oMath>
+                    </m:oMathPara>
+                  </a14:m>
+                  <a:endParaRPr lang="en-US" sz="3200" b="1" dirty="0"/>
+                </a:p>
+              </p:txBody>
+            </p:sp>
+          </mc:Choice>
+          <mc:Fallback>
+            <p:sp>
+              <p:nvSpPr>
+                <p:cNvPr id="15" name="TextBox 14">
+                  <a:extLst>
+                    <a:ext uri="{FF2B5EF4-FFF2-40B4-BE49-F238E27FC236}">
+                      <a16:creationId xmlns:a16="http://schemas.microsoft.com/office/drawing/2014/main" id="{060A653A-5F06-4F46-A359-5DA281CB7906}"/>
+                    </a:ext>
+                  </a:extLst>
+                </p:cNvPr>
+                <p:cNvSpPr txBox="1">
+                  <a:spLocks noRot="1" noChangeAspect="1" noMove="1" noResize="1" noEditPoints="1" noAdjustHandles="1" noChangeArrowheads="1" noChangeShapeType="1" noTextEdit="1"/>
+                </p:cNvSpPr>
+                <p:nvPr/>
+              </p:nvSpPr>
+              <p:spPr>
+                <a:xfrm>
+                  <a:off x="3645825" y="4325776"/>
+                  <a:ext cx="467500" cy="492443"/>
+                </a:xfrm>
+                <a:prstGeom prst="rect">
+                  <a:avLst/>
+                </a:prstGeom>
+                <a:blipFill>
+                  <a:blip r:embed="rId6"/>
+                  <a:stretch>
+                    <a:fillRect/>
+                  </a:stretch>
+                </a:blipFill>
+              </p:spPr>
+              <p:txBody>
+                <a:bodyPr/>
+                <a:lstStyle/>
+                <a:p>
+                  <a:r>
+                    <a:rPr lang="en-US">
+                      <a:noFill/>
+                    </a:rPr>
+                    <a:t> </a:t>
+                  </a:r>
+                </a:p>
+              </p:txBody>
+            </p:sp>
+          </mc:Fallback>
+        </mc:AlternateContent>
+        <p:grpSp>
+          <p:nvGrpSpPr>
+            <p:cNvPr id="22" name="Group 21">
+              <a:extLst>
+                <a:ext uri="{FF2B5EF4-FFF2-40B4-BE49-F238E27FC236}">
+                  <a16:creationId xmlns:a16="http://schemas.microsoft.com/office/drawing/2014/main" id="{8D7B1D5C-A937-496C-8B4D-2C17D85C035A}"/>
+                </a:ext>
+              </a:extLst>
+            </p:cNvPr>
+            <p:cNvGrpSpPr/>
+            <p:nvPr/>
+          </p:nvGrpSpPr>
+          <p:grpSpPr>
+            <a:xfrm rot="10800000">
+              <a:off x="8587994" y="2071025"/>
+              <a:ext cx="734721" cy="5001949"/>
+              <a:chOff x="8596974" y="2071025"/>
+              <a:chExt cx="734721" cy="5001949"/>
+            </a:xfrm>
+          </p:grpSpPr>
+          <p:sp>
+            <p:nvSpPr>
+              <p:cNvPr id="16" name="Right Bracket 15">
+                <a:extLst>
+                  <a:ext uri="{FF2B5EF4-FFF2-40B4-BE49-F238E27FC236}">
+                    <a16:creationId xmlns:a16="http://schemas.microsoft.com/office/drawing/2014/main" id="{2A49B47E-4969-493B-8931-09C6FCA18EEC}"/>
+                  </a:ext>
+                </a:extLst>
+              </p:cNvPr>
+              <p:cNvSpPr/>
+              <p:nvPr/>
+            </p:nvSpPr>
+            <p:spPr>
+              <a:xfrm>
+                <a:off x="8596974" y="2071025"/>
+                <a:ext cx="734721" cy="5001949"/>
+              </a:xfrm>
+              <a:prstGeom prst="rightBracket">
+                <a:avLst>
+                  <a:gd name="adj" fmla="val 0"/>
+                </a:avLst>
+              </a:prstGeom>
+              <a:ln w="28575">
+                <a:solidFill>
+                  <a:schemeClr val="tx1"/>
+                </a:solidFill>
+                <a:headEnd type="triangle" w="lg" len="lg"/>
+                <a:tailEnd type="triangle" w="lg" len="lg"/>
+              </a:ln>
+            </p:spPr>
+            <p:style>
+              <a:lnRef idx="1">
+                <a:schemeClr val="accent1"/>
+              </a:lnRef>
+              <a:fillRef idx="0">
+                <a:schemeClr val="accent1"/>
+              </a:fillRef>
+              <a:effectRef idx="0">
+                <a:schemeClr val="accent1"/>
+              </a:effectRef>
+              <a:fontRef idx="minor">
+                <a:schemeClr val="tx1"/>
+              </a:fontRef>
+            </p:style>
+            <p:txBody>
+              <a:bodyPr rtlCol="0" anchor="ctr"/>
+              <a:lstStyle/>
+              <a:p>
+                <a:pPr algn="ctr"/>
+                <a:endParaRPr lang="en-US"/>
+              </a:p>
+            </p:txBody>
+          </p:sp>
+          <p:cxnSp>
+            <p:nvCxnSpPr>
+              <p:cNvPr id="18" name="Straight Arrow Connector 17">
+                <a:extLst>
+                  <a:ext uri="{FF2B5EF4-FFF2-40B4-BE49-F238E27FC236}">
+                    <a16:creationId xmlns:a16="http://schemas.microsoft.com/office/drawing/2014/main" id="{82FDF4D2-1181-4FE7-B42C-503CE0DF4089}"/>
+                  </a:ext>
+                </a:extLst>
+              </p:cNvPr>
+              <p:cNvCxnSpPr/>
+              <p:nvPr/>
+            </p:nvCxnSpPr>
+            <p:spPr>
+              <a:xfrm flipH="1">
+                <a:off x="8596974" y="2971800"/>
+                <a:ext cx="734721" cy="0"/>
+              </a:xfrm>
+              <a:prstGeom prst="straightConnector1">
+                <a:avLst/>
+              </a:prstGeom>
+              <a:ln w="28575">
+                <a:solidFill>
+                  <a:schemeClr val="tx1"/>
+                </a:solidFill>
+                <a:tailEnd type="triangle" w="lg" len="lg"/>
+              </a:ln>
+            </p:spPr>
+            <p:style>
+              <a:lnRef idx="1">
+                <a:schemeClr val="accent1"/>
+              </a:lnRef>
+              <a:fillRef idx="0">
+                <a:schemeClr val="accent1"/>
+              </a:fillRef>
+              <a:effectRef idx="0">
+                <a:schemeClr val="accent1"/>
+              </a:effectRef>
+              <a:fontRef idx="minor">
+                <a:schemeClr val="tx1"/>
+              </a:fontRef>
+            </p:style>
+          </p:cxnSp>
+          <p:cxnSp>
+            <p:nvCxnSpPr>
+              <p:cNvPr id="19" name="Straight Arrow Connector 18">
+                <a:extLst>
+                  <a:ext uri="{FF2B5EF4-FFF2-40B4-BE49-F238E27FC236}">
+                    <a16:creationId xmlns:a16="http://schemas.microsoft.com/office/drawing/2014/main" id="{3C7C08D8-9312-4230-B667-C23F9A240D01}"/>
+                  </a:ext>
+                </a:extLst>
+              </p:cNvPr>
+              <p:cNvCxnSpPr/>
+              <p:nvPr/>
+            </p:nvCxnSpPr>
+            <p:spPr>
+              <a:xfrm flipH="1">
+                <a:off x="8596974" y="3879850"/>
+                <a:ext cx="734721" cy="0"/>
+              </a:xfrm>
+              <a:prstGeom prst="straightConnector1">
+                <a:avLst/>
+              </a:prstGeom>
+              <a:ln w="28575">
+                <a:solidFill>
+                  <a:schemeClr val="tx1"/>
+                </a:solidFill>
+                <a:tailEnd type="triangle" w="lg" len="lg"/>
+              </a:ln>
+            </p:spPr>
+            <p:style>
+              <a:lnRef idx="1">
+                <a:schemeClr val="accent1"/>
+              </a:lnRef>
+              <a:fillRef idx="0">
+                <a:schemeClr val="accent1"/>
+              </a:fillRef>
+              <a:effectRef idx="0">
+                <a:schemeClr val="accent1"/>
+              </a:effectRef>
+              <a:fontRef idx="minor">
+                <a:schemeClr val="tx1"/>
+              </a:fontRef>
+            </p:style>
+          </p:cxnSp>
+          <p:cxnSp>
+            <p:nvCxnSpPr>
+              <p:cNvPr id="20" name="Straight Arrow Connector 19">
+                <a:extLst>
+                  <a:ext uri="{FF2B5EF4-FFF2-40B4-BE49-F238E27FC236}">
+                    <a16:creationId xmlns:a16="http://schemas.microsoft.com/office/drawing/2014/main" id="{CCF1BBDB-E91D-47B0-B1C1-AAED4874C430}"/>
+                  </a:ext>
+                </a:extLst>
+              </p:cNvPr>
+              <p:cNvCxnSpPr/>
+              <p:nvPr/>
+            </p:nvCxnSpPr>
+            <p:spPr>
+              <a:xfrm flipH="1">
+                <a:off x="8596974" y="5130800"/>
+                <a:ext cx="734721" cy="0"/>
+              </a:xfrm>
+              <a:prstGeom prst="straightConnector1">
+                <a:avLst/>
+              </a:prstGeom>
+              <a:ln w="28575">
+                <a:solidFill>
+                  <a:schemeClr val="tx1"/>
+                </a:solidFill>
+                <a:tailEnd type="triangle" w="lg" len="lg"/>
+              </a:ln>
+            </p:spPr>
+            <p:style>
+              <a:lnRef idx="1">
+                <a:schemeClr val="accent1"/>
+              </a:lnRef>
+              <a:fillRef idx="0">
+                <a:schemeClr val="accent1"/>
+              </a:fillRef>
+              <a:effectRef idx="0">
+                <a:schemeClr val="accent1"/>
+              </a:effectRef>
+              <a:fontRef idx="minor">
+                <a:schemeClr val="tx1"/>
+              </a:fontRef>
+            </p:style>
+          </p:cxnSp>
+          <p:cxnSp>
+            <p:nvCxnSpPr>
+              <p:cNvPr id="21" name="Straight Arrow Connector 20">
+                <a:extLst>
+                  <a:ext uri="{FF2B5EF4-FFF2-40B4-BE49-F238E27FC236}">
+                    <a16:creationId xmlns:a16="http://schemas.microsoft.com/office/drawing/2014/main" id="{7E0931D4-A04C-47D2-A999-BDCCFFD66F5F}"/>
+                  </a:ext>
+                </a:extLst>
+              </p:cNvPr>
+              <p:cNvCxnSpPr/>
+              <p:nvPr/>
+            </p:nvCxnSpPr>
+            <p:spPr>
+              <a:xfrm flipH="1">
+                <a:off x="8596974" y="6197600"/>
+                <a:ext cx="734721" cy="0"/>
+              </a:xfrm>
+              <a:prstGeom prst="straightConnector1">
+                <a:avLst/>
+              </a:prstGeom>
+              <a:ln w="28575">
+                <a:solidFill>
+                  <a:schemeClr val="tx1"/>
+                </a:solidFill>
+                <a:tailEnd type="triangle" w="lg" len="lg"/>
+              </a:ln>
+            </p:spPr>
+            <p:style>
+              <a:lnRef idx="1">
+                <a:schemeClr val="accent1"/>
+              </a:lnRef>
+              <a:fillRef idx="0">
+                <a:schemeClr val="accent1"/>
+              </a:fillRef>
+              <a:effectRef idx="0">
+                <a:schemeClr val="accent1"/>
+              </a:effectRef>
+              <a:fontRef idx="minor">
+                <a:schemeClr val="tx1"/>
+              </a:fontRef>
+            </p:style>
+          </p:cxnSp>
+        </p:grpSp>
+        <p:sp>
+          <p:nvSpPr>
+            <p:cNvPr id="23" name="TextBox 22">
+              <a:extLst>
+                <a:ext uri="{FF2B5EF4-FFF2-40B4-BE49-F238E27FC236}">
+                  <a16:creationId xmlns:a16="http://schemas.microsoft.com/office/drawing/2014/main" id="{34CD6009-1D53-4821-A3E8-F128363563C9}"/>
+                </a:ext>
+              </a:extLst>
+            </p:cNvPr>
+            <p:cNvSpPr txBox="1"/>
+            <p:nvPr/>
+          </p:nvSpPr>
+          <p:spPr>
+            <a:xfrm>
+              <a:off x="9077329" y="4212938"/>
+              <a:ext cx="1244600" cy="584775"/>
+            </a:xfrm>
+            <a:prstGeom prst="rect">
+              <a:avLst/>
+            </a:prstGeom>
+            <a:noFill/>
+          </p:spPr>
+          <p:txBody>
+            <a:bodyPr wrap="square" rtlCol="0" anchor="ctr">
+              <a:spAutoFit/>
+            </a:bodyPr>
+            <a:lstStyle/>
+            <a:p>
+              <a:pPr algn="ctr"/>
+              <a:r>
+                <a:rPr lang="en-US" sz="3200" b="1" dirty="0"/>
+                <a:t>1</a:t>
+              </a:r>
+            </a:p>
+          </p:txBody>
+        </p:sp>
+      </p:grpSp>
+    </p:spTree>
+    <p:extLst>
+      <p:ext uri="{BB962C8B-B14F-4D97-AF65-F5344CB8AC3E}">
+        <p14:creationId xmlns:p14="http://schemas.microsoft.com/office/powerpoint/2010/main" val="581490245"/>
+      </p:ext>
+    </p:extLst>
+  </p:cSld>
+  <p:clrMapOvr>
+    <a:masterClrMapping/>
+  </p:clrMapOvr>
+</p:sld>
+</file>
+
+<file path=ppt/slides/slide6.xml><?xml version="1.0" encoding="utf-8"?>
+<p:sld xmlns:a="http://schemas.openxmlformats.org/drawingml/2006/main" xmlns:r="http://schemas.openxmlformats.org/officeDocument/2006/relationships" xmlns:p="http://schemas.openxmlformats.org/presentationml/2006/main">
+  <p:cSld>
+    <p:spTree>
+      <p:nvGrpSpPr>
+        <p:cNvPr id="1" name=""/>
+        <p:cNvGrpSpPr/>
+        <p:nvPr/>
+      </p:nvGrpSpPr>
+      <p:grpSpPr>
+        <a:xfrm>
+          <a:off x="0" y="0"/>
+          <a:ext cx="0" cy="0"/>
+          <a:chOff x="0" y="0"/>
+          <a:chExt cx="0" cy="0"/>
+        </a:xfrm>
+      </p:grpSpPr>
+      <p:grpSp>
+        <p:nvGrpSpPr>
+          <p:cNvPr id="39" name="Group 38">
+            <a:extLst>
+              <a:ext uri="{FF2B5EF4-FFF2-40B4-BE49-F238E27FC236}">
+                <a16:creationId xmlns:a16="http://schemas.microsoft.com/office/drawing/2014/main" id="{E51469A8-1C83-41DF-9295-5F733EF23ACB}"/>
+              </a:ext>
+            </a:extLst>
+          </p:cNvPr>
+          <p:cNvGrpSpPr/>
+          <p:nvPr/>
+        </p:nvGrpSpPr>
+        <p:grpSpPr>
+          <a:xfrm>
+            <a:off x="2685142" y="1161142"/>
+            <a:ext cx="6821716" cy="6821716"/>
+            <a:chOff x="2685142" y="1161142"/>
+            <a:chExt cx="6821716" cy="6821716"/>
+          </a:xfrm>
+        </p:grpSpPr>
+        <p:sp>
+          <p:nvSpPr>
+            <p:cNvPr id="2" name="Rectangle 1">
+              <a:extLst>
+                <a:ext uri="{FF2B5EF4-FFF2-40B4-BE49-F238E27FC236}">
+                  <a16:creationId xmlns:a16="http://schemas.microsoft.com/office/drawing/2014/main" id="{BDCA08C4-DFC0-4D1E-A53B-634FDC2C08A8}"/>
+                </a:ext>
+              </a:extLst>
+            </p:cNvPr>
+            <p:cNvSpPr/>
+            <p:nvPr/>
+          </p:nvSpPr>
+          <p:spPr>
+            <a:xfrm>
+              <a:off x="3120571" y="1596571"/>
+              <a:ext cx="5950858" cy="5950858"/>
+            </a:xfrm>
+            <a:prstGeom prst="rect">
+              <a:avLst/>
+            </a:prstGeom>
+            <a:noFill/>
+            <a:ln w="114300">
+              <a:solidFill>
+                <a:srgbClr val="7030A0"/>
+              </a:solidFill>
+            </a:ln>
+          </p:spPr>
+          <p:style>
+            <a:lnRef idx="2">
+              <a:schemeClr val="accent1">
+                <a:shade val="50000"/>
+              </a:schemeClr>
+            </a:lnRef>
+            <a:fillRef idx="1">
+              <a:schemeClr val="accent1"/>
+            </a:fillRef>
+            <a:effectRef idx="0">
+              <a:schemeClr val="accent1"/>
+            </a:effectRef>
+            <a:fontRef idx="minor">
+              <a:schemeClr val="lt1"/>
+            </a:fontRef>
+          </p:style>
+          <p:txBody>
+            <a:bodyPr rtlCol="0" anchor="ctr"/>
+            <a:lstStyle/>
+            <a:p>
+              <a:pPr algn="ctr"/>
+              <a:endParaRPr lang="en-US"/>
+            </a:p>
+          </p:txBody>
+        </p:sp>
+        <p:sp>
+          <p:nvSpPr>
+            <p:cNvPr id="5" name="Oval 4">
+              <a:extLst>
+                <a:ext uri="{FF2B5EF4-FFF2-40B4-BE49-F238E27FC236}">
+                  <a16:creationId xmlns:a16="http://schemas.microsoft.com/office/drawing/2014/main" id="{9FD95E3E-FFCE-4E6B-BADF-E20D9BEE53CF}"/>
+                </a:ext>
+              </a:extLst>
+            </p:cNvPr>
+            <p:cNvSpPr/>
+            <p:nvPr/>
+          </p:nvSpPr>
+          <p:spPr>
+            <a:xfrm>
+              <a:off x="8636000" y="7112000"/>
+              <a:ext cx="870858" cy="870858"/>
+            </a:xfrm>
+            <a:prstGeom prst="ellipse">
+              <a:avLst/>
+            </a:prstGeom>
+            <a:solidFill>
+              <a:schemeClr val="bg1"/>
+            </a:solidFill>
+            <a:ln w="127000">
+              <a:solidFill>
+                <a:schemeClr val="tx1"/>
+              </a:solidFill>
+            </a:ln>
+          </p:spPr>
+          <p:style>
+            <a:lnRef idx="2">
+              <a:schemeClr val="accent1">
+                <a:shade val="50000"/>
+              </a:schemeClr>
+            </a:lnRef>
+            <a:fillRef idx="1">
+              <a:schemeClr val="accent1"/>
+            </a:fillRef>
+            <a:effectRef idx="0">
+              <a:schemeClr val="accent1"/>
+            </a:effectRef>
+            <a:fontRef idx="minor">
+              <a:schemeClr val="lt1"/>
+            </a:fontRef>
+          </p:style>
+          <p:txBody>
+            <a:bodyPr rtlCol="0" anchor="ctr"/>
+            <a:lstStyle/>
+            <a:p>
+              <a:pPr algn="ctr"/>
+              <a:r>
+                <a:rPr lang="en-US" sz="4000" b="1" dirty="0">
+                  <a:solidFill>
+                    <a:sysClr val="windowText" lastClr="000000"/>
+                  </a:solidFill>
+                </a:rPr>
+                <a:t>2</a:t>
+              </a:r>
+            </a:p>
+          </p:txBody>
+        </p:sp>
+        <p:cxnSp>
+          <p:nvCxnSpPr>
+            <p:cNvPr id="33" name="Straight Arrow Connector 32">
+              <a:extLst>
+                <a:ext uri="{FF2B5EF4-FFF2-40B4-BE49-F238E27FC236}">
+                  <a16:creationId xmlns:a16="http://schemas.microsoft.com/office/drawing/2014/main" id="{82D9FFEF-92E5-4B46-9768-23E3A249D392}"/>
+                </a:ext>
+              </a:extLst>
+            </p:cNvPr>
+            <p:cNvCxnSpPr>
+              <a:cxnSpLocks/>
+              <a:stCxn id="5" idx="1"/>
+              <a:endCxn id="3" idx="5"/>
+            </p:cNvCxnSpPr>
+            <p:nvPr/>
+          </p:nvCxnSpPr>
+          <p:spPr>
+            <a:xfrm flipH="1" flipV="1">
+              <a:off x="3428466" y="1904466"/>
+              <a:ext cx="5335068" cy="5335068"/>
+            </a:xfrm>
+            <a:prstGeom prst="straightConnector1">
+              <a:avLst/>
+            </a:prstGeom>
+            <a:ln w="76200">
+              <a:solidFill>
+                <a:schemeClr val="tx1"/>
+              </a:solidFill>
+              <a:prstDash val="sysDot"/>
+              <a:headEnd type="oval"/>
+              <a:tailEnd type="triangle" w="lg" len="lg"/>
+            </a:ln>
+          </p:spPr>
+          <p:style>
+            <a:lnRef idx="1">
+              <a:schemeClr val="accent1"/>
+            </a:lnRef>
+            <a:fillRef idx="0">
+              <a:schemeClr val="accent1"/>
+            </a:fillRef>
+            <a:effectRef idx="0">
+              <a:schemeClr val="accent1"/>
+            </a:effectRef>
+            <a:fontRef idx="minor">
+              <a:schemeClr val="tx1"/>
+            </a:fontRef>
+          </p:style>
+        </p:cxnSp>
+        <p:sp>
+          <p:nvSpPr>
+            <p:cNvPr id="3" name="Oval 2">
+              <a:extLst>
+                <a:ext uri="{FF2B5EF4-FFF2-40B4-BE49-F238E27FC236}">
+                  <a16:creationId xmlns:a16="http://schemas.microsoft.com/office/drawing/2014/main" id="{F6FB47D6-5C61-44EA-9D11-6165DC8C3775}"/>
+                </a:ext>
+              </a:extLst>
+            </p:cNvPr>
+            <p:cNvSpPr/>
+            <p:nvPr/>
+          </p:nvSpPr>
+          <p:spPr>
+            <a:xfrm>
+              <a:off x="2685142" y="1161142"/>
+              <a:ext cx="870858" cy="870858"/>
+            </a:xfrm>
+            <a:prstGeom prst="ellipse">
+              <a:avLst/>
+            </a:prstGeom>
+            <a:solidFill>
+              <a:schemeClr val="bg1"/>
+            </a:solidFill>
+            <a:ln w="127000">
+              <a:solidFill>
+                <a:schemeClr val="tx1"/>
+              </a:solidFill>
+            </a:ln>
+          </p:spPr>
+          <p:style>
+            <a:lnRef idx="2">
+              <a:schemeClr val="accent1">
+                <a:shade val="50000"/>
+              </a:schemeClr>
+            </a:lnRef>
+            <a:fillRef idx="1">
+              <a:schemeClr val="accent1"/>
+            </a:fillRef>
+            <a:effectRef idx="0">
+              <a:schemeClr val="accent1"/>
+            </a:effectRef>
+            <a:fontRef idx="minor">
+              <a:schemeClr val="lt1"/>
+            </a:fontRef>
+          </p:style>
+          <p:txBody>
+            <a:bodyPr rtlCol="0" anchor="ctr"/>
+            <a:lstStyle/>
+            <a:p>
+              <a:pPr algn="ctr"/>
+              <a:r>
+                <a:rPr lang="en-US" sz="4000" b="1" dirty="0">
+                  <a:solidFill>
+                    <a:sysClr val="windowText" lastClr="000000"/>
+                  </a:solidFill>
+                </a:rPr>
+                <a:t>3</a:t>
+              </a:r>
+            </a:p>
+          </p:txBody>
+        </p:sp>
+        <p:sp>
+          <p:nvSpPr>
+            <p:cNvPr id="4" name="Oval 3">
+              <a:extLst>
+                <a:ext uri="{FF2B5EF4-FFF2-40B4-BE49-F238E27FC236}">
+                  <a16:creationId xmlns:a16="http://schemas.microsoft.com/office/drawing/2014/main" id="{47FD5DAA-E806-457A-BA2C-33EADA33FAE4}"/>
+                </a:ext>
+              </a:extLst>
+            </p:cNvPr>
+            <p:cNvSpPr/>
+            <p:nvPr/>
+          </p:nvSpPr>
+          <p:spPr>
+            <a:xfrm>
+              <a:off x="8636000" y="1161142"/>
+              <a:ext cx="870858" cy="870858"/>
+            </a:xfrm>
+            <a:prstGeom prst="ellipse">
+              <a:avLst/>
+            </a:prstGeom>
+            <a:solidFill>
+              <a:schemeClr val="bg1"/>
+            </a:solidFill>
+            <a:ln w="127000">
+              <a:solidFill>
+                <a:schemeClr val="tx1"/>
+              </a:solidFill>
+            </a:ln>
+          </p:spPr>
+          <p:style>
+            <a:lnRef idx="2">
+              <a:schemeClr val="accent1">
+                <a:shade val="50000"/>
+              </a:schemeClr>
+            </a:lnRef>
+            <a:fillRef idx="1">
+              <a:schemeClr val="accent1"/>
+            </a:fillRef>
+            <a:effectRef idx="0">
+              <a:schemeClr val="accent1"/>
+            </a:effectRef>
+            <a:fontRef idx="minor">
+              <a:schemeClr val="lt1"/>
+            </a:fontRef>
+          </p:style>
+          <p:txBody>
+            <a:bodyPr rtlCol="0" anchor="ctr"/>
+            <a:lstStyle/>
+            <a:p>
+              <a:pPr algn="ctr"/>
+              <a:r>
+                <a:rPr lang="en-US" sz="4000" b="1" dirty="0">
+                  <a:solidFill>
+                    <a:sysClr val="windowText" lastClr="000000"/>
+                  </a:solidFill>
+                </a:rPr>
+                <a:t>4</a:t>
+              </a:r>
+            </a:p>
+          </p:txBody>
+        </p:sp>
+        <p:sp>
+          <p:nvSpPr>
+            <p:cNvPr id="6" name="Oval 5">
+              <a:extLst>
+                <a:ext uri="{FF2B5EF4-FFF2-40B4-BE49-F238E27FC236}">
+                  <a16:creationId xmlns:a16="http://schemas.microsoft.com/office/drawing/2014/main" id="{4789FE6D-B915-4179-B000-79F328A3A7BE}"/>
+                </a:ext>
+              </a:extLst>
+            </p:cNvPr>
+            <p:cNvSpPr/>
+            <p:nvPr/>
+          </p:nvSpPr>
+          <p:spPr>
+            <a:xfrm>
+              <a:off x="2685142" y="7112000"/>
+              <a:ext cx="870858" cy="870858"/>
+            </a:xfrm>
+            <a:prstGeom prst="ellipse">
+              <a:avLst/>
+            </a:prstGeom>
+            <a:solidFill>
+              <a:schemeClr val="bg1"/>
+            </a:solidFill>
+            <a:ln w="127000">
+              <a:solidFill>
+                <a:schemeClr val="tx1"/>
+              </a:solidFill>
+            </a:ln>
+          </p:spPr>
+          <p:style>
+            <a:lnRef idx="2">
+              <a:schemeClr val="accent1">
+                <a:shade val="50000"/>
+              </a:schemeClr>
+            </a:lnRef>
+            <a:fillRef idx="1">
+              <a:schemeClr val="accent1"/>
+            </a:fillRef>
+            <a:effectRef idx="0">
+              <a:schemeClr val="accent1"/>
+            </a:effectRef>
+            <a:fontRef idx="minor">
+              <a:schemeClr val="lt1"/>
+            </a:fontRef>
+          </p:style>
+          <p:txBody>
+            <a:bodyPr rtlCol="0" anchor="ctr"/>
+            <a:lstStyle/>
+            <a:p>
+              <a:pPr algn="ctr"/>
+              <a:r>
+                <a:rPr lang="en-US" sz="4000" b="1" dirty="0">
+                  <a:solidFill>
+                    <a:sysClr val="windowText" lastClr="000000"/>
+                  </a:solidFill>
+                </a:rPr>
+                <a:t>1</a:t>
+              </a:r>
+            </a:p>
+          </p:txBody>
+        </p:sp>
+        <p:sp>
+          <p:nvSpPr>
+            <p:cNvPr id="7" name="Rectangle 6">
+              <a:extLst>
+                <a:ext uri="{FF2B5EF4-FFF2-40B4-BE49-F238E27FC236}">
+                  <a16:creationId xmlns:a16="http://schemas.microsoft.com/office/drawing/2014/main" id="{B144564F-31E5-4303-834E-4DD51CDE80ED}"/>
+                </a:ext>
+              </a:extLst>
+            </p:cNvPr>
+            <p:cNvSpPr/>
+            <p:nvPr/>
+          </p:nvSpPr>
+          <p:spPr>
+            <a:xfrm>
+              <a:off x="5631543" y="4107543"/>
+              <a:ext cx="928914" cy="928914"/>
+            </a:xfrm>
+            <a:prstGeom prst="rect">
+              <a:avLst/>
+            </a:prstGeom>
+            <a:solidFill>
+              <a:srgbClr val="7030A0"/>
+            </a:solidFill>
+            <a:ln w="76200">
+              <a:solidFill>
+                <a:schemeClr val="tx1"/>
+              </a:solidFill>
+            </a:ln>
+          </p:spPr>
+          <p:style>
+            <a:lnRef idx="2">
+              <a:schemeClr val="accent1">
+                <a:shade val="50000"/>
+              </a:schemeClr>
+            </a:lnRef>
+            <a:fillRef idx="1">
+              <a:schemeClr val="accent1"/>
+            </a:fillRef>
+            <a:effectRef idx="0">
+              <a:schemeClr val="accent1"/>
+            </a:effectRef>
+            <a:fontRef idx="minor">
+              <a:schemeClr val="lt1"/>
+            </a:fontRef>
+          </p:style>
+          <p:txBody>
+            <a:bodyPr rtlCol="0" anchor="ctr"/>
+            <a:lstStyle/>
+            <a:p>
+              <a:pPr algn="ctr"/>
+              <a:r>
+                <a:rPr lang="en-US" sz="5400" b="1" dirty="0">
+                  <a:ln>
+                    <a:solidFill>
+                      <a:schemeClr val="bg1"/>
+                    </a:solidFill>
+                  </a:ln>
+                  <a:solidFill>
+                    <a:sysClr val="windowText" lastClr="000000"/>
+                  </a:solidFill>
+                </a:rPr>
+                <a:t>1</a:t>
+              </a:r>
+            </a:p>
+          </p:txBody>
+        </p:sp>
+        <p:grpSp>
+          <p:nvGrpSpPr>
+            <p:cNvPr id="12" name="Group 11">
+              <a:extLst>
+                <a:ext uri="{FF2B5EF4-FFF2-40B4-BE49-F238E27FC236}">
+                  <a16:creationId xmlns:a16="http://schemas.microsoft.com/office/drawing/2014/main" id="{65F99726-82CB-473D-A2A0-AE2994A53C0A}"/>
+                </a:ext>
+              </a:extLst>
+            </p:cNvPr>
+            <p:cNvGrpSpPr/>
+            <p:nvPr/>
+          </p:nvGrpSpPr>
+          <p:grpSpPr>
+            <a:xfrm>
+              <a:off x="4111536" y="2721430"/>
+              <a:ext cx="3968928" cy="3563255"/>
+              <a:chOff x="3980545" y="2721430"/>
+              <a:chExt cx="3968928" cy="3563255"/>
+            </a:xfrm>
+          </p:grpSpPr>
+          <p:sp>
+            <p:nvSpPr>
+              <p:cNvPr id="8" name="Pentagon 7">
+                <a:extLst>
+                  <a:ext uri="{FF2B5EF4-FFF2-40B4-BE49-F238E27FC236}">
+                    <a16:creationId xmlns:a16="http://schemas.microsoft.com/office/drawing/2014/main" id="{DCD31B1B-D1CC-4558-942D-91364355B128}"/>
+                  </a:ext>
+                </a:extLst>
+              </p:cNvPr>
+              <p:cNvSpPr/>
+              <p:nvPr/>
+            </p:nvSpPr>
+            <p:spPr>
+              <a:xfrm>
+                <a:off x="6913155" y="2721430"/>
+                <a:ext cx="1036318" cy="986970"/>
+              </a:xfrm>
+              <a:prstGeom prst="pentagon">
+                <a:avLst/>
+              </a:prstGeom>
+              <a:solidFill>
+                <a:srgbClr val="7030A0"/>
+              </a:solidFill>
+              <a:ln w="38100">
+                <a:solidFill>
+                  <a:schemeClr val="tx1"/>
+                </a:solidFill>
+              </a:ln>
+            </p:spPr>
+            <p:style>
+              <a:lnRef idx="2">
+                <a:schemeClr val="accent1">
+                  <a:shade val="50000"/>
+                </a:schemeClr>
+              </a:lnRef>
+              <a:fillRef idx="1">
+                <a:schemeClr val="accent1"/>
+              </a:fillRef>
+              <a:effectRef idx="0">
+                <a:schemeClr val="accent1"/>
+              </a:effectRef>
+              <a:fontRef idx="minor">
+                <a:schemeClr val="lt1"/>
+              </a:fontRef>
+            </p:style>
+            <p:txBody>
+              <a:bodyPr rtlCol="0" anchor="ctr"/>
+              <a:lstStyle/>
+              <a:p>
+                <a:pPr algn="ctr"/>
+                <a:r>
+                  <a:rPr lang="en-US" sz="3200" dirty="0"/>
+                  <a:t>4</a:t>
+                </a:r>
+              </a:p>
+            </p:txBody>
+          </p:sp>
+          <p:sp>
+            <p:nvSpPr>
+              <p:cNvPr id="9" name="Pentagon 8">
+                <a:extLst>
+                  <a:ext uri="{FF2B5EF4-FFF2-40B4-BE49-F238E27FC236}">
+                    <a16:creationId xmlns:a16="http://schemas.microsoft.com/office/drawing/2014/main" id="{AEE9C8AC-8002-4F31-9BE9-ABD0CAA061CB}"/>
+                  </a:ext>
+                </a:extLst>
+              </p:cNvPr>
+              <p:cNvSpPr/>
+              <p:nvPr/>
+            </p:nvSpPr>
+            <p:spPr>
+              <a:xfrm>
+                <a:off x="6913155" y="5297715"/>
+                <a:ext cx="1036318" cy="986970"/>
+              </a:xfrm>
+              <a:prstGeom prst="pentagon">
+                <a:avLst/>
+              </a:prstGeom>
+              <a:solidFill>
+                <a:srgbClr val="7030A0"/>
+              </a:solidFill>
+              <a:ln w="38100">
+                <a:solidFill>
+                  <a:schemeClr val="tx1"/>
+                </a:solidFill>
+              </a:ln>
+            </p:spPr>
+            <p:style>
+              <a:lnRef idx="2">
+                <a:schemeClr val="accent1">
+                  <a:shade val="50000"/>
+                </a:schemeClr>
+              </a:lnRef>
+              <a:fillRef idx="1">
+                <a:schemeClr val="accent1"/>
+              </a:fillRef>
+              <a:effectRef idx="0">
+                <a:schemeClr val="accent1"/>
+              </a:effectRef>
+              <a:fontRef idx="minor">
+                <a:schemeClr val="lt1"/>
+              </a:fontRef>
+            </p:style>
+            <p:txBody>
+              <a:bodyPr rtlCol="0" anchor="ctr"/>
+              <a:lstStyle/>
+              <a:p>
+                <a:pPr algn="ctr"/>
+                <a:r>
+                  <a:rPr lang="en-US" sz="3200" dirty="0"/>
+                  <a:t>2</a:t>
+                </a:r>
+              </a:p>
+            </p:txBody>
+          </p:sp>
+          <p:sp>
+            <p:nvSpPr>
+              <p:cNvPr id="10" name="Pentagon 9">
+                <a:extLst>
+                  <a:ext uri="{FF2B5EF4-FFF2-40B4-BE49-F238E27FC236}">
+                    <a16:creationId xmlns:a16="http://schemas.microsoft.com/office/drawing/2014/main" id="{4F82BDDA-BB34-4CA7-9625-5B3D0F89E26F}"/>
+                  </a:ext>
+                </a:extLst>
+              </p:cNvPr>
+              <p:cNvSpPr/>
+              <p:nvPr/>
+            </p:nvSpPr>
+            <p:spPr>
+              <a:xfrm>
+                <a:off x="3980545" y="5297715"/>
+                <a:ext cx="1036318" cy="986970"/>
+              </a:xfrm>
+              <a:prstGeom prst="pentagon">
+                <a:avLst/>
+              </a:prstGeom>
+              <a:solidFill>
+                <a:srgbClr val="7030A0"/>
+              </a:solidFill>
+              <a:ln w="38100">
+                <a:solidFill>
+                  <a:schemeClr val="tx1"/>
+                </a:solidFill>
+              </a:ln>
+            </p:spPr>
+            <p:style>
+              <a:lnRef idx="2">
+                <a:schemeClr val="accent1">
+                  <a:shade val="50000"/>
+                </a:schemeClr>
+              </a:lnRef>
+              <a:fillRef idx="1">
+                <a:schemeClr val="accent1"/>
+              </a:fillRef>
+              <a:effectRef idx="0">
+                <a:schemeClr val="accent1"/>
+              </a:effectRef>
+              <a:fontRef idx="minor">
+                <a:schemeClr val="lt1"/>
+              </a:fontRef>
+            </p:style>
+            <p:txBody>
+              <a:bodyPr rtlCol="0" anchor="ctr"/>
+              <a:lstStyle/>
+              <a:p>
+                <a:pPr algn="ctr"/>
+                <a:r>
+                  <a:rPr lang="en-US" sz="3200" dirty="0"/>
+                  <a:t>1</a:t>
+                </a:r>
+              </a:p>
+            </p:txBody>
+          </p:sp>
+          <p:sp>
+            <p:nvSpPr>
+              <p:cNvPr id="11" name="Pentagon 10">
+                <a:extLst>
+                  <a:ext uri="{FF2B5EF4-FFF2-40B4-BE49-F238E27FC236}">
+                    <a16:creationId xmlns:a16="http://schemas.microsoft.com/office/drawing/2014/main" id="{87EB0844-8F24-4FA8-A423-76FC4C96CA1D}"/>
+                  </a:ext>
+                </a:extLst>
+              </p:cNvPr>
+              <p:cNvSpPr/>
+              <p:nvPr/>
+            </p:nvSpPr>
+            <p:spPr>
+              <a:xfrm>
+                <a:off x="3980545" y="2721430"/>
+                <a:ext cx="1036318" cy="986970"/>
+              </a:xfrm>
+              <a:prstGeom prst="pentagon">
+                <a:avLst/>
+              </a:prstGeom>
+              <a:solidFill>
+                <a:srgbClr val="7030A0"/>
+              </a:solidFill>
+              <a:ln w="38100">
+                <a:solidFill>
+                  <a:schemeClr val="tx1"/>
+                </a:solidFill>
+              </a:ln>
+            </p:spPr>
+            <p:style>
+              <a:lnRef idx="2">
+                <a:schemeClr val="accent1">
+                  <a:shade val="50000"/>
+                </a:schemeClr>
+              </a:lnRef>
+              <a:fillRef idx="1">
+                <a:schemeClr val="accent1"/>
+              </a:fillRef>
+              <a:effectRef idx="0">
+                <a:schemeClr val="accent1"/>
+              </a:effectRef>
+              <a:fontRef idx="minor">
+                <a:schemeClr val="lt1"/>
+              </a:fontRef>
+            </p:style>
+            <p:txBody>
+              <a:bodyPr rtlCol="0" anchor="ctr"/>
+              <a:lstStyle/>
+              <a:p>
+                <a:pPr algn="ctr"/>
+                <a:r>
+                  <a:rPr lang="en-US" sz="3200" dirty="0"/>
+                  <a:t>3</a:t>
+                </a:r>
+              </a:p>
+            </p:txBody>
+          </p:sp>
+        </p:grpSp>
+        <p:grpSp>
+          <p:nvGrpSpPr>
+            <p:cNvPr id="18" name="Group 17">
+              <a:extLst>
+                <a:ext uri="{FF2B5EF4-FFF2-40B4-BE49-F238E27FC236}">
+                  <a16:creationId xmlns:a16="http://schemas.microsoft.com/office/drawing/2014/main" id="{13C0DA51-C24E-48A3-96C1-C37B54EDC2EA}"/>
+                </a:ext>
+              </a:extLst>
+            </p:cNvPr>
+            <p:cNvGrpSpPr/>
+            <p:nvPr/>
+          </p:nvGrpSpPr>
+          <p:grpSpPr>
+            <a:xfrm>
+              <a:off x="4402726" y="6625772"/>
+              <a:ext cx="3386547" cy="783772"/>
+              <a:chOff x="4402726" y="6720114"/>
+              <a:chExt cx="3386547" cy="783772"/>
+            </a:xfrm>
+          </p:grpSpPr>
+          <p:sp>
+            <p:nvSpPr>
+              <p:cNvPr id="17" name="Rectangle 16">
+                <a:extLst>
+                  <a:ext uri="{FF2B5EF4-FFF2-40B4-BE49-F238E27FC236}">
+                    <a16:creationId xmlns:a16="http://schemas.microsoft.com/office/drawing/2014/main" id="{3C990623-A3B6-4F95-9B72-31124FC6BC3A}"/>
+                  </a:ext>
+                </a:extLst>
+              </p:cNvPr>
+              <p:cNvSpPr/>
+              <p:nvPr/>
+            </p:nvSpPr>
+            <p:spPr>
+              <a:xfrm>
+                <a:off x="4787589" y="6912428"/>
+                <a:ext cx="2609798" cy="399143"/>
+              </a:xfrm>
+              <a:prstGeom prst="rect">
+                <a:avLst/>
+              </a:prstGeom>
+              <a:solidFill>
+                <a:srgbClr val="7030A0"/>
+              </a:solidFill>
+              <a:ln>
+                <a:solidFill>
+                  <a:schemeClr val="tx1"/>
+                </a:solidFill>
+              </a:ln>
+            </p:spPr>
+            <p:style>
+              <a:lnRef idx="2">
+                <a:schemeClr val="accent1">
+                  <a:shade val="50000"/>
+                </a:schemeClr>
+              </a:lnRef>
+              <a:fillRef idx="1">
+                <a:schemeClr val="accent1"/>
+              </a:fillRef>
+              <a:effectRef idx="0">
+                <a:schemeClr val="accent1"/>
+              </a:effectRef>
+              <a:fontRef idx="minor">
+                <a:schemeClr val="lt1"/>
+              </a:fontRef>
+            </p:style>
+            <p:txBody>
+              <a:bodyPr rtlCol="0" anchor="ctr"/>
+              <a:lstStyle/>
+              <a:p>
+                <a:pPr algn="ctr"/>
+                <a:r>
+                  <a:rPr lang="en-US" dirty="0"/>
+                  <a:t>3</a:t>
+                </a:r>
+              </a:p>
+            </p:txBody>
+          </p:sp>
+          <p:sp>
+            <p:nvSpPr>
+              <p:cNvPr id="15" name="Diamond 14">
+                <a:extLst>
+                  <a:ext uri="{FF2B5EF4-FFF2-40B4-BE49-F238E27FC236}">
+                    <a16:creationId xmlns:a16="http://schemas.microsoft.com/office/drawing/2014/main" id="{BD3B7B60-AC2B-4304-A06B-3DC3EC6AB8FC}"/>
+                  </a:ext>
+                </a:extLst>
+              </p:cNvPr>
+              <p:cNvSpPr/>
+              <p:nvPr/>
+            </p:nvSpPr>
+            <p:spPr>
+              <a:xfrm>
+                <a:off x="4402726" y="6720114"/>
+                <a:ext cx="783772" cy="783772"/>
+              </a:xfrm>
+              <a:prstGeom prst="diamond">
+                <a:avLst/>
+              </a:prstGeom>
+              <a:solidFill>
+                <a:srgbClr val="7030A0"/>
+              </a:solidFill>
+              <a:ln>
+                <a:solidFill>
+                  <a:schemeClr val="tx1"/>
+                </a:solidFill>
+              </a:ln>
+            </p:spPr>
+            <p:style>
+              <a:lnRef idx="2">
+                <a:schemeClr val="accent1">
+                  <a:shade val="50000"/>
+                </a:schemeClr>
+              </a:lnRef>
+              <a:fillRef idx="1">
+                <a:schemeClr val="accent1"/>
+              </a:fillRef>
+              <a:effectRef idx="0">
+                <a:schemeClr val="accent1"/>
+              </a:effectRef>
+              <a:fontRef idx="minor">
+                <a:schemeClr val="lt1"/>
+              </a:fontRef>
+            </p:style>
+            <p:txBody>
+              <a:bodyPr rtlCol="0" anchor="ctr"/>
+              <a:lstStyle/>
+              <a:p>
+                <a:pPr algn="ctr"/>
+                <a:r>
+                  <a:rPr lang="en-US" dirty="0"/>
+                  <a:t>1</a:t>
+                </a:r>
+              </a:p>
+            </p:txBody>
+          </p:sp>
+          <p:sp>
+            <p:nvSpPr>
+              <p:cNvPr id="16" name="Diamond 15">
+                <a:extLst>
+                  <a:ext uri="{FF2B5EF4-FFF2-40B4-BE49-F238E27FC236}">
+                    <a16:creationId xmlns:a16="http://schemas.microsoft.com/office/drawing/2014/main" id="{22721AB8-8A3E-4DA2-975A-C799F220B7A1}"/>
+                  </a:ext>
+                </a:extLst>
+              </p:cNvPr>
+              <p:cNvSpPr/>
+              <p:nvPr/>
+            </p:nvSpPr>
+            <p:spPr>
+              <a:xfrm>
+                <a:off x="7005501" y="6720114"/>
+                <a:ext cx="783772" cy="783772"/>
+              </a:xfrm>
+              <a:prstGeom prst="diamond">
+                <a:avLst/>
+              </a:prstGeom>
+              <a:solidFill>
+                <a:srgbClr val="7030A0"/>
+              </a:solidFill>
+              <a:ln>
+                <a:solidFill>
+                  <a:schemeClr val="tx1"/>
+                </a:solidFill>
+              </a:ln>
+            </p:spPr>
+            <p:style>
+              <a:lnRef idx="2">
+                <a:schemeClr val="accent1">
+                  <a:shade val="50000"/>
+                </a:schemeClr>
+              </a:lnRef>
+              <a:fillRef idx="1">
+                <a:schemeClr val="accent1"/>
+              </a:fillRef>
+              <a:effectRef idx="0">
+                <a:schemeClr val="accent1"/>
+              </a:effectRef>
+              <a:fontRef idx="minor">
+                <a:schemeClr val="lt1"/>
+              </a:fontRef>
+            </p:style>
+            <p:txBody>
+              <a:bodyPr rtlCol="0" anchor="ctr"/>
+              <a:lstStyle/>
+              <a:p>
+                <a:pPr algn="ctr"/>
+                <a:r>
+                  <a:rPr lang="en-US" dirty="0"/>
+                  <a:t>2</a:t>
+                </a:r>
+              </a:p>
+            </p:txBody>
+          </p:sp>
+        </p:grpSp>
+        <p:grpSp>
+          <p:nvGrpSpPr>
+            <p:cNvPr id="19" name="Group 18">
+              <a:extLst>
+                <a:ext uri="{FF2B5EF4-FFF2-40B4-BE49-F238E27FC236}">
+                  <a16:creationId xmlns:a16="http://schemas.microsoft.com/office/drawing/2014/main" id="{BBD4D427-F12E-43A2-8BF0-0BB1DD09835C}"/>
+                </a:ext>
+              </a:extLst>
+            </p:cNvPr>
+            <p:cNvGrpSpPr/>
+            <p:nvPr/>
+          </p:nvGrpSpPr>
+          <p:grpSpPr>
+            <a:xfrm>
+              <a:off x="4402726" y="1767115"/>
+              <a:ext cx="3386547" cy="783772"/>
+              <a:chOff x="4402726" y="6720114"/>
+              <a:chExt cx="3386547" cy="783772"/>
+            </a:xfrm>
+          </p:grpSpPr>
+          <p:sp>
+            <p:nvSpPr>
+              <p:cNvPr id="20" name="Rectangle 19">
+                <a:extLst>
+                  <a:ext uri="{FF2B5EF4-FFF2-40B4-BE49-F238E27FC236}">
+                    <a16:creationId xmlns:a16="http://schemas.microsoft.com/office/drawing/2014/main" id="{0E1C5AA2-A3FA-42C1-8184-537830D80C10}"/>
+                  </a:ext>
+                </a:extLst>
+              </p:cNvPr>
+              <p:cNvSpPr/>
+              <p:nvPr/>
+            </p:nvSpPr>
+            <p:spPr>
+              <a:xfrm>
+                <a:off x="4787589" y="6912428"/>
+                <a:ext cx="2609798" cy="399143"/>
+              </a:xfrm>
+              <a:prstGeom prst="rect">
+                <a:avLst/>
+              </a:prstGeom>
+              <a:solidFill>
+                <a:srgbClr val="7030A0"/>
+              </a:solidFill>
+              <a:ln>
+                <a:solidFill>
+                  <a:schemeClr val="tx1"/>
+                </a:solidFill>
+              </a:ln>
+            </p:spPr>
+            <p:style>
+              <a:lnRef idx="2">
+                <a:schemeClr val="accent1">
+                  <a:shade val="50000"/>
+                </a:schemeClr>
+              </a:lnRef>
+              <a:fillRef idx="1">
+                <a:schemeClr val="accent1"/>
+              </a:fillRef>
+              <a:effectRef idx="0">
+                <a:schemeClr val="accent1"/>
+              </a:effectRef>
+              <a:fontRef idx="minor">
+                <a:schemeClr val="lt1"/>
+              </a:fontRef>
+            </p:style>
+            <p:txBody>
+              <a:bodyPr rtlCol="0" anchor="ctr"/>
+              <a:lstStyle/>
+              <a:p>
+                <a:pPr algn="ctr"/>
+                <a:r>
+                  <a:rPr lang="en-US" dirty="0"/>
+                  <a:t>4</a:t>
+                </a:r>
+              </a:p>
+            </p:txBody>
+          </p:sp>
+          <p:sp>
+            <p:nvSpPr>
+              <p:cNvPr id="21" name="Diamond 20">
+                <a:extLst>
+                  <a:ext uri="{FF2B5EF4-FFF2-40B4-BE49-F238E27FC236}">
+                    <a16:creationId xmlns:a16="http://schemas.microsoft.com/office/drawing/2014/main" id="{B2C08B7D-AD9D-41CF-98FA-6C4F72A45688}"/>
+                  </a:ext>
+                </a:extLst>
+              </p:cNvPr>
+              <p:cNvSpPr/>
+              <p:nvPr/>
+            </p:nvSpPr>
+            <p:spPr>
+              <a:xfrm>
+                <a:off x="4402726" y="6720114"/>
+                <a:ext cx="783772" cy="783772"/>
+              </a:xfrm>
+              <a:prstGeom prst="diamond">
+                <a:avLst/>
+              </a:prstGeom>
+              <a:solidFill>
+                <a:srgbClr val="7030A0"/>
+              </a:solidFill>
+              <a:ln>
+                <a:solidFill>
+                  <a:schemeClr val="tx1"/>
+                </a:solidFill>
+              </a:ln>
+            </p:spPr>
+            <p:style>
+              <a:lnRef idx="2">
+                <a:schemeClr val="accent1">
+                  <a:shade val="50000"/>
+                </a:schemeClr>
+              </a:lnRef>
+              <a:fillRef idx="1">
+                <a:schemeClr val="accent1"/>
+              </a:fillRef>
+              <a:effectRef idx="0">
+                <a:schemeClr val="accent1"/>
+              </a:effectRef>
+              <a:fontRef idx="minor">
+                <a:schemeClr val="lt1"/>
+              </a:fontRef>
+            </p:style>
+            <p:txBody>
+              <a:bodyPr rtlCol="0" anchor="ctr"/>
+              <a:lstStyle/>
+              <a:p>
+                <a:pPr algn="ctr"/>
+                <a:r>
+                  <a:rPr lang="en-US" dirty="0"/>
+                  <a:t>2</a:t>
+                </a:r>
+              </a:p>
+            </p:txBody>
+          </p:sp>
+          <p:sp>
+            <p:nvSpPr>
+              <p:cNvPr id="22" name="Diamond 21">
+                <a:extLst>
+                  <a:ext uri="{FF2B5EF4-FFF2-40B4-BE49-F238E27FC236}">
+                    <a16:creationId xmlns:a16="http://schemas.microsoft.com/office/drawing/2014/main" id="{E4A87937-2B40-4D1B-B64D-794C6EC92798}"/>
+                  </a:ext>
+                </a:extLst>
+              </p:cNvPr>
+              <p:cNvSpPr/>
+              <p:nvPr/>
+            </p:nvSpPr>
+            <p:spPr>
+              <a:xfrm>
+                <a:off x="7005501" y="6720114"/>
+                <a:ext cx="783772" cy="783772"/>
+              </a:xfrm>
+              <a:prstGeom prst="diamond">
+                <a:avLst/>
+              </a:prstGeom>
+              <a:solidFill>
+                <a:srgbClr val="7030A0"/>
+              </a:solidFill>
+              <a:ln>
+                <a:solidFill>
+                  <a:schemeClr val="tx1"/>
+                </a:solidFill>
+              </a:ln>
+            </p:spPr>
+            <p:style>
+              <a:lnRef idx="2">
+                <a:schemeClr val="accent1">
+                  <a:shade val="50000"/>
+                </a:schemeClr>
+              </a:lnRef>
+              <a:fillRef idx="1">
+                <a:schemeClr val="accent1"/>
+              </a:fillRef>
+              <a:effectRef idx="0">
+                <a:schemeClr val="accent1"/>
+              </a:effectRef>
+              <a:fontRef idx="minor">
+                <a:schemeClr val="lt1"/>
+              </a:fontRef>
+            </p:style>
+            <p:txBody>
+              <a:bodyPr rtlCol="0" anchor="ctr"/>
+              <a:lstStyle/>
+              <a:p>
+                <a:pPr algn="ctr"/>
+                <a:r>
+                  <a:rPr lang="en-US" dirty="0"/>
+                  <a:t>1</a:t>
+                </a:r>
+              </a:p>
+            </p:txBody>
+          </p:sp>
+        </p:grpSp>
+        <p:grpSp>
+          <p:nvGrpSpPr>
+            <p:cNvPr id="23" name="Group 22">
+              <a:extLst>
+                <a:ext uri="{FF2B5EF4-FFF2-40B4-BE49-F238E27FC236}">
+                  <a16:creationId xmlns:a16="http://schemas.microsoft.com/office/drawing/2014/main" id="{A9C3FE76-339F-49FF-B78E-053BDF7C07D1}"/>
+                </a:ext>
+              </a:extLst>
+            </p:cNvPr>
+            <p:cNvGrpSpPr/>
+            <p:nvPr/>
+          </p:nvGrpSpPr>
+          <p:grpSpPr>
+            <a:xfrm rot="5400000">
+              <a:off x="6882672" y="4180114"/>
+              <a:ext cx="3386547" cy="783772"/>
+              <a:chOff x="4402726" y="6720114"/>
+              <a:chExt cx="3386547" cy="783772"/>
+            </a:xfrm>
+          </p:grpSpPr>
+          <p:sp>
+            <p:nvSpPr>
+              <p:cNvPr id="24" name="Rectangle 23">
+                <a:extLst>
+                  <a:ext uri="{FF2B5EF4-FFF2-40B4-BE49-F238E27FC236}">
+                    <a16:creationId xmlns:a16="http://schemas.microsoft.com/office/drawing/2014/main" id="{8CDFEA14-6AC9-438F-894A-9EC1CD5375FE}"/>
+                  </a:ext>
+                </a:extLst>
+              </p:cNvPr>
+              <p:cNvSpPr/>
+              <p:nvPr/>
+            </p:nvSpPr>
+            <p:spPr>
+              <a:xfrm>
+                <a:off x="4787589" y="6912428"/>
+                <a:ext cx="2609798" cy="399143"/>
+              </a:xfrm>
+              <a:prstGeom prst="rect">
+                <a:avLst/>
+              </a:prstGeom>
+              <a:solidFill>
+                <a:srgbClr val="7030A0"/>
+              </a:solidFill>
+              <a:ln>
+                <a:solidFill>
+                  <a:schemeClr val="tx1"/>
+                </a:solidFill>
+              </a:ln>
+            </p:spPr>
+            <p:style>
+              <a:lnRef idx="2">
+                <a:schemeClr val="accent1">
+                  <a:shade val="50000"/>
+                </a:schemeClr>
+              </a:lnRef>
+              <a:fillRef idx="1">
+                <a:schemeClr val="accent1"/>
+              </a:fillRef>
+              <a:effectRef idx="0">
+                <a:schemeClr val="accent1"/>
+              </a:effectRef>
+              <a:fontRef idx="minor">
+                <a:schemeClr val="lt1"/>
+              </a:fontRef>
+            </p:style>
+            <p:txBody>
+              <a:bodyPr vert="vert270" rtlCol="0" anchor="ctr"/>
+              <a:lstStyle/>
+              <a:p>
+                <a:pPr algn="ctr"/>
+                <a:r>
+                  <a:rPr lang="en-US" dirty="0"/>
+                  <a:t>2</a:t>
+                </a:r>
+              </a:p>
+            </p:txBody>
+          </p:sp>
+          <p:sp>
+            <p:nvSpPr>
+              <p:cNvPr id="25" name="Diamond 24">
+                <a:extLst>
+                  <a:ext uri="{FF2B5EF4-FFF2-40B4-BE49-F238E27FC236}">
+                    <a16:creationId xmlns:a16="http://schemas.microsoft.com/office/drawing/2014/main" id="{D6344107-CEAD-4BFB-9B9F-7E819FE34E24}"/>
+                  </a:ext>
+                </a:extLst>
+              </p:cNvPr>
+              <p:cNvSpPr/>
+              <p:nvPr/>
+            </p:nvSpPr>
+            <p:spPr>
+              <a:xfrm>
+                <a:off x="4402726" y="6720114"/>
+                <a:ext cx="783772" cy="783772"/>
+              </a:xfrm>
+              <a:prstGeom prst="diamond">
+                <a:avLst/>
+              </a:prstGeom>
+              <a:solidFill>
+                <a:srgbClr val="7030A0"/>
+              </a:solidFill>
+              <a:ln>
+                <a:solidFill>
+                  <a:schemeClr val="tx1"/>
+                </a:solidFill>
+              </a:ln>
+            </p:spPr>
+            <p:style>
+              <a:lnRef idx="2">
+                <a:schemeClr val="accent1">
+                  <a:shade val="50000"/>
+                </a:schemeClr>
+              </a:lnRef>
+              <a:fillRef idx="1">
+                <a:schemeClr val="accent1"/>
+              </a:fillRef>
+              <a:effectRef idx="0">
+                <a:schemeClr val="accent1"/>
+              </a:effectRef>
+              <a:fontRef idx="minor">
+                <a:schemeClr val="lt1"/>
+              </a:fontRef>
+            </p:style>
+            <p:txBody>
+              <a:bodyPr vert="vert270" rtlCol="0" anchor="ctr"/>
+              <a:lstStyle/>
+              <a:p>
+                <a:pPr algn="ctr"/>
+                <a:r>
+                  <a:rPr lang="en-US" dirty="0"/>
+                  <a:t>2</a:t>
+                </a:r>
+              </a:p>
+            </p:txBody>
+          </p:sp>
+          <p:sp>
+            <p:nvSpPr>
+              <p:cNvPr id="26" name="Diamond 25">
+                <a:extLst>
+                  <a:ext uri="{FF2B5EF4-FFF2-40B4-BE49-F238E27FC236}">
+                    <a16:creationId xmlns:a16="http://schemas.microsoft.com/office/drawing/2014/main" id="{3103A631-B137-479D-9015-D3AE00095885}"/>
+                  </a:ext>
+                </a:extLst>
+              </p:cNvPr>
+              <p:cNvSpPr/>
+              <p:nvPr/>
+            </p:nvSpPr>
+            <p:spPr>
+              <a:xfrm>
+                <a:off x="7005501" y="6720114"/>
+                <a:ext cx="783772" cy="783772"/>
+              </a:xfrm>
+              <a:prstGeom prst="diamond">
+                <a:avLst/>
+              </a:prstGeom>
+              <a:solidFill>
+                <a:srgbClr val="7030A0"/>
+              </a:solidFill>
+              <a:ln>
+                <a:solidFill>
+                  <a:schemeClr val="tx1"/>
+                </a:solidFill>
+              </a:ln>
+            </p:spPr>
+            <p:style>
+              <a:lnRef idx="2">
+                <a:schemeClr val="accent1">
+                  <a:shade val="50000"/>
+                </a:schemeClr>
+              </a:lnRef>
+              <a:fillRef idx="1">
+                <a:schemeClr val="accent1"/>
+              </a:fillRef>
+              <a:effectRef idx="0">
+                <a:schemeClr val="accent1"/>
+              </a:effectRef>
+              <a:fontRef idx="minor">
+                <a:schemeClr val="lt1"/>
+              </a:fontRef>
+            </p:style>
+            <p:txBody>
+              <a:bodyPr vert="vert270" rtlCol="0" anchor="ctr"/>
+              <a:lstStyle/>
+              <a:p>
+                <a:pPr algn="ctr"/>
+                <a:r>
+                  <a:rPr lang="en-US" dirty="0"/>
+                  <a:t>1</a:t>
+                </a:r>
+              </a:p>
+            </p:txBody>
+          </p:sp>
+        </p:grpSp>
+        <p:grpSp>
+          <p:nvGrpSpPr>
+            <p:cNvPr id="27" name="Group 26">
+              <a:extLst>
+                <a:ext uri="{FF2B5EF4-FFF2-40B4-BE49-F238E27FC236}">
+                  <a16:creationId xmlns:a16="http://schemas.microsoft.com/office/drawing/2014/main" id="{88F75876-8AB9-44C5-A93B-53ACAA601771}"/>
+                </a:ext>
+              </a:extLst>
+            </p:cNvPr>
+            <p:cNvGrpSpPr/>
+            <p:nvPr/>
+          </p:nvGrpSpPr>
+          <p:grpSpPr>
+            <a:xfrm rot="5400000">
+              <a:off x="1922780" y="4180115"/>
+              <a:ext cx="3386547" cy="783772"/>
+              <a:chOff x="4402726" y="6720114"/>
+              <a:chExt cx="3386547" cy="783772"/>
+            </a:xfrm>
+          </p:grpSpPr>
+          <p:sp>
+            <p:nvSpPr>
+              <p:cNvPr id="28" name="Rectangle 27">
+                <a:extLst>
+                  <a:ext uri="{FF2B5EF4-FFF2-40B4-BE49-F238E27FC236}">
+                    <a16:creationId xmlns:a16="http://schemas.microsoft.com/office/drawing/2014/main" id="{9E04A609-87FC-4DB6-B10C-5B26455AFFCA}"/>
+                  </a:ext>
+                </a:extLst>
+              </p:cNvPr>
+              <p:cNvSpPr/>
+              <p:nvPr/>
+            </p:nvSpPr>
+            <p:spPr>
+              <a:xfrm>
+                <a:off x="4787589" y="6912428"/>
+                <a:ext cx="2609798" cy="399143"/>
+              </a:xfrm>
+              <a:prstGeom prst="rect">
+                <a:avLst/>
+              </a:prstGeom>
+              <a:solidFill>
+                <a:srgbClr val="7030A0"/>
+              </a:solidFill>
+              <a:ln>
+                <a:solidFill>
+                  <a:schemeClr val="tx1"/>
+                </a:solidFill>
+              </a:ln>
+            </p:spPr>
+            <p:style>
+              <a:lnRef idx="2">
+                <a:schemeClr val="accent1">
+                  <a:shade val="50000"/>
+                </a:schemeClr>
+              </a:lnRef>
+              <a:fillRef idx="1">
+                <a:schemeClr val="accent1"/>
+              </a:fillRef>
+              <a:effectRef idx="0">
+                <a:schemeClr val="accent1"/>
+              </a:effectRef>
+              <a:fontRef idx="minor">
+                <a:schemeClr val="lt1"/>
+              </a:fontRef>
+            </p:style>
+            <p:txBody>
+              <a:bodyPr vert="vert270" rtlCol="0" anchor="ctr"/>
+              <a:lstStyle/>
+              <a:p>
+                <a:pPr algn="ctr"/>
+                <a:r>
+                  <a:rPr lang="en-US" dirty="0"/>
+                  <a:t>1</a:t>
+                </a:r>
+              </a:p>
+            </p:txBody>
+          </p:sp>
+          <p:sp>
+            <p:nvSpPr>
+              <p:cNvPr id="29" name="Diamond 28">
+                <a:extLst>
+                  <a:ext uri="{FF2B5EF4-FFF2-40B4-BE49-F238E27FC236}">
+                    <a16:creationId xmlns:a16="http://schemas.microsoft.com/office/drawing/2014/main" id="{31128C17-8570-447F-8CF1-984FBE44E837}"/>
+                  </a:ext>
+                </a:extLst>
+              </p:cNvPr>
+              <p:cNvSpPr/>
+              <p:nvPr/>
+            </p:nvSpPr>
+            <p:spPr>
+              <a:xfrm>
+                <a:off x="4402726" y="6720114"/>
+                <a:ext cx="783772" cy="783772"/>
+              </a:xfrm>
+              <a:prstGeom prst="diamond">
+                <a:avLst/>
+              </a:prstGeom>
+              <a:solidFill>
+                <a:srgbClr val="7030A0"/>
+              </a:solidFill>
+              <a:ln>
+                <a:solidFill>
+                  <a:schemeClr val="tx1"/>
+                </a:solidFill>
+              </a:ln>
+            </p:spPr>
+            <p:style>
+              <a:lnRef idx="2">
+                <a:schemeClr val="accent1">
+                  <a:shade val="50000"/>
+                </a:schemeClr>
+              </a:lnRef>
+              <a:fillRef idx="1">
+                <a:schemeClr val="accent1"/>
+              </a:fillRef>
+              <a:effectRef idx="0">
+                <a:schemeClr val="accent1"/>
+              </a:effectRef>
+              <a:fontRef idx="minor">
+                <a:schemeClr val="lt1"/>
+              </a:fontRef>
+            </p:style>
+            <p:txBody>
+              <a:bodyPr vert="vert270" rtlCol="0" anchor="ctr"/>
+              <a:lstStyle/>
+              <a:p>
+                <a:pPr algn="ctr"/>
+                <a:r>
+                  <a:rPr lang="en-US" dirty="0"/>
+                  <a:t>1</a:t>
+                </a:r>
+              </a:p>
+            </p:txBody>
+          </p:sp>
+          <p:sp>
+            <p:nvSpPr>
+              <p:cNvPr id="30" name="Diamond 29">
+                <a:extLst>
+                  <a:ext uri="{FF2B5EF4-FFF2-40B4-BE49-F238E27FC236}">
+                    <a16:creationId xmlns:a16="http://schemas.microsoft.com/office/drawing/2014/main" id="{635E5AAB-C615-41AB-8610-D10B104AD3E3}"/>
+                  </a:ext>
+                </a:extLst>
+              </p:cNvPr>
+              <p:cNvSpPr/>
+              <p:nvPr/>
+            </p:nvSpPr>
+            <p:spPr>
+              <a:xfrm>
+                <a:off x="7005501" y="6720114"/>
+                <a:ext cx="783772" cy="783772"/>
+              </a:xfrm>
+              <a:prstGeom prst="diamond">
+                <a:avLst/>
+              </a:prstGeom>
+              <a:solidFill>
+                <a:srgbClr val="7030A0"/>
+              </a:solidFill>
+              <a:ln>
+                <a:solidFill>
+                  <a:schemeClr val="tx1"/>
+                </a:solidFill>
+              </a:ln>
+            </p:spPr>
+            <p:style>
+              <a:lnRef idx="2">
+                <a:schemeClr val="accent1">
+                  <a:shade val="50000"/>
+                </a:schemeClr>
+              </a:lnRef>
+              <a:fillRef idx="1">
+                <a:schemeClr val="accent1"/>
+              </a:fillRef>
+              <a:effectRef idx="0">
+                <a:schemeClr val="accent1"/>
+              </a:effectRef>
+              <a:fontRef idx="minor">
+                <a:schemeClr val="lt1"/>
+              </a:fontRef>
+            </p:style>
+            <p:txBody>
+              <a:bodyPr vert="vert270" rtlCol="0" anchor="ctr"/>
+              <a:lstStyle/>
+              <a:p>
+                <a:pPr algn="ctr"/>
+                <a:r>
+                  <a:rPr lang="en-US" dirty="0"/>
+                  <a:t>2</a:t>
+                </a:r>
+              </a:p>
+            </p:txBody>
+          </p:sp>
+        </p:grpSp>
+        <p:cxnSp>
+          <p:nvCxnSpPr>
+            <p:cNvPr id="32" name="Straight Arrow Connector 31">
+              <a:extLst>
+                <a:ext uri="{FF2B5EF4-FFF2-40B4-BE49-F238E27FC236}">
+                  <a16:creationId xmlns:a16="http://schemas.microsoft.com/office/drawing/2014/main" id="{901E3F17-D836-41F3-AFAA-0676C740BC2D}"/>
+                </a:ext>
+              </a:extLst>
+            </p:cNvPr>
+            <p:cNvCxnSpPr>
+              <a:stCxn id="6" idx="6"/>
+              <a:endCxn id="5" idx="2"/>
+            </p:cNvCxnSpPr>
+            <p:nvPr/>
+          </p:nvCxnSpPr>
+          <p:spPr>
+            <a:xfrm>
+              <a:off x="3556000" y="7547429"/>
+              <a:ext cx="5080000" cy="0"/>
+            </a:xfrm>
+            <a:prstGeom prst="straightConnector1">
+              <a:avLst/>
+            </a:prstGeom>
+            <a:ln w="76200">
+              <a:solidFill>
+                <a:schemeClr val="tx1"/>
+              </a:solidFill>
+              <a:prstDash val="sysDot"/>
+              <a:headEnd type="oval"/>
+              <a:tailEnd type="triangle" w="lg" len="lg"/>
+            </a:ln>
+          </p:spPr>
+          <p:style>
+            <a:lnRef idx="1">
+              <a:schemeClr val="accent1"/>
+            </a:lnRef>
+            <a:fillRef idx="0">
+              <a:schemeClr val="accent1"/>
+            </a:fillRef>
+            <a:effectRef idx="0">
+              <a:schemeClr val="accent1"/>
+            </a:effectRef>
+            <a:fontRef idx="minor">
+              <a:schemeClr val="tx1"/>
+            </a:fontRef>
+          </p:style>
+        </p:cxnSp>
+        <p:cxnSp>
+          <p:nvCxnSpPr>
+            <p:cNvPr id="36" name="Straight Arrow Connector 35">
+              <a:extLst>
+                <a:ext uri="{FF2B5EF4-FFF2-40B4-BE49-F238E27FC236}">
+                  <a16:creationId xmlns:a16="http://schemas.microsoft.com/office/drawing/2014/main" id="{222F8FB3-E7DF-400B-B87A-18E121B0D6B2}"/>
+                </a:ext>
+              </a:extLst>
+            </p:cNvPr>
+            <p:cNvCxnSpPr>
+              <a:cxnSpLocks/>
+              <a:stCxn id="3" idx="6"/>
+              <a:endCxn id="4" idx="2"/>
+            </p:cNvCxnSpPr>
+            <p:nvPr/>
+          </p:nvCxnSpPr>
+          <p:spPr>
+            <a:xfrm>
+              <a:off x="3556000" y="1596571"/>
+              <a:ext cx="5080000" cy="0"/>
+            </a:xfrm>
+            <a:prstGeom prst="straightConnector1">
+              <a:avLst/>
+            </a:prstGeom>
+            <a:ln w="76200">
+              <a:solidFill>
+                <a:schemeClr val="tx1"/>
+              </a:solidFill>
+              <a:prstDash val="sysDot"/>
+              <a:headEnd type="oval"/>
+              <a:tailEnd type="triangle" w="lg" len="lg"/>
+            </a:ln>
+          </p:spPr>
+          <p:style>
+            <a:lnRef idx="1">
+              <a:schemeClr val="accent1"/>
+            </a:lnRef>
+            <a:fillRef idx="0">
+              <a:schemeClr val="accent1"/>
+            </a:fillRef>
+            <a:effectRef idx="0">
+              <a:schemeClr val="accent1"/>
+            </a:effectRef>
+            <a:fontRef idx="minor">
+              <a:schemeClr val="tx1"/>
+            </a:fontRef>
+          </p:style>
+        </p:cxnSp>
+      </p:grpSp>
+    </p:spTree>
+    <p:extLst>
+      <p:ext uri="{BB962C8B-B14F-4D97-AF65-F5344CB8AC3E}">
+        <p14:creationId xmlns:p14="http://schemas.microsoft.com/office/powerpoint/2010/main" val="331311750"/>
+      </p:ext>
+    </p:extLst>
+  </p:cSld>
+  <p:clrMapOvr>
+    <a:masterClrMapping/>
+  </p:clrMapOvr>
+</p:sld>
+</file>
+
+<file path=ppt/slides/slide7.xml><?xml version="1.0" encoding="utf-8"?>
+<p:sld xmlns:a="http://schemas.openxmlformats.org/drawingml/2006/main" xmlns:r="http://schemas.openxmlformats.org/officeDocument/2006/relationships" xmlns:p="http://schemas.openxmlformats.org/presentationml/2006/main">
+  <p:cSld>
+    <p:spTree>
+      <p:nvGrpSpPr>
+        <p:cNvPr id="1" name=""/>
+        <p:cNvGrpSpPr/>
+        <p:nvPr/>
+      </p:nvGrpSpPr>
+      <p:grpSpPr>
+        <a:xfrm>
+          <a:off x="0" y="0"/>
+          <a:ext cx="0" cy="0"/>
+          <a:chOff x="0" y="0"/>
+          <a:chExt cx="0" cy="0"/>
+        </a:xfrm>
+      </p:grpSpPr>
+      <p:grpSp>
+        <p:nvGrpSpPr>
           <p:cNvPr id="2" name="Group 1">
             <a:extLst>
               <a:ext uri="{FF2B5EF4-FFF2-40B4-BE49-F238E27FC236}">
@@ -7195,8 +12171,8 @@
         </p:nvGrpSpPr>
         <p:grpSpPr>
           <a:xfrm>
-            <a:off x="2781634" y="3820400"/>
-            <a:ext cx="1218576" cy="1242387"/>
+            <a:off x="4945127" y="3235823"/>
+            <a:ext cx="2166357" cy="2208688"/>
             <a:chOff x="4945125" y="2092823"/>
             <a:chExt cx="2166357" cy="2208688"/>
           </a:xfrm>
@@ -7254,7 +12230,7 @@
             <a:lstStyle/>
             <a:p>
               <a:pPr algn="ctr"/>
-              <a:endParaRPr lang="en-US" sz="1013"/>
+              <a:endParaRPr lang="en-US" sz="1801"/>
             </a:p>
           </p:txBody>
         </p:sp>
@@ -7312,7 +12288,7 @@
             <a:p>
               <a:pPr algn="ctr"/>
               <a:r>
-                <a:rPr lang="en-US" sz="1013" dirty="0">
+                <a:rPr lang="en-US" sz="1801" dirty="0">
                   <a:solidFill>
                     <a:sysClr val="windowText" lastClr="000000"/>
                   </a:solidFill>
@@ -7376,7 +12352,7 @@
             <a:p>
               <a:pPr algn="ctr"/>
               <a:r>
-                <a:rPr lang="en-US" sz="1013" dirty="0">
+                <a:rPr lang="en-US" sz="1801" dirty="0">
                   <a:solidFill>
                     <a:sysClr val="windowText" lastClr="000000"/>
                   </a:solidFill>
@@ -7440,7 +12416,7 @@
             <a:p>
               <a:pPr algn="ctr"/>
               <a:r>
-                <a:rPr lang="en-US" sz="1013" dirty="0">
+                <a:rPr lang="en-US" sz="1801" dirty="0">
                   <a:solidFill>
                     <a:sysClr val="windowText" lastClr="000000"/>
                   </a:solidFill>
@@ -7504,7 +12480,7 @@
             <a:p>
               <a:pPr algn="ctr"/>
               <a:r>
-                <a:rPr lang="en-US" sz="1013" dirty="0">
+                <a:rPr lang="en-US" sz="1801" dirty="0">
                   <a:solidFill>
                     <a:sysClr val="windowText" lastClr="000000"/>
                   </a:solidFill>
@@ -7529,7 +12505,7 @@
           <p:spPr>
             <a:xfrm>
               <a:off x="5878584" y="3035747"/>
-              <a:ext cx="333909" cy="441260"/>
+              <a:ext cx="333909" cy="369460"/>
             </a:xfrm>
             <a:prstGeom prst="rect">
               <a:avLst/>
@@ -7543,7 +12519,7 @@
             <a:lstStyle/>
             <a:p>
               <a:r>
-                <a:rPr lang="en-US" sz="1013" dirty="0"/>
+                <a:rPr lang="en-US" sz="1801" dirty="0"/>
                 <a:t>1</a:t>
               </a:r>
             </a:p>
@@ -7612,7 +12588,7 @@
               <a:p>
                 <a:pPr algn="ctr"/>
                 <a:r>
-                  <a:rPr lang="en-US" sz="1013" dirty="0"/>
+                  <a:rPr lang="en-US" sz="1801" dirty="0"/>
                   <a:t>1</a:t>
                 </a:r>
               </a:p>
@@ -7661,7 +12637,7 @@
               <a:p>
                 <a:pPr algn="ctr"/>
                 <a:r>
-                  <a:rPr lang="en-US" sz="1013" dirty="0"/>
+                  <a:rPr lang="en-US" sz="1801" dirty="0"/>
                   <a:t>2</a:t>
                 </a:r>
               </a:p>
@@ -7710,7 +12686,7 @@
               <a:p>
                 <a:pPr algn="ctr"/>
                 <a:r>
-                  <a:rPr lang="en-US" sz="1013" dirty="0"/>
+                  <a:rPr lang="en-US" sz="1801" dirty="0"/>
                   <a:t>4</a:t>
                 </a:r>
               </a:p>
@@ -7759,7 +12735,7 @@
               <a:p>
                 <a:pPr algn="ctr"/>
                 <a:r>
-                  <a:rPr lang="en-US" sz="1013" dirty="0"/>
+                  <a:rPr lang="en-US" sz="1801" dirty="0"/>
                   <a:t>3</a:t>
                 </a:r>
               </a:p>
@@ -7809,7 +12785,7 @@
             <a:p>
               <a:pPr algn="ctr"/>
               <a:r>
-                <a:rPr lang="en-US" sz="1013" dirty="0"/>
+                <a:rPr lang="en-US" sz="1801" dirty="0"/>
                 <a:t>1</a:t>
               </a:r>
             </a:p>
@@ -7858,7 +12834,7 @@
             <a:p>
               <a:pPr algn="ctr"/>
               <a:r>
-                <a:rPr lang="en-US" sz="1013" dirty="0"/>
+                <a:rPr lang="en-US" sz="1801" dirty="0"/>
                 <a:t>2</a:t>
               </a:r>
             </a:p>
@@ -7907,7 +12883,7 @@
             <a:p>
               <a:pPr algn="ctr"/>
               <a:r>
-                <a:rPr lang="en-US" sz="1013" dirty="0"/>
+                <a:rPr lang="en-US" sz="1801" dirty="0"/>
                 <a:t>1</a:t>
               </a:r>
             </a:p>
@@ -7956,7 +12932,7 @@
             <a:p>
               <a:pPr algn="ctr"/>
               <a:r>
-                <a:rPr lang="en-US" sz="1013" dirty="0"/>
+                <a:rPr lang="en-US" sz="1801" dirty="0"/>
                 <a:t>2</a:t>
               </a:r>
             </a:p>
@@ -8005,7 +12981,7 @@
             <a:p>
               <a:pPr algn="ctr"/>
               <a:r>
-                <a:rPr lang="en-US" sz="1013" dirty="0"/>
+                <a:rPr lang="en-US" sz="1801" dirty="0"/>
                 <a:t>1</a:t>
               </a:r>
             </a:p>
@@ -8054,7 +13030,7 @@
             <a:p>
               <a:pPr algn="ctr"/>
               <a:r>
-                <a:rPr lang="en-US" sz="1013" dirty="0"/>
+                <a:rPr lang="en-US" sz="1801" dirty="0"/>
                 <a:t>2</a:t>
               </a:r>
             </a:p>
@@ -8103,7 +13079,7 @@
             <a:p>
               <a:pPr algn="ctr"/>
               <a:r>
-                <a:rPr lang="en-US" sz="1013" dirty="0"/>
+                <a:rPr lang="en-US" sz="1801" dirty="0"/>
                 <a:t>1</a:t>
               </a:r>
             </a:p>
@@ -8152,7 +13128,7 @@
             <a:p>
               <a:pPr algn="ctr"/>
               <a:r>
-                <a:rPr lang="en-US" sz="1013" dirty="0"/>
+                <a:rPr lang="en-US" sz="1801" dirty="0"/>
                 <a:t>2</a:t>
               </a:r>
             </a:p>
